--- a/Poster_temp.pptx
+++ b/Poster_temp.pptx
@@ -243,7 +243,7 @@
           <a:p>
             <a:fld id="{FC62E51D-E481-47E9-916C-E51F70894DDD}" type="datetimeFigureOut">
               <a:rPr lang="en-US" smtClean="0"/>
-              <a:t>5/29/18</a:t>
+              <a:t>5/30/18</a:t>
             </a:fld>
             <a:endParaRPr lang="en-US"/>
           </a:p>
@@ -413,7 +413,7 @@
           <a:p>
             <a:fld id="{FC62E51D-E481-47E9-916C-E51F70894DDD}" type="datetimeFigureOut">
               <a:rPr lang="en-US" smtClean="0"/>
-              <a:t>5/29/18</a:t>
+              <a:t>5/30/18</a:t>
             </a:fld>
             <a:endParaRPr lang="en-US"/>
           </a:p>
@@ -593,7 +593,7 @@
           <a:p>
             <a:fld id="{FC62E51D-E481-47E9-916C-E51F70894DDD}" type="datetimeFigureOut">
               <a:rPr lang="en-US" smtClean="0"/>
-              <a:t>5/29/18</a:t>
+              <a:t>5/30/18</a:t>
             </a:fld>
             <a:endParaRPr lang="en-US"/>
           </a:p>
@@ -763,7 +763,7 @@
           <a:p>
             <a:fld id="{FC62E51D-E481-47E9-916C-E51F70894DDD}" type="datetimeFigureOut">
               <a:rPr lang="en-US" smtClean="0"/>
-              <a:t>5/29/18</a:t>
+              <a:t>5/30/18</a:t>
             </a:fld>
             <a:endParaRPr lang="en-US"/>
           </a:p>
@@ -1007,7 +1007,7 @@
           <a:p>
             <a:fld id="{FC62E51D-E481-47E9-916C-E51F70894DDD}" type="datetimeFigureOut">
               <a:rPr lang="en-US" smtClean="0"/>
-              <a:t>5/29/18</a:t>
+              <a:t>5/30/18</a:t>
             </a:fld>
             <a:endParaRPr lang="en-US"/>
           </a:p>
@@ -1239,7 +1239,7 @@
           <a:p>
             <a:fld id="{FC62E51D-E481-47E9-916C-E51F70894DDD}" type="datetimeFigureOut">
               <a:rPr lang="en-US" smtClean="0"/>
-              <a:t>5/29/18</a:t>
+              <a:t>5/30/18</a:t>
             </a:fld>
             <a:endParaRPr lang="en-US"/>
           </a:p>
@@ -1606,7 +1606,7 @@
           <a:p>
             <a:fld id="{FC62E51D-E481-47E9-916C-E51F70894DDD}" type="datetimeFigureOut">
               <a:rPr lang="en-US" smtClean="0"/>
-              <a:t>5/29/18</a:t>
+              <a:t>5/30/18</a:t>
             </a:fld>
             <a:endParaRPr lang="en-US"/>
           </a:p>
@@ -1724,7 +1724,7 @@
           <a:p>
             <a:fld id="{FC62E51D-E481-47E9-916C-E51F70894DDD}" type="datetimeFigureOut">
               <a:rPr lang="en-US" smtClean="0"/>
-              <a:t>5/29/18</a:t>
+              <a:t>5/30/18</a:t>
             </a:fld>
             <a:endParaRPr lang="en-US"/>
           </a:p>
@@ -1819,7 +1819,7 @@
           <a:p>
             <a:fld id="{FC62E51D-E481-47E9-916C-E51F70894DDD}" type="datetimeFigureOut">
               <a:rPr lang="en-US" smtClean="0"/>
-              <a:t>5/29/18</a:t>
+              <a:t>5/30/18</a:t>
             </a:fld>
             <a:endParaRPr lang="en-US"/>
           </a:p>
@@ -2096,7 +2096,7 @@
           <a:p>
             <a:fld id="{FC62E51D-E481-47E9-916C-E51F70894DDD}" type="datetimeFigureOut">
               <a:rPr lang="en-US" smtClean="0"/>
-              <a:t>5/29/18</a:t>
+              <a:t>5/30/18</a:t>
             </a:fld>
             <a:endParaRPr lang="en-US"/>
           </a:p>
@@ -2353,7 +2353,7 @@
           <a:p>
             <a:fld id="{FC62E51D-E481-47E9-916C-E51F70894DDD}" type="datetimeFigureOut">
               <a:rPr lang="en-US" smtClean="0"/>
-              <a:t>5/29/18</a:t>
+              <a:t>5/30/18</a:t>
             </a:fld>
             <a:endParaRPr lang="en-US"/>
           </a:p>
@@ -2566,7 +2566,7 @@
           <a:p>
             <a:fld id="{FC62E51D-E481-47E9-916C-E51F70894DDD}" type="datetimeFigureOut">
               <a:rPr lang="en-US" smtClean="0"/>
-              <a:t>5/29/18</a:t>
+              <a:t>5/30/18</a:t>
             </a:fld>
             <a:endParaRPr lang="en-US"/>
           </a:p>
@@ -4374,7 +4374,7 @@
         </p:nvSpPr>
         <p:spPr>
           <a:xfrm>
-            <a:off x="25766727" y="4540843"/>
+            <a:off x="25662608" y="4388443"/>
             <a:ext cx="9144000" cy="914400"/>
           </a:xfrm>
           <a:prstGeom prst="roundRect">
@@ -4518,7 +4518,7 @@
         </p:nvSpPr>
         <p:spPr>
           <a:xfrm>
-            <a:off x="25766727" y="18227900"/>
+            <a:off x="25766727" y="18457574"/>
             <a:ext cx="9144000" cy="914400"/>
           </a:xfrm>
           <a:prstGeom prst="roundRect">
@@ -4558,7 +4558,7 @@
                   <a:schemeClr val="tx1"/>
                 </a:solidFill>
               </a:rPr>
-              <a:t>Read-Time</a:t>
+              <a:t>Real-Time</a:t>
             </a:r>
             <a:r>
               <a:rPr lang="zh-Hans" altLang="en-US" sz="5400" dirty="0">
@@ -4598,7 +4598,7 @@
         </p:nvSpPr>
         <p:spPr>
           <a:xfrm>
-            <a:off x="13717935" y="9700307"/>
+            <a:off x="13717935" y="12164107"/>
             <a:ext cx="9144000" cy="914400"/>
           </a:xfrm>
           <a:prstGeom prst="roundRect">
@@ -7588,7 +7588,23 @@
                 <a:ea typeface="Arial" charset="0"/>
                 <a:cs typeface="Arial" charset="0"/>
               </a:rPr>
-              <a:t>Perform linear regression for each category. The resulting AP score per category and the overall </a:t>
+              <a:t>Perform </a:t>
+            </a:r>
+            <a:r>
+              <a:rPr kumimoji="1" lang="en-US" altLang="zh-CN" sz="2800" b="1" dirty="0">
+                <a:latin typeface="Arial" charset="0"/>
+                <a:ea typeface="Arial" charset="0"/>
+                <a:cs typeface="Arial" charset="0"/>
+              </a:rPr>
+              <a:t>linear regression</a:t>
+            </a:r>
+            <a:r>
+              <a:rPr kumimoji="1" lang="en-US" altLang="zh-CN" sz="2800" dirty="0">
+                <a:latin typeface="Arial" charset="0"/>
+                <a:ea typeface="Arial" charset="0"/>
+                <a:cs typeface="Arial" charset="0"/>
+              </a:rPr>
+              <a:t> for each category. The resulting AP score per category and the overall </a:t>
             </a:r>
             <a:r>
               <a:rPr kumimoji="1" lang="en-US" altLang="zh-CN" sz="2800" dirty="0" err="1">
@@ -7686,12 +7702,20 @@
               <a:buChar char="•"/>
             </a:pPr>
             <a:r>
+              <a:rPr kumimoji="1" lang="en-US" altLang="zh-CN" sz="2800" b="1" dirty="0">
+                <a:latin typeface="Arial" charset="0"/>
+                <a:ea typeface="Arial" charset="0"/>
+                <a:cs typeface="Arial" charset="0"/>
+              </a:rPr>
+              <a:t>Hard Negative Mining </a:t>
+            </a:r>
+            <a:r>
               <a:rPr kumimoji="1" lang="en-US" altLang="zh-CN" sz="2800" dirty="0">
                 <a:latin typeface="Arial" charset="0"/>
                 <a:ea typeface="Arial" charset="0"/>
                 <a:cs typeface="Arial" charset="0"/>
               </a:rPr>
-              <a:t>Hard Negative Mining is used to reduce the false positive predictions by the model, which will be done automatically after certain epochs after convergence.</a:t>
+              <a:t>is used to reduce the false positive predictions by the model, which will be done automatically after certain epochs after convergence.</a:t>
             </a:r>
             <a:endParaRPr kumimoji="1" lang="zh-CN" altLang="en-US" sz="2800" dirty="0">
               <a:latin typeface="Arial" charset="0"/>
@@ -7729,8 +7753,8 @@
         </p:blipFill>
         <p:spPr>
           <a:xfrm>
-            <a:off x="25230670" y="6157624"/>
-            <a:ext cx="10247322" cy="6446671"/>
+            <a:off x="25290218" y="5653398"/>
+            <a:ext cx="10128225" cy="6446671"/>
           </a:xfrm>
           <a:prstGeom prst="rect">
             <a:avLst/>
@@ -7765,8 +7789,8 @@
         </p:blipFill>
         <p:spPr>
           <a:xfrm>
-            <a:off x="13153109" y="17625118"/>
-            <a:ext cx="10263730" cy="7096340"/>
+            <a:off x="13414365" y="19446224"/>
+            <a:ext cx="9706891" cy="6711342"/>
           </a:xfrm>
           <a:prstGeom prst="rect">
             <a:avLst/>
@@ -7787,7 +7811,7 @@
         </p:nvSpPr>
         <p:spPr>
           <a:xfrm>
-            <a:off x="13716000" y="15963367"/>
+            <a:off x="13716000" y="18184051"/>
             <a:ext cx="9144000" cy="914400"/>
           </a:xfrm>
           <a:prstGeom prst="roundRect">
@@ -7829,6 +7853,5451 @@
               </a:rPr>
               <a:t>K Nearest Neighbors</a:t>
             </a:r>
+          </a:p>
+        </p:txBody>
+      </p:sp>
+      <p:sp>
+        <p:nvSpPr>
+          <p:cNvPr id="61" name="文本框 12">
+            <a:extLst>
+              <a:ext uri="{FF2B5EF4-FFF2-40B4-BE49-F238E27FC236}">
+                <a16:creationId xmlns:a16="http://schemas.microsoft.com/office/drawing/2014/main" id="{0BB2D41B-7A28-1048-9E0A-D13C4D24A02D}"/>
+              </a:ext>
+            </a:extLst>
+          </p:cNvPr>
+          <p:cNvSpPr txBox="1"/>
+          <p:nvPr/>
+        </p:nvSpPr>
+        <p:spPr>
+          <a:xfrm>
+            <a:off x="25290217" y="12108283"/>
+            <a:ext cx="10404040" cy="3244093"/>
+          </a:xfrm>
+          <a:prstGeom prst="rect">
+            <a:avLst/>
+          </a:prstGeom>
+          <a:noFill/>
+        </p:spPr>
+        <p:txBody>
+          <a:bodyPr wrap="square" rtlCol="0">
+            <a:spAutoFit/>
+          </a:bodyPr>
+          <a:lstStyle/>
+          <a:p>
+            <a:pPr marL="457200" indent="-457200">
+              <a:lnSpc>
+                <a:spcPct val="150000"/>
+              </a:lnSpc>
+              <a:buFont typeface="Arial" panose="020B0604020202020204" pitchFamily="34" charset="0"/>
+              <a:buChar char="•"/>
+            </a:pPr>
+            <a:r>
+              <a:rPr kumimoji="1" lang="en-US" altLang="zh-Hans" sz="2800" dirty="0">
+                <a:latin typeface="Arial" charset="0"/>
+                <a:ea typeface="Arial" charset="0"/>
+                <a:cs typeface="Arial" charset="0"/>
+              </a:rPr>
+              <a:t>There</a:t>
+            </a:r>
+            <a:r>
+              <a:rPr kumimoji="1" lang="zh-Hans" altLang="en-US" sz="2800" dirty="0">
+                <a:latin typeface="Arial" charset="0"/>
+                <a:ea typeface="Arial" charset="0"/>
+                <a:cs typeface="Arial" charset="0"/>
+              </a:rPr>
+              <a:t> </a:t>
+            </a:r>
+            <a:r>
+              <a:rPr kumimoji="1" lang="en-US" altLang="zh-Hans" sz="2800" dirty="0">
+                <a:latin typeface="Arial" charset="0"/>
+                <a:ea typeface="Arial" charset="0"/>
+                <a:cs typeface="Arial" charset="0"/>
+              </a:rPr>
+              <a:t>is</a:t>
+            </a:r>
+            <a:r>
+              <a:rPr kumimoji="1" lang="zh-Hans" altLang="en-US" sz="2800" dirty="0">
+                <a:latin typeface="Arial" charset="0"/>
+                <a:ea typeface="Arial" charset="0"/>
+                <a:cs typeface="Arial" charset="0"/>
+              </a:rPr>
+              <a:t> </a:t>
+            </a:r>
+            <a:r>
+              <a:rPr kumimoji="1" lang="en-US" altLang="zh-Hans" sz="2800" dirty="0">
+                <a:latin typeface="Arial" charset="0"/>
+                <a:ea typeface="Arial" charset="0"/>
+                <a:cs typeface="Arial" charset="0"/>
+              </a:rPr>
+              <a:t>a</a:t>
+            </a:r>
+            <a:r>
+              <a:rPr kumimoji="1" lang="zh-Hans" altLang="en-US" sz="2800" dirty="0">
+                <a:latin typeface="Arial" charset="0"/>
+                <a:ea typeface="Arial" charset="0"/>
+                <a:cs typeface="Arial" charset="0"/>
+              </a:rPr>
+              <a:t> </a:t>
+            </a:r>
+            <a:r>
+              <a:rPr kumimoji="1" lang="en-US" altLang="zh-Hans" sz="2800" b="1" dirty="0">
+                <a:latin typeface="Arial" charset="0"/>
+                <a:ea typeface="Arial" charset="0"/>
+                <a:cs typeface="Arial" charset="0"/>
+              </a:rPr>
+              <a:t>tradeoff</a:t>
+            </a:r>
+            <a:r>
+              <a:rPr kumimoji="1" lang="zh-Hans" altLang="en-US" sz="2800" dirty="0">
+                <a:latin typeface="Arial" charset="0"/>
+                <a:ea typeface="Arial" charset="0"/>
+                <a:cs typeface="Arial" charset="0"/>
+              </a:rPr>
+              <a:t> </a:t>
+            </a:r>
+            <a:r>
+              <a:rPr kumimoji="1" lang="en-US" altLang="zh-Hans" sz="2800" dirty="0">
+                <a:latin typeface="Arial" charset="0"/>
+                <a:ea typeface="Arial" charset="0"/>
+                <a:cs typeface="Arial" charset="0"/>
+              </a:rPr>
+              <a:t>between</a:t>
+            </a:r>
+            <a:r>
+              <a:rPr kumimoji="1" lang="zh-Hans" altLang="en-US" sz="2800" dirty="0">
+                <a:latin typeface="Arial" charset="0"/>
+                <a:ea typeface="Arial" charset="0"/>
+                <a:cs typeface="Arial" charset="0"/>
+              </a:rPr>
+              <a:t> </a:t>
+            </a:r>
+            <a:r>
+              <a:rPr kumimoji="1" lang="en-US" altLang="zh-Hans" sz="2800" dirty="0">
+                <a:latin typeface="Arial" charset="0"/>
+                <a:ea typeface="Arial" charset="0"/>
+                <a:cs typeface="Arial" charset="0"/>
+              </a:rPr>
+              <a:t>search</a:t>
+            </a:r>
+            <a:r>
+              <a:rPr kumimoji="1" lang="zh-Hans" altLang="en-US" sz="2800" dirty="0">
+                <a:latin typeface="Arial" charset="0"/>
+                <a:ea typeface="Arial" charset="0"/>
+                <a:cs typeface="Arial" charset="0"/>
+              </a:rPr>
+              <a:t> </a:t>
+            </a:r>
+            <a:r>
+              <a:rPr kumimoji="1" lang="en-US" altLang="zh-Hans" sz="2800" dirty="0">
+                <a:latin typeface="Arial" charset="0"/>
+                <a:ea typeface="Arial" charset="0"/>
+                <a:cs typeface="Arial" charset="0"/>
+              </a:rPr>
+              <a:t>speed</a:t>
+            </a:r>
+            <a:r>
+              <a:rPr kumimoji="1" lang="zh-Hans" altLang="en-US" sz="2800" dirty="0">
+                <a:latin typeface="Arial" charset="0"/>
+                <a:ea typeface="Arial" charset="0"/>
+                <a:cs typeface="Arial" charset="0"/>
+              </a:rPr>
+              <a:t> </a:t>
+            </a:r>
+            <a:r>
+              <a:rPr kumimoji="1" lang="en-US" altLang="zh-Hans" sz="2800" dirty="0">
+                <a:latin typeface="Arial" charset="0"/>
+                <a:ea typeface="Arial" charset="0"/>
+                <a:cs typeface="Arial" charset="0"/>
+              </a:rPr>
+              <a:t>and</a:t>
+            </a:r>
+            <a:r>
+              <a:rPr kumimoji="1" lang="zh-Hans" altLang="en-US" sz="2800" dirty="0">
+                <a:latin typeface="Arial" charset="0"/>
+                <a:ea typeface="Arial" charset="0"/>
+                <a:cs typeface="Arial" charset="0"/>
+              </a:rPr>
+              <a:t> </a:t>
+            </a:r>
+            <a:r>
+              <a:rPr kumimoji="1" lang="en-US" altLang="zh-Hans" sz="2800" dirty="0">
+                <a:latin typeface="Arial" charset="0"/>
+                <a:ea typeface="Arial" charset="0"/>
+                <a:cs typeface="Arial" charset="0"/>
+              </a:rPr>
+              <a:t>the</a:t>
+            </a:r>
+            <a:r>
+              <a:rPr kumimoji="1" lang="zh-Hans" altLang="en-US" sz="2800" dirty="0">
+                <a:latin typeface="Arial" charset="0"/>
+                <a:ea typeface="Arial" charset="0"/>
+                <a:cs typeface="Arial" charset="0"/>
+              </a:rPr>
+              <a:t> </a:t>
+            </a:r>
+            <a:r>
+              <a:rPr kumimoji="1" lang="en-US" altLang="zh-Hans" sz="2800" dirty="0">
+                <a:latin typeface="Arial" charset="0"/>
+                <a:ea typeface="Arial" charset="0"/>
+                <a:cs typeface="Arial" charset="0"/>
+              </a:rPr>
+              <a:t>quality</a:t>
+            </a:r>
+            <a:r>
+              <a:rPr kumimoji="1" lang="zh-Hans" altLang="en-US" sz="2800" dirty="0">
+                <a:latin typeface="Arial" charset="0"/>
+                <a:ea typeface="Arial" charset="0"/>
+                <a:cs typeface="Arial" charset="0"/>
+              </a:rPr>
+              <a:t> </a:t>
+            </a:r>
+            <a:r>
+              <a:rPr kumimoji="1" lang="en-US" altLang="zh-Hans" sz="2800" dirty="0">
+                <a:latin typeface="Arial" charset="0"/>
+                <a:ea typeface="Arial" charset="0"/>
+                <a:cs typeface="Arial" charset="0"/>
+              </a:rPr>
+              <a:t>of</a:t>
+            </a:r>
+            <a:r>
+              <a:rPr kumimoji="1" lang="zh-Hans" altLang="en-US" sz="2800" dirty="0">
+                <a:latin typeface="Arial" charset="0"/>
+                <a:ea typeface="Arial" charset="0"/>
+                <a:cs typeface="Arial" charset="0"/>
+              </a:rPr>
+              <a:t> </a:t>
+            </a:r>
+            <a:r>
+              <a:rPr kumimoji="1" lang="en-US" altLang="zh-Hans" sz="2800" dirty="0">
+                <a:latin typeface="Arial" charset="0"/>
+                <a:ea typeface="Arial" charset="0"/>
+                <a:cs typeface="Arial" charset="0"/>
+              </a:rPr>
+              <a:t>the</a:t>
+            </a:r>
+            <a:r>
+              <a:rPr kumimoji="1" lang="zh-Hans" altLang="en-US" sz="2800" dirty="0">
+                <a:latin typeface="Arial" charset="0"/>
+                <a:ea typeface="Arial" charset="0"/>
+                <a:cs typeface="Arial" charset="0"/>
+              </a:rPr>
+              <a:t> </a:t>
+            </a:r>
+            <a:r>
+              <a:rPr kumimoji="1" lang="en-US" altLang="zh-Hans" sz="2800" dirty="0">
+                <a:latin typeface="Arial" charset="0"/>
+                <a:ea typeface="Arial" charset="0"/>
+                <a:cs typeface="Arial" charset="0"/>
+              </a:rPr>
+              <a:t>search,</a:t>
+            </a:r>
+            <a:r>
+              <a:rPr kumimoji="1" lang="zh-Hans" altLang="en-US" sz="2800" dirty="0">
+                <a:latin typeface="Arial" charset="0"/>
+                <a:ea typeface="Arial" charset="0"/>
+                <a:cs typeface="Arial" charset="0"/>
+              </a:rPr>
+              <a:t> </a:t>
+            </a:r>
+            <a:r>
+              <a:rPr kumimoji="1" lang="en-US" altLang="zh-Hans" sz="2800" dirty="0">
+                <a:latin typeface="Arial" charset="0"/>
+                <a:ea typeface="Arial" charset="0"/>
+                <a:cs typeface="Arial" charset="0"/>
+              </a:rPr>
+              <a:t>as</a:t>
+            </a:r>
+            <a:r>
+              <a:rPr kumimoji="1" lang="zh-Hans" altLang="en-US" sz="2800" dirty="0">
+                <a:latin typeface="Arial" charset="0"/>
+                <a:ea typeface="Arial" charset="0"/>
+                <a:cs typeface="Arial" charset="0"/>
+              </a:rPr>
+              <a:t> </a:t>
+            </a:r>
+            <a:r>
+              <a:rPr kumimoji="1" lang="en-US" altLang="zh-Hans" sz="2800" dirty="0">
+                <a:latin typeface="Arial" charset="0"/>
+                <a:ea typeface="Arial" charset="0"/>
+                <a:cs typeface="Arial" charset="0"/>
+              </a:rPr>
+              <a:t>is</a:t>
+            </a:r>
+            <a:r>
+              <a:rPr kumimoji="1" lang="zh-Hans" altLang="en-US" sz="2800" dirty="0">
+                <a:latin typeface="Arial" charset="0"/>
+                <a:ea typeface="Arial" charset="0"/>
+                <a:cs typeface="Arial" charset="0"/>
+              </a:rPr>
+              <a:t> </a:t>
+            </a:r>
+            <a:r>
+              <a:rPr kumimoji="1" lang="en-US" altLang="zh-Hans" sz="2800" dirty="0">
+                <a:latin typeface="Arial" charset="0"/>
+                <a:ea typeface="Arial" charset="0"/>
+                <a:cs typeface="Arial" charset="0"/>
+              </a:rPr>
+              <a:t>shown</a:t>
+            </a:r>
+            <a:r>
+              <a:rPr kumimoji="1" lang="zh-Hans" altLang="en-US" sz="2800" dirty="0">
+                <a:latin typeface="Arial" charset="0"/>
+                <a:ea typeface="Arial" charset="0"/>
+                <a:cs typeface="Arial" charset="0"/>
+              </a:rPr>
+              <a:t> </a:t>
+            </a:r>
+            <a:r>
+              <a:rPr kumimoji="1" lang="en-US" altLang="zh-Hans" sz="2800" dirty="0">
+                <a:latin typeface="Arial" charset="0"/>
+                <a:ea typeface="Arial" charset="0"/>
+                <a:cs typeface="Arial" charset="0"/>
+              </a:rPr>
+              <a:t>on</a:t>
+            </a:r>
+            <a:r>
+              <a:rPr kumimoji="1" lang="zh-Hans" altLang="en-US" sz="2800" dirty="0">
+                <a:latin typeface="Arial" charset="0"/>
+                <a:ea typeface="Arial" charset="0"/>
+                <a:cs typeface="Arial" charset="0"/>
+              </a:rPr>
+              <a:t> </a:t>
+            </a:r>
+            <a:r>
+              <a:rPr kumimoji="1" lang="en-US" altLang="zh-Hans" sz="2800" dirty="0">
+                <a:latin typeface="Arial" charset="0"/>
+                <a:ea typeface="Arial" charset="0"/>
+                <a:cs typeface="Arial" charset="0"/>
+              </a:rPr>
+              <a:t>the</a:t>
+            </a:r>
+            <a:r>
+              <a:rPr kumimoji="1" lang="zh-Hans" altLang="en-US" sz="2800" dirty="0">
+                <a:latin typeface="Arial" charset="0"/>
+                <a:ea typeface="Arial" charset="0"/>
+                <a:cs typeface="Arial" charset="0"/>
+              </a:rPr>
+              <a:t> </a:t>
+            </a:r>
+            <a:r>
+              <a:rPr kumimoji="1" lang="en-US" altLang="zh-Hans" sz="2800" dirty="0">
+                <a:latin typeface="Arial" charset="0"/>
+                <a:ea typeface="Arial" charset="0"/>
+                <a:cs typeface="Arial" charset="0"/>
+              </a:rPr>
+              <a:t>figure</a:t>
+            </a:r>
+            <a:r>
+              <a:rPr kumimoji="1" lang="zh-Hans" altLang="en-US" sz="2800" dirty="0">
+                <a:latin typeface="Arial" charset="0"/>
+                <a:ea typeface="Arial" charset="0"/>
+                <a:cs typeface="Arial" charset="0"/>
+              </a:rPr>
+              <a:t> </a:t>
+            </a:r>
+            <a:r>
+              <a:rPr kumimoji="1" lang="en-US" altLang="zh-Hans" sz="2800" dirty="0">
+                <a:latin typeface="Arial" charset="0"/>
+                <a:ea typeface="Arial" charset="0"/>
+                <a:cs typeface="Arial" charset="0"/>
+              </a:rPr>
+              <a:t>above:</a:t>
+            </a:r>
+            <a:r>
+              <a:rPr kumimoji="1" lang="zh-Hans" altLang="en-US" sz="2800" dirty="0">
+                <a:latin typeface="Arial" charset="0"/>
+                <a:ea typeface="Arial" charset="0"/>
+                <a:cs typeface="Arial" charset="0"/>
+              </a:rPr>
+              <a:t> </a:t>
+            </a:r>
+            <a:r>
+              <a:rPr kumimoji="1" lang="en-US" altLang="zh-Hans" sz="2800" dirty="0">
+                <a:latin typeface="Arial" charset="0"/>
+                <a:ea typeface="Arial" charset="0"/>
+                <a:cs typeface="Arial" charset="0"/>
+              </a:rPr>
+              <a:t>Increasing</a:t>
+            </a:r>
+            <a:r>
+              <a:rPr kumimoji="1" lang="zh-Hans" altLang="en-US" sz="2800" dirty="0">
+                <a:latin typeface="Arial" charset="0"/>
+                <a:ea typeface="Arial" charset="0"/>
+                <a:cs typeface="Arial" charset="0"/>
+              </a:rPr>
+              <a:t> </a:t>
+            </a:r>
+            <a:r>
+              <a:rPr kumimoji="1" lang="en-US" altLang="zh-Hans" sz="2800" dirty="0">
+                <a:latin typeface="Arial" charset="0"/>
+                <a:ea typeface="Arial" charset="0"/>
+                <a:cs typeface="Arial" charset="0"/>
+              </a:rPr>
+              <a:t>the</a:t>
+            </a:r>
+            <a:r>
+              <a:rPr kumimoji="1" lang="zh-Hans" altLang="en-US" sz="2800" dirty="0">
+                <a:latin typeface="Arial" charset="0"/>
+                <a:ea typeface="Arial" charset="0"/>
+                <a:cs typeface="Arial" charset="0"/>
+              </a:rPr>
+              <a:t> </a:t>
+            </a:r>
+            <a:r>
+              <a:rPr kumimoji="1" lang="en-US" altLang="zh-Hans" sz="2800" dirty="0">
+                <a:latin typeface="Arial" charset="0"/>
+                <a:ea typeface="Arial" charset="0"/>
+                <a:cs typeface="Arial" charset="0"/>
+              </a:rPr>
+              <a:t>search</a:t>
+            </a:r>
+            <a:r>
+              <a:rPr kumimoji="1" lang="zh-Hans" altLang="en-US" sz="2800" dirty="0">
+                <a:latin typeface="Arial" charset="0"/>
+                <a:ea typeface="Arial" charset="0"/>
+                <a:cs typeface="Arial" charset="0"/>
+              </a:rPr>
+              <a:t> </a:t>
+            </a:r>
+            <a:r>
+              <a:rPr kumimoji="1" lang="en-US" altLang="zh-Hans" sz="2800" dirty="0">
+                <a:latin typeface="Arial" charset="0"/>
+                <a:ea typeface="Arial" charset="0"/>
+                <a:cs typeface="Arial" charset="0"/>
+              </a:rPr>
+              <a:t>time</a:t>
+            </a:r>
+            <a:r>
+              <a:rPr kumimoji="1" lang="zh-Hans" altLang="en-US" sz="2800" dirty="0">
+                <a:latin typeface="Arial" charset="0"/>
+                <a:ea typeface="Arial" charset="0"/>
+                <a:cs typeface="Arial" charset="0"/>
+              </a:rPr>
+              <a:t> </a:t>
+            </a:r>
+            <a:r>
+              <a:rPr kumimoji="1" lang="en-US" altLang="zh-Hans" sz="2800" dirty="0">
+                <a:latin typeface="Arial" charset="0"/>
+                <a:ea typeface="Arial" charset="0"/>
+                <a:cs typeface="Arial" charset="0"/>
+              </a:rPr>
+              <a:t>for</a:t>
+            </a:r>
+            <a:r>
+              <a:rPr kumimoji="1" lang="zh-Hans" altLang="en-US" sz="2800" dirty="0">
+                <a:latin typeface="Arial" charset="0"/>
+                <a:ea typeface="Arial" charset="0"/>
+                <a:cs typeface="Arial" charset="0"/>
+              </a:rPr>
+              <a:t> </a:t>
+            </a:r>
+            <a:r>
+              <a:rPr kumimoji="1" lang="en-US" altLang="zh-Hans" sz="2800" dirty="0">
+                <a:latin typeface="Arial" charset="0"/>
+                <a:ea typeface="Arial" charset="0"/>
+                <a:cs typeface="Arial" charset="0"/>
+              </a:rPr>
+              <a:t>a</a:t>
+            </a:r>
+            <a:r>
+              <a:rPr kumimoji="1" lang="zh-Hans" altLang="en-US" sz="2800" dirty="0">
+                <a:latin typeface="Arial" charset="0"/>
+                <a:ea typeface="Arial" charset="0"/>
+                <a:cs typeface="Arial" charset="0"/>
+              </a:rPr>
+              <a:t> </a:t>
+            </a:r>
+            <a:r>
+              <a:rPr kumimoji="1" lang="en-US" altLang="zh-Hans" sz="2800" dirty="0">
+                <a:latin typeface="Arial" charset="0"/>
+                <a:ea typeface="Arial" charset="0"/>
+                <a:cs typeface="Arial" charset="0"/>
+              </a:rPr>
+              <a:t>query</a:t>
+            </a:r>
+            <a:r>
+              <a:rPr kumimoji="1" lang="zh-Hans" altLang="en-US" sz="2800" dirty="0">
+                <a:latin typeface="Arial" charset="0"/>
+                <a:ea typeface="Arial" charset="0"/>
+                <a:cs typeface="Arial" charset="0"/>
+              </a:rPr>
+              <a:t> </a:t>
+            </a:r>
+            <a:r>
+              <a:rPr kumimoji="1" lang="en-US" altLang="zh-Hans" sz="2800" dirty="0">
+                <a:latin typeface="Arial" charset="0"/>
+                <a:ea typeface="Arial" charset="0"/>
+                <a:cs typeface="Arial" charset="0"/>
+              </a:rPr>
+              <a:t>yields</a:t>
+            </a:r>
+            <a:r>
+              <a:rPr kumimoji="1" lang="zh-Hans" altLang="en-US" sz="2800" dirty="0">
+                <a:latin typeface="Arial" charset="0"/>
+                <a:ea typeface="Arial" charset="0"/>
+                <a:cs typeface="Arial" charset="0"/>
+              </a:rPr>
+              <a:t> </a:t>
+            </a:r>
+            <a:r>
+              <a:rPr kumimoji="1" lang="en-US" altLang="zh-Hans" sz="2800" dirty="0">
+                <a:latin typeface="Arial" charset="0"/>
+                <a:ea typeface="Arial" charset="0"/>
+                <a:cs typeface="Arial" charset="0"/>
+              </a:rPr>
+              <a:t>higher</a:t>
+            </a:r>
+            <a:r>
+              <a:rPr kumimoji="1" lang="zh-Hans" altLang="en-US" sz="2800" dirty="0">
+                <a:latin typeface="Arial" charset="0"/>
+                <a:ea typeface="Arial" charset="0"/>
+                <a:cs typeface="Arial" charset="0"/>
+              </a:rPr>
+              <a:t> </a:t>
+            </a:r>
+            <a:r>
+              <a:rPr kumimoji="1" lang="en-US" altLang="zh-Hans" sz="2800" dirty="0" err="1">
+                <a:latin typeface="Arial" charset="0"/>
+                <a:ea typeface="Arial" charset="0"/>
+                <a:cs typeface="Arial" charset="0"/>
+              </a:rPr>
+              <a:t>mAP</a:t>
+            </a:r>
+            <a:r>
+              <a:rPr kumimoji="1" lang="zh-Hans" altLang="en-US" sz="2800" dirty="0">
+                <a:latin typeface="Arial" charset="0"/>
+                <a:ea typeface="Arial" charset="0"/>
+                <a:cs typeface="Arial" charset="0"/>
+              </a:rPr>
+              <a:t> </a:t>
+            </a:r>
+            <a:r>
+              <a:rPr kumimoji="1" lang="en-US" altLang="zh-Hans" sz="2800" dirty="0">
+                <a:latin typeface="Arial" charset="0"/>
+                <a:ea typeface="Arial" charset="0"/>
+                <a:cs typeface="Arial" charset="0"/>
+              </a:rPr>
+              <a:t>score</a:t>
+            </a:r>
+            <a:r>
+              <a:rPr kumimoji="1" lang="zh-Hans" altLang="en-US" sz="2800" dirty="0">
+                <a:latin typeface="Arial" charset="0"/>
+                <a:ea typeface="Arial" charset="0"/>
+                <a:cs typeface="Arial" charset="0"/>
+              </a:rPr>
+              <a:t> </a:t>
+            </a:r>
+            <a:r>
+              <a:rPr kumimoji="1" lang="en-US" altLang="zh-Hans" sz="2800" dirty="0">
+                <a:latin typeface="Arial" charset="0"/>
+                <a:ea typeface="Arial" charset="0"/>
+                <a:cs typeface="Arial" charset="0"/>
+              </a:rPr>
+              <a:t>and</a:t>
+            </a:r>
+            <a:r>
+              <a:rPr kumimoji="1" lang="zh-Hans" altLang="en-US" sz="2800" dirty="0">
+                <a:latin typeface="Arial" charset="0"/>
+                <a:ea typeface="Arial" charset="0"/>
+                <a:cs typeface="Arial" charset="0"/>
+              </a:rPr>
+              <a:t> </a:t>
+            </a:r>
+            <a:r>
+              <a:rPr kumimoji="1" lang="en-US" altLang="zh-Hans" sz="2800" dirty="0">
+                <a:latin typeface="Arial" charset="0"/>
+                <a:ea typeface="Arial" charset="0"/>
+                <a:cs typeface="Arial" charset="0"/>
+              </a:rPr>
+              <a:t>smaller</a:t>
+            </a:r>
+            <a:r>
+              <a:rPr kumimoji="1" lang="zh-Hans" altLang="en-US" sz="2800" dirty="0">
+                <a:latin typeface="Arial" charset="0"/>
+                <a:ea typeface="Arial" charset="0"/>
+                <a:cs typeface="Arial" charset="0"/>
+              </a:rPr>
+              <a:t> </a:t>
+            </a:r>
+            <a:r>
+              <a:rPr kumimoji="1" lang="en-US" altLang="zh-Hans" sz="2800" dirty="0">
+                <a:latin typeface="Arial" charset="0"/>
+                <a:ea typeface="Arial" charset="0"/>
+                <a:cs typeface="Arial" charset="0"/>
+              </a:rPr>
+              <a:t>distance</a:t>
+            </a:r>
+            <a:r>
+              <a:rPr kumimoji="1" lang="zh-Hans" altLang="en-US" sz="2800" dirty="0">
+                <a:latin typeface="Arial" charset="0"/>
+                <a:ea typeface="Arial" charset="0"/>
+                <a:cs typeface="Arial" charset="0"/>
+              </a:rPr>
+              <a:t> </a:t>
+            </a:r>
+            <a:r>
+              <a:rPr kumimoji="1" lang="en-US" altLang="zh-Hans" sz="2800" dirty="0">
+                <a:latin typeface="Arial" charset="0"/>
+                <a:ea typeface="Arial" charset="0"/>
+                <a:cs typeface="Arial" charset="0"/>
+              </a:rPr>
+              <a:t>to</a:t>
+            </a:r>
+            <a:r>
+              <a:rPr kumimoji="1" lang="zh-Hans" altLang="en-US" sz="2800" dirty="0">
+                <a:latin typeface="Arial" charset="0"/>
+                <a:ea typeface="Arial" charset="0"/>
+                <a:cs typeface="Arial" charset="0"/>
+              </a:rPr>
+              <a:t> </a:t>
+            </a:r>
+            <a:r>
+              <a:rPr kumimoji="1" lang="en-US" altLang="zh-Hans" sz="2800" dirty="0">
+                <a:latin typeface="Arial" charset="0"/>
+                <a:ea typeface="Arial" charset="0"/>
+                <a:cs typeface="Arial" charset="0"/>
+              </a:rPr>
+              <a:t>the</a:t>
+            </a:r>
+            <a:r>
+              <a:rPr kumimoji="1" lang="zh-Hans" altLang="en-US" sz="2800" dirty="0">
+                <a:latin typeface="Arial" charset="0"/>
+                <a:ea typeface="Arial" charset="0"/>
+                <a:cs typeface="Arial" charset="0"/>
+              </a:rPr>
+              <a:t> </a:t>
+            </a:r>
+            <a:r>
+              <a:rPr kumimoji="1" lang="en-US" altLang="zh-Hans" sz="2800" dirty="0">
+                <a:latin typeface="Arial" charset="0"/>
+                <a:ea typeface="Arial" charset="0"/>
+                <a:cs typeface="Arial" charset="0"/>
+              </a:rPr>
+              <a:t>K</a:t>
+            </a:r>
+            <a:r>
+              <a:rPr kumimoji="1" lang="zh-Hans" altLang="en-US" sz="2800" dirty="0">
+                <a:latin typeface="Arial" charset="0"/>
+                <a:ea typeface="Arial" charset="0"/>
+                <a:cs typeface="Arial" charset="0"/>
+              </a:rPr>
+              <a:t> </a:t>
+            </a:r>
+            <a:r>
+              <a:rPr kumimoji="1" lang="en-US" altLang="zh-Hans" sz="2800" dirty="0">
+                <a:latin typeface="Arial" charset="0"/>
+                <a:ea typeface="Arial" charset="0"/>
+                <a:cs typeface="Arial" charset="0"/>
+              </a:rPr>
+              <a:t>nearest</a:t>
+            </a:r>
+            <a:r>
+              <a:rPr kumimoji="1" lang="zh-Hans" altLang="en-US" sz="2800" dirty="0">
+                <a:latin typeface="Arial" charset="0"/>
+                <a:ea typeface="Arial" charset="0"/>
+                <a:cs typeface="Arial" charset="0"/>
+              </a:rPr>
+              <a:t> </a:t>
+            </a:r>
+            <a:r>
+              <a:rPr kumimoji="1" lang="en-US" altLang="zh-Hans" sz="2800" dirty="0">
+                <a:latin typeface="Arial" charset="0"/>
+                <a:ea typeface="Arial" charset="0"/>
+                <a:cs typeface="Arial" charset="0"/>
+              </a:rPr>
+              <a:t>neighbors,</a:t>
+            </a:r>
+            <a:r>
+              <a:rPr kumimoji="1" lang="zh-Hans" altLang="en-US" sz="2800" dirty="0">
+                <a:latin typeface="Arial" charset="0"/>
+                <a:ea typeface="Arial" charset="0"/>
+                <a:cs typeface="Arial" charset="0"/>
+              </a:rPr>
+              <a:t> </a:t>
+            </a:r>
+            <a:r>
+              <a:rPr kumimoji="1" lang="en-US" altLang="zh-Hans" sz="2800" dirty="0">
+                <a:latin typeface="Arial" charset="0"/>
+                <a:ea typeface="Arial" charset="0"/>
+                <a:cs typeface="Arial" charset="0"/>
+              </a:rPr>
+              <a:t>indicating</a:t>
+            </a:r>
+            <a:r>
+              <a:rPr kumimoji="1" lang="zh-Hans" altLang="en-US" sz="2800" dirty="0">
+                <a:latin typeface="Arial" charset="0"/>
+                <a:ea typeface="Arial" charset="0"/>
+                <a:cs typeface="Arial" charset="0"/>
+              </a:rPr>
+              <a:t> </a:t>
+            </a:r>
+            <a:r>
+              <a:rPr kumimoji="1" lang="en-US" altLang="zh-Hans" sz="2800" dirty="0">
+                <a:latin typeface="Arial" charset="0"/>
+                <a:ea typeface="Arial" charset="0"/>
+                <a:cs typeface="Arial" charset="0"/>
+              </a:rPr>
+              <a:t>better</a:t>
+            </a:r>
+            <a:r>
+              <a:rPr kumimoji="1" lang="zh-Hans" altLang="en-US" sz="2800" dirty="0">
+                <a:latin typeface="Arial" charset="0"/>
+                <a:ea typeface="Arial" charset="0"/>
+                <a:cs typeface="Arial" charset="0"/>
+              </a:rPr>
+              <a:t> </a:t>
+            </a:r>
+            <a:r>
+              <a:rPr kumimoji="1" lang="en-US" altLang="zh-Hans" sz="2800" dirty="0">
+                <a:latin typeface="Arial" charset="0"/>
+                <a:ea typeface="Arial" charset="0"/>
+                <a:cs typeface="Arial" charset="0"/>
+              </a:rPr>
+              <a:t>search</a:t>
+            </a:r>
+            <a:r>
+              <a:rPr kumimoji="1" lang="zh-Hans" altLang="en-US" sz="2800" dirty="0">
+                <a:latin typeface="Arial" charset="0"/>
+                <a:ea typeface="Arial" charset="0"/>
+                <a:cs typeface="Arial" charset="0"/>
+              </a:rPr>
+              <a:t> </a:t>
+            </a:r>
+            <a:r>
+              <a:rPr kumimoji="1" lang="en-US" altLang="zh-Hans" sz="2800" dirty="0">
+                <a:latin typeface="Arial" charset="0"/>
+                <a:ea typeface="Arial" charset="0"/>
+                <a:cs typeface="Arial" charset="0"/>
+              </a:rPr>
+              <a:t>quality</a:t>
+            </a:r>
+            <a:r>
+              <a:rPr kumimoji="1" lang="zh-Hans" altLang="en-US" sz="2800" dirty="0">
+                <a:latin typeface="Arial" charset="0"/>
+                <a:ea typeface="Arial" charset="0"/>
+                <a:cs typeface="Arial" charset="0"/>
+              </a:rPr>
+              <a:t> </a:t>
+            </a:r>
+            <a:r>
+              <a:rPr kumimoji="1" lang="en-US" altLang="zh-Hans" sz="2800" dirty="0">
+                <a:latin typeface="Arial" charset="0"/>
+                <a:ea typeface="Arial" charset="0"/>
+                <a:cs typeface="Arial" charset="0"/>
+              </a:rPr>
+              <a:t>but</a:t>
+            </a:r>
+            <a:r>
+              <a:rPr kumimoji="1" lang="zh-Hans" altLang="en-US" sz="2800" dirty="0">
+                <a:latin typeface="Arial" charset="0"/>
+                <a:ea typeface="Arial" charset="0"/>
+                <a:cs typeface="Arial" charset="0"/>
+              </a:rPr>
+              <a:t> </a:t>
+            </a:r>
+            <a:r>
+              <a:rPr kumimoji="1" lang="en-US" altLang="zh-Hans" sz="2800" dirty="0">
+                <a:latin typeface="Arial" charset="0"/>
+                <a:ea typeface="Arial" charset="0"/>
+                <a:cs typeface="Arial" charset="0"/>
+              </a:rPr>
+              <a:t>is</a:t>
+            </a:r>
+            <a:r>
+              <a:rPr kumimoji="1" lang="zh-Hans" altLang="en-US" sz="2800" dirty="0">
+                <a:latin typeface="Arial" charset="0"/>
+                <a:ea typeface="Arial" charset="0"/>
+                <a:cs typeface="Arial" charset="0"/>
+              </a:rPr>
+              <a:t> </a:t>
+            </a:r>
+            <a:r>
+              <a:rPr kumimoji="1" lang="en-US" altLang="zh-Hans" sz="2800" dirty="0">
+                <a:latin typeface="Arial" charset="0"/>
+                <a:ea typeface="Arial" charset="0"/>
+                <a:cs typeface="Arial" charset="0"/>
+              </a:rPr>
+              <a:t>also</a:t>
+            </a:r>
+            <a:r>
+              <a:rPr kumimoji="1" lang="zh-Hans" altLang="en-US" sz="2800" dirty="0">
+                <a:latin typeface="Arial" charset="0"/>
+                <a:ea typeface="Arial" charset="0"/>
+                <a:cs typeface="Arial" charset="0"/>
+              </a:rPr>
+              <a:t> </a:t>
+            </a:r>
+            <a:r>
+              <a:rPr kumimoji="1" lang="en-US" altLang="zh-Hans" sz="2800" dirty="0">
+                <a:latin typeface="Arial" charset="0"/>
+                <a:ea typeface="Arial" charset="0"/>
+                <a:cs typeface="Arial" charset="0"/>
+              </a:rPr>
+              <a:t>more</a:t>
+            </a:r>
+            <a:r>
+              <a:rPr kumimoji="1" lang="zh-Hans" altLang="en-US" sz="2800" dirty="0">
+                <a:latin typeface="Arial" charset="0"/>
+                <a:ea typeface="Arial" charset="0"/>
+                <a:cs typeface="Arial" charset="0"/>
+              </a:rPr>
+              <a:t> </a:t>
+            </a:r>
+            <a:r>
+              <a:rPr kumimoji="1" lang="en-US" altLang="zh-Hans" sz="2800" dirty="0">
+                <a:latin typeface="Arial" charset="0"/>
+                <a:ea typeface="Arial" charset="0"/>
+                <a:cs typeface="Arial" charset="0"/>
+              </a:rPr>
+              <a:t>time</a:t>
+            </a:r>
+            <a:r>
+              <a:rPr kumimoji="1" lang="zh-Hans" altLang="en-US" sz="2800" dirty="0">
+                <a:latin typeface="Arial" charset="0"/>
+                <a:ea typeface="Arial" charset="0"/>
+                <a:cs typeface="Arial" charset="0"/>
+              </a:rPr>
+              <a:t> </a:t>
+            </a:r>
+            <a:r>
+              <a:rPr kumimoji="1" lang="en-US" altLang="zh-Hans" sz="2800" dirty="0">
+                <a:latin typeface="Arial" charset="0"/>
+                <a:ea typeface="Arial" charset="0"/>
+                <a:cs typeface="Arial" charset="0"/>
+              </a:rPr>
+              <a:t>consuming.</a:t>
+            </a:r>
+            <a:endParaRPr kumimoji="1" lang="zh-CN" altLang="en-US" sz="2800" dirty="0">
+              <a:latin typeface="Arial" charset="0"/>
+              <a:ea typeface="Arial" charset="0"/>
+              <a:cs typeface="Arial" charset="0"/>
+            </a:endParaRPr>
+          </a:p>
+        </p:txBody>
+      </p:sp>
+      <p:sp>
+        <p:nvSpPr>
+          <p:cNvPr id="62" name="文本框 12">
+            <a:extLst>
+              <a:ext uri="{FF2B5EF4-FFF2-40B4-BE49-F238E27FC236}">
+                <a16:creationId xmlns:a16="http://schemas.microsoft.com/office/drawing/2014/main" id="{BE84DA44-FB1E-C64A-9AA6-07E045E350C2}"/>
+              </a:ext>
+            </a:extLst>
+          </p:cNvPr>
+          <p:cNvSpPr txBox="1"/>
+          <p:nvPr/>
+        </p:nvSpPr>
+        <p:spPr>
+          <a:xfrm>
+            <a:off x="13345543" y="7547910"/>
+            <a:ext cx="9888783" cy="3244093"/>
+          </a:xfrm>
+          <a:prstGeom prst="rect">
+            <a:avLst/>
+          </a:prstGeom>
+          <a:noFill/>
+        </p:spPr>
+        <p:txBody>
+          <a:bodyPr wrap="square" rtlCol="0">
+            <a:spAutoFit/>
+          </a:bodyPr>
+          <a:lstStyle/>
+          <a:p>
+            <a:pPr marL="457200" indent="-457200">
+              <a:lnSpc>
+                <a:spcPct val="150000"/>
+              </a:lnSpc>
+              <a:buFont typeface="Arial" panose="020B0604020202020204" pitchFamily="34" charset="0"/>
+              <a:buChar char="•"/>
+            </a:pPr>
+            <a:r>
+              <a:rPr kumimoji="1" lang="en-US" altLang="zh-CN" sz="2800" b="1" dirty="0">
+                <a:latin typeface="Arial" charset="0"/>
+                <a:ea typeface="Arial" charset="0"/>
+                <a:cs typeface="Arial" charset="0"/>
+              </a:rPr>
+              <a:t>R</a:t>
+            </a:r>
+            <a:r>
+              <a:rPr kumimoji="1" lang="en-US" altLang="zh-Hans" sz="2800" b="1" dirty="0">
+                <a:latin typeface="Arial" charset="0"/>
+                <a:ea typeface="Arial" charset="0"/>
+                <a:cs typeface="Arial" charset="0"/>
+              </a:rPr>
+              <a:t>andom</a:t>
+            </a:r>
+            <a:r>
+              <a:rPr kumimoji="1" lang="zh-Hans" altLang="en-US" sz="2800" b="1" dirty="0">
+                <a:latin typeface="Arial" charset="0"/>
+                <a:ea typeface="Arial" charset="0"/>
+                <a:cs typeface="Arial" charset="0"/>
+              </a:rPr>
+              <a:t> </a:t>
+            </a:r>
+            <a:r>
+              <a:rPr kumimoji="1" lang="en-US" altLang="zh-Hans" sz="2800" b="1" dirty="0">
+                <a:latin typeface="Arial" charset="0"/>
+                <a:ea typeface="Arial" charset="0"/>
+                <a:cs typeface="Arial" charset="0"/>
+              </a:rPr>
+              <a:t>Projection</a:t>
+            </a:r>
+            <a:r>
+              <a:rPr kumimoji="1" lang="zh-Hans" altLang="en-US" sz="2800" b="1" dirty="0">
+                <a:latin typeface="Arial" charset="0"/>
+                <a:ea typeface="Arial" charset="0"/>
+                <a:cs typeface="Arial" charset="0"/>
+              </a:rPr>
+              <a:t> </a:t>
+            </a:r>
+            <a:r>
+              <a:rPr kumimoji="1" lang="en-US" altLang="zh-Hans" sz="2800" dirty="0">
+                <a:latin typeface="Arial" charset="0"/>
+                <a:ea typeface="Arial" charset="0"/>
+                <a:cs typeface="Arial" charset="0"/>
+              </a:rPr>
+              <a:t>is</a:t>
+            </a:r>
+            <a:r>
+              <a:rPr kumimoji="1" lang="zh-Hans" altLang="en-US" sz="2800" dirty="0">
+                <a:latin typeface="Arial" charset="0"/>
+                <a:ea typeface="Arial" charset="0"/>
+                <a:cs typeface="Arial" charset="0"/>
+              </a:rPr>
+              <a:t> </a:t>
+            </a:r>
+            <a:r>
+              <a:rPr kumimoji="1" lang="en-US" altLang="zh-Hans" sz="2800" dirty="0">
+                <a:latin typeface="Arial" charset="0"/>
+                <a:ea typeface="Arial" charset="0"/>
+                <a:cs typeface="Arial" charset="0"/>
+              </a:rPr>
+              <a:t>one</a:t>
+            </a:r>
+            <a:r>
+              <a:rPr kumimoji="1" lang="zh-Hans" altLang="en-US" sz="2800" dirty="0">
+                <a:latin typeface="Arial" charset="0"/>
+                <a:ea typeface="Arial" charset="0"/>
+                <a:cs typeface="Arial" charset="0"/>
+              </a:rPr>
+              <a:t> </a:t>
+            </a:r>
+            <a:r>
+              <a:rPr kumimoji="1" lang="en-US" altLang="zh-Hans" sz="2800" dirty="0">
+                <a:latin typeface="Arial" charset="0"/>
+                <a:ea typeface="Arial" charset="0"/>
+                <a:cs typeface="Arial" charset="0"/>
+              </a:rPr>
+              <a:t>good</a:t>
+            </a:r>
+            <a:r>
+              <a:rPr kumimoji="1" lang="zh-Hans" altLang="en-US" sz="2800" dirty="0">
+                <a:latin typeface="Arial" charset="0"/>
+                <a:ea typeface="Arial" charset="0"/>
+                <a:cs typeface="Arial" charset="0"/>
+              </a:rPr>
+              <a:t> </a:t>
+            </a:r>
+            <a:r>
+              <a:rPr kumimoji="1" lang="en-US" altLang="zh-Hans" sz="2800" dirty="0">
+                <a:latin typeface="Arial" charset="0"/>
+                <a:ea typeface="Arial" charset="0"/>
+                <a:cs typeface="Arial" charset="0"/>
+              </a:rPr>
+              <a:t>way</a:t>
+            </a:r>
+            <a:r>
+              <a:rPr kumimoji="1" lang="zh-Hans" altLang="en-US" sz="2800" dirty="0">
+                <a:latin typeface="Arial" charset="0"/>
+                <a:ea typeface="Arial" charset="0"/>
+                <a:cs typeface="Arial" charset="0"/>
+              </a:rPr>
+              <a:t> </a:t>
+            </a:r>
+            <a:r>
+              <a:rPr kumimoji="1" lang="en-US" altLang="zh-Hans" sz="2800" dirty="0">
+                <a:latin typeface="Arial" charset="0"/>
+                <a:ea typeface="Arial" charset="0"/>
+                <a:cs typeface="Arial" charset="0"/>
+              </a:rPr>
+              <a:t>to</a:t>
+            </a:r>
+            <a:r>
+              <a:rPr kumimoji="1" lang="zh-Hans" altLang="en-US" sz="2800" dirty="0">
+                <a:latin typeface="Arial" charset="0"/>
+                <a:ea typeface="Arial" charset="0"/>
+                <a:cs typeface="Arial" charset="0"/>
+              </a:rPr>
+              <a:t> </a:t>
+            </a:r>
+            <a:r>
+              <a:rPr kumimoji="1" lang="en-US" altLang="zh-Hans" sz="2800" dirty="0">
+                <a:latin typeface="Arial" charset="0"/>
+                <a:ea typeface="Arial" charset="0"/>
+                <a:cs typeface="Arial" charset="0"/>
+              </a:rPr>
+              <a:t>construct</a:t>
+            </a:r>
+            <a:r>
+              <a:rPr kumimoji="1" lang="zh-Hans" altLang="en-US" sz="2800" dirty="0">
+                <a:latin typeface="Arial" charset="0"/>
+                <a:ea typeface="Arial" charset="0"/>
+                <a:cs typeface="Arial" charset="0"/>
+              </a:rPr>
+              <a:t> </a:t>
+            </a:r>
+            <a:r>
+              <a:rPr kumimoji="1" lang="en-US" altLang="zh-Hans" sz="2800" dirty="0">
+                <a:latin typeface="Arial" charset="0"/>
+                <a:ea typeface="Arial" charset="0"/>
+                <a:cs typeface="Arial" charset="0"/>
+              </a:rPr>
+              <a:t>LSH</a:t>
+            </a:r>
+            <a:r>
+              <a:rPr kumimoji="1" lang="zh-Hans" altLang="en-US" sz="2800" dirty="0">
+                <a:latin typeface="Arial" charset="0"/>
+                <a:ea typeface="Arial" charset="0"/>
+                <a:cs typeface="Arial" charset="0"/>
+              </a:rPr>
+              <a:t> </a:t>
+            </a:r>
+            <a:r>
+              <a:rPr kumimoji="1" lang="en-US" altLang="zh-Hans" sz="2800" dirty="0">
+                <a:latin typeface="Arial" charset="0"/>
+                <a:ea typeface="Arial" charset="0"/>
+                <a:cs typeface="Arial" charset="0"/>
+              </a:rPr>
+              <a:t>functions</a:t>
+            </a:r>
+            <a:r>
+              <a:rPr kumimoji="1" lang="zh-Hans" altLang="en-US" sz="2800" dirty="0">
+                <a:latin typeface="Arial" charset="0"/>
+                <a:ea typeface="Arial" charset="0"/>
+                <a:cs typeface="Arial" charset="0"/>
+              </a:rPr>
+              <a:t> </a:t>
+            </a:r>
+            <a:r>
+              <a:rPr kumimoji="1" lang="en-US" altLang="zh-Hans" sz="2800" dirty="0">
+                <a:latin typeface="Arial" charset="0"/>
+                <a:ea typeface="Arial" charset="0"/>
+                <a:cs typeface="Arial" charset="0"/>
+              </a:rPr>
+              <a:t>due</a:t>
+            </a:r>
+            <a:r>
+              <a:rPr kumimoji="1" lang="zh-Hans" altLang="en-US" sz="2800" dirty="0">
+                <a:latin typeface="Arial" charset="0"/>
+                <a:ea typeface="Arial" charset="0"/>
+                <a:cs typeface="Arial" charset="0"/>
+              </a:rPr>
+              <a:t> </a:t>
+            </a:r>
+            <a:r>
+              <a:rPr kumimoji="1" lang="en-US" altLang="zh-Hans" sz="2800" dirty="0">
+                <a:latin typeface="Arial" charset="0"/>
+                <a:ea typeface="Arial" charset="0"/>
+                <a:cs typeface="Arial" charset="0"/>
+              </a:rPr>
+              <a:t>to</a:t>
+            </a:r>
+            <a:r>
+              <a:rPr kumimoji="1" lang="zh-Hans" altLang="en-US" sz="2800" dirty="0">
+                <a:latin typeface="Arial" charset="0"/>
+                <a:ea typeface="Arial" charset="0"/>
+                <a:cs typeface="Arial" charset="0"/>
+              </a:rPr>
+              <a:t> </a:t>
+            </a:r>
+            <a:r>
+              <a:rPr kumimoji="1" lang="en-US" altLang="zh-Hans" sz="2800" dirty="0">
+                <a:latin typeface="Arial" charset="0"/>
+                <a:ea typeface="Arial" charset="0"/>
+                <a:cs typeface="Arial" charset="0"/>
+              </a:rPr>
+              <a:t>its</a:t>
+            </a:r>
+            <a:r>
+              <a:rPr kumimoji="1" lang="zh-Hans" altLang="en-US" sz="2800" dirty="0">
+                <a:latin typeface="Arial" charset="0"/>
+                <a:ea typeface="Arial" charset="0"/>
+                <a:cs typeface="Arial" charset="0"/>
+              </a:rPr>
+              <a:t> </a:t>
+            </a:r>
+            <a:r>
+              <a:rPr kumimoji="1" lang="en-US" altLang="zh-Hans" sz="2800" dirty="0">
+                <a:latin typeface="Arial" charset="0"/>
+                <a:ea typeface="Arial" charset="0"/>
+                <a:cs typeface="Arial" charset="0"/>
+              </a:rPr>
+              <a:t>distance</a:t>
+            </a:r>
+            <a:r>
+              <a:rPr kumimoji="1" lang="zh-Hans" altLang="en-US" sz="2800" dirty="0">
+                <a:latin typeface="Arial" charset="0"/>
+                <a:ea typeface="Arial" charset="0"/>
+                <a:cs typeface="Arial" charset="0"/>
+              </a:rPr>
+              <a:t> </a:t>
+            </a:r>
+            <a:r>
+              <a:rPr kumimoji="1" lang="en-US" altLang="zh-Hans" sz="2800" dirty="0">
+                <a:latin typeface="Arial" charset="0"/>
+                <a:ea typeface="Arial" charset="0"/>
+                <a:cs typeface="Arial" charset="0"/>
+              </a:rPr>
+              <a:t>preservation</a:t>
+            </a:r>
+            <a:r>
+              <a:rPr kumimoji="1" lang="zh-Hans" altLang="en-US" sz="2800" dirty="0">
+                <a:latin typeface="Arial" charset="0"/>
+                <a:ea typeface="Arial" charset="0"/>
+                <a:cs typeface="Arial" charset="0"/>
+              </a:rPr>
+              <a:t> </a:t>
+            </a:r>
+            <a:r>
+              <a:rPr kumimoji="1" lang="en-US" altLang="zh-Hans" sz="2800" dirty="0">
+                <a:latin typeface="Arial" charset="0"/>
+                <a:ea typeface="Arial" charset="0"/>
+                <a:cs typeface="Arial" charset="0"/>
+              </a:rPr>
+              <a:t>property</a:t>
+            </a:r>
+            <a:r>
+              <a:rPr kumimoji="1" lang="en-US" altLang="zh-Hans" sz="2800" i="1" dirty="0">
+                <a:latin typeface="Arial" charset="0"/>
+                <a:ea typeface="Arial" charset="0"/>
+                <a:cs typeface="Arial" charset="0"/>
+              </a:rPr>
+              <a:t>:</a:t>
+            </a:r>
+            <a:r>
+              <a:rPr kumimoji="1" lang="zh-Hans" altLang="en-US" sz="2800" i="1" dirty="0">
+                <a:latin typeface="Arial" charset="0"/>
+                <a:ea typeface="Arial" charset="0"/>
+                <a:cs typeface="Arial" charset="0"/>
+              </a:rPr>
+              <a:t> </a:t>
+            </a:r>
+            <a:r>
+              <a:rPr kumimoji="1" lang="en-US" altLang="zh-Hans" sz="2800" dirty="0">
+                <a:latin typeface="Arial" charset="0"/>
+                <a:ea typeface="Arial" charset="0"/>
+                <a:cs typeface="Arial" charset="0"/>
+              </a:rPr>
+              <a:t>if</a:t>
+            </a:r>
+            <a:r>
+              <a:rPr kumimoji="1" lang="zh-Hans" altLang="en-US" sz="2800" dirty="0">
+                <a:latin typeface="Arial" charset="0"/>
+                <a:ea typeface="Arial" charset="0"/>
+                <a:cs typeface="Arial" charset="0"/>
+              </a:rPr>
+              <a:t> </a:t>
+            </a:r>
+            <a:r>
+              <a:rPr kumimoji="1" lang="en-US" altLang="zh-Hans" sz="2800" dirty="0">
+                <a:latin typeface="Arial" charset="0"/>
+                <a:ea typeface="Arial" charset="0"/>
+                <a:cs typeface="Arial" charset="0"/>
+              </a:rPr>
+              <a:t>two</a:t>
+            </a:r>
+            <a:r>
+              <a:rPr kumimoji="1" lang="zh-Hans" altLang="en-US" sz="2800" dirty="0">
+                <a:latin typeface="Arial" charset="0"/>
+                <a:ea typeface="Arial" charset="0"/>
+                <a:cs typeface="Arial" charset="0"/>
+              </a:rPr>
+              <a:t> </a:t>
+            </a:r>
+            <a:r>
+              <a:rPr kumimoji="1" lang="en-US" altLang="zh-Hans" sz="2800" dirty="0">
+                <a:latin typeface="Arial" charset="0"/>
+                <a:ea typeface="Arial" charset="0"/>
+                <a:cs typeface="Arial" charset="0"/>
+              </a:rPr>
+              <a:t>data</a:t>
+            </a:r>
+            <a:r>
+              <a:rPr kumimoji="1" lang="zh-Hans" altLang="en-US" sz="2800" dirty="0">
+                <a:latin typeface="Arial" charset="0"/>
+                <a:ea typeface="Arial" charset="0"/>
+                <a:cs typeface="Arial" charset="0"/>
+              </a:rPr>
+              <a:t> </a:t>
+            </a:r>
+            <a:r>
+              <a:rPr kumimoji="1" lang="en-US" altLang="zh-Hans" sz="2800" dirty="0">
+                <a:latin typeface="Arial" charset="0"/>
+                <a:ea typeface="Arial" charset="0"/>
+                <a:cs typeface="Arial" charset="0"/>
+              </a:rPr>
+              <a:t>points</a:t>
+            </a:r>
+            <a:r>
+              <a:rPr kumimoji="1" lang="zh-Hans" altLang="en-US" sz="2800" dirty="0">
+                <a:latin typeface="Arial" charset="0"/>
+                <a:ea typeface="Arial" charset="0"/>
+                <a:cs typeface="Arial" charset="0"/>
+              </a:rPr>
+              <a:t> </a:t>
+            </a:r>
+            <a:r>
+              <a:rPr kumimoji="1" lang="en-US" altLang="zh-Hans" sz="2800" dirty="0">
+                <a:latin typeface="Arial" charset="0"/>
+                <a:ea typeface="Arial" charset="0"/>
+                <a:cs typeface="Arial" charset="0"/>
+              </a:rPr>
+              <a:t>are</a:t>
+            </a:r>
+            <a:r>
+              <a:rPr kumimoji="1" lang="zh-Hans" altLang="en-US" sz="2800" dirty="0">
+                <a:latin typeface="Arial" charset="0"/>
+                <a:ea typeface="Arial" charset="0"/>
+                <a:cs typeface="Arial" charset="0"/>
+              </a:rPr>
+              <a:t> </a:t>
+            </a:r>
+            <a:r>
+              <a:rPr kumimoji="1" lang="en-US" altLang="zh-Hans" sz="2800" dirty="0">
+                <a:latin typeface="Arial" charset="0"/>
+                <a:ea typeface="Arial" charset="0"/>
+                <a:cs typeface="Arial" charset="0"/>
+              </a:rPr>
+              <a:t>close</a:t>
+            </a:r>
+            <a:r>
+              <a:rPr kumimoji="1" lang="zh-Hans" altLang="en-US" sz="2800" dirty="0">
+                <a:latin typeface="Arial" charset="0"/>
+                <a:ea typeface="Arial" charset="0"/>
+                <a:cs typeface="Arial" charset="0"/>
+              </a:rPr>
+              <a:t> </a:t>
+            </a:r>
+            <a:r>
+              <a:rPr kumimoji="1" lang="en-US" altLang="zh-Hans" sz="2800" dirty="0">
+                <a:latin typeface="Arial" charset="0"/>
+                <a:ea typeface="Arial" charset="0"/>
+                <a:cs typeface="Arial" charset="0"/>
+              </a:rPr>
+              <a:t>in</a:t>
+            </a:r>
+            <a:r>
+              <a:rPr kumimoji="1" lang="zh-Hans" altLang="en-US" sz="2800" dirty="0">
+                <a:latin typeface="Arial" charset="0"/>
+                <a:ea typeface="Arial" charset="0"/>
+                <a:cs typeface="Arial" charset="0"/>
+              </a:rPr>
+              <a:t> </a:t>
+            </a:r>
+            <a:r>
+              <a:rPr kumimoji="1" lang="en-US" altLang="zh-Hans" sz="2800" dirty="0">
+                <a:latin typeface="Arial" charset="0"/>
+                <a:ea typeface="Arial" charset="0"/>
+                <a:cs typeface="Arial" charset="0"/>
+              </a:rPr>
+              <a:t>the</a:t>
+            </a:r>
+            <a:r>
+              <a:rPr kumimoji="1" lang="zh-Hans" altLang="en-US" sz="2800" dirty="0">
+                <a:latin typeface="Arial" charset="0"/>
+                <a:ea typeface="Arial" charset="0"/>
+                <a:cs typeface="Arial" charset="0"/>
+              </a:rPr>
+              <a:t> </a:t>
+            </a:r>
+            <a:r>
+              <a:rPr kumimoji="1" lang="en-US" altLang="zh-Hans" sz="2800" dirty="0">
+                <a:latin typeface="Arial" charset="0"/>
+                <a:ea typeface="Arial" charset="0"/>
+                <a:cs typeface="Arial" charset="0"/>
+              </a:rPr>
+              <a:t>original</a:t>
+            </a:r>
+            <a:r>
+              <a:rPr kumimoji="1" lang="zh-Hans" altLang="en-US" sz="2800" dirty="0">
+                <a:latin typeface="Arial" charset="0"/>
+                <a:ea typeface="Arial" charset="0"/>
+                <a:cs typeface="Arial" charset="0"/>
+              </a:rPr>
+              <a:t> </a:t>
+            </a:r>
+            <a:r>
+              <a:rPr kumimoji="1" lang="en-US" altLang="zh-Hans" sz="2800" dirty="0">
+                <a:latin typeface="Arial" charset="0"/>
+                <a:ea typeface="Arial" charset="0"/>
+                <a:cs typeface="Arial" charset="0"/>
+              </a:rPr>
+              <a:t>space,</a:t>
+            </a:r>
+            <a:r>
+              <a:rPr kumimoji="1" lang="zh-Hans" altLang="en-US" sz="2800" dirty="0">
+                <a:latin typeface="Arial" charset="0"/>
+                <a:ea typeface="Arial" charset="0"/>
+                <a:cs typeface="Arial" charset="0"/>
+              </a:rPr>
+              <a:t>  </a:t>
+            </a:r>
+            <a:r>
+              <a:rPr kumimoji="1" lang="en-US" altLang="zh-Hans" sz="2800" dirty="0">
+                <a:latin typeface="Arial" charset="0"/>
+                <a:ea typeface="Arial" charset="0"/>
+                <a:cs typeface="Arial" charset="0"/>
+              </a:rPr>
+              <a:t>then</a:t>
+            </a:r>
+            <a:r>
+              <a:rPr kumimoji="1" lang="zh-Hans" altLang="en-US" sz="2800" dirty="0">
+                <a:latin typeface="Arial" charset="0"/>
+                <a:ea typeface="Arial" charset="0"/>
+                <a:cs typeface="Arial" charset="0"/>
+              </a:rPr>
+              <a:t> </a:t>
+            </a:r>
+            <a:r>
+              <a:rPr kumimoji="1" lang="en-US" altLang="zh-Hans" sz="2800" dirty="0">
+                <a:latin typeface="Arial" charset="0"/>
+                <a:ea typeface="Arial" charset="0"/>
+                <a:cs typeface="Arial" charset="0"/>
+              </a:rPr>
+              <a:t>they</a:t>
+            </a:r>
+            <a:r>
+              <a:rPr kumimoji="1" lang="zh-Hans" altLang="en-US" sz="2800" dirty="0">
+                <a:latin typeface="Arial" charset="0"/>
+                <a:ea typeface="Arial" charset="0"/>
+                <a:cs typeface="Arial" charset="0"/>
+              </a:rPr>
+              <a:t> </a:t>
+            </a:r>
+            <a:r>
+              <a:rPr kumimoji="1" lang="en-US" altLang="zh-Hans" sz="2800" dirty="0">
+                <a:latin typeface="Arial" charset="0"/>
+                <a:ea typeface="Arial" charset="0"/>
+                <a:cs typeface="Arial" charset="0"/>
+              </a:rPr>
+              <a:t>are</a:t>
+            </a:r>
+            <a:r>
+              <a:rPr kumimoji="1" lang="zh-Hans" altLang="en-US" sz="2800" dirty="0">
+                <a:latin typeface="Arial" charset="0"/>
+                <a:ea typeface="Arial" charset="0"/>
+                <a:cs typeface="Arial" charset="0"/>
+              </a:rPr>
+              <a:t> </a:t>
+            </a:r>
+            <a:r>
+              <a:rPr kumimoji="1" lang="en-US" altLang="zh-Hans" sz="2800" dirty="0">
+                <a:latin typeface="Arial" charset="0"/>
+                <a:ea typeface="Arial" charset="0"/>
+                <a:cs typeface="Arial" charset="0"/>
+              </a:rPr>
+              <a:t>highly</a:t>
+            </a:r>
+            <a:r>
+              <a:rPr kumimoji="1" lang="zh-Hans" altLang="en-US" sz="2800" dirty="0">
+                <a:latin typeface="Arial" charset="0"/>
+                <a:ea typeface="Arial" charset="0"/>
+                <a:cs typeface="Arial" charset="0"/>
+              </a:rPr>
+              <a:t> </a:t>
+            </a:r>
+            <a:r>
+              <a:rPr kumimoji="1" lang="en-US" altLang="zh-Hans" sz="2800" dirty="0">
+                <a:latin typeface="Arial" charset="0"/>
+                <a:ea typeface="Arial" charset="0"/>
+                <a:cs typeface="Arial" charset="0"/>
+              </a:rPr>
+              <a:t>possible</a:t>
+            </a:r>
+            <a:r>
+              <a:rPr kumimoji="1" lang="zh-Hans" altLang="en-US" sz="2800" dirty="0">
+                <a:latin typeface="Arial" charset="0"/>
+                <a:ea typeface="Arial" charset="0"/>
+                <a:cs typeface="Arial" charset="0"/>
+              </a:rPr>
+              <a:t> </a:t>
+            </a:r>
+            <a:r>
+              <a:rPr kumimoji="1" lang="en-US" altLang="zh-Hans" sz="2800" dirty="0">
+                <a:latin typeface="Arial" charset="0"/>
+                <a:ea typeface="Arial" charset="0"/>
+                <a:cs typeface="Arial" charset="0"/>
+              </a:rPr>
+              <a:t>to</a:t>
+            </a:r>
+            <a:r>
+              <a:rPr kumimoji="1" lang="zh-Hans" altLang="en-US" sz="2800" dirty="0">
+                <a:latin typeface="Arial" charset="0"/>
+                <a:ea typeface="Arial" charset="0"/>
+                <a:cs typeface="Arial" charset="0"/>
+              </a:rPr>
+              <a:t> </a:t>
+            </a:r>
+            <a:r>
+              <a:rPr kumimoji="1" lang="en-US" altLang="zh-Hans" sz="2800" dirty="0">
+                <a:latin typeface="Arial" charset="0"/>
+                <a:ea typeface="Arial" charset="0"/>
+                <a:cs typeface="Arial" charset="0"/>
+              </a:rPr>
+              <a:t>be</a:t>
+            </a:r>
+            <a:r>
+              <a:rPr kumimoji="1" lang="zh-Hans" altLang="en-US" sz="2800" dirty="0">
+                <a:latin typeface="Arial" charset="0"/>
+                <a:ea typeface="Arial" charset="0"/>
+                <a:cs typeface="Arial" charset="0"/>
+              </a:rPr>
+              <a:t> </a:t>
+            </a:r>
+            <a:r>
+              <a:rPr kumimoji="1" lang="en-US" altLang="zh-Hans" sz="2800" dirty="0">
+                <a:latin typeface="Arial" charset="0"/>
+                <a:ea typeface="Arial" charset="0"/>
+                <a:cs typeface="Arial" charset="0"/>
+              </a:rPr>
+              <a:t>still</a:t>
+            </a:r>
+            <a:r>
+              <a:rPr kumimoji="1" lang="zh-Hans" altLang="en-US" sz="2800" dirty="0">
+                <a:latin typeface="Arial" charset="0"/>
+                <a:ea typeface="Arial" charset="0"/>
+                <a:cs typeface="Arial" charset="0"/>
+              </a:rPr>
+              <a:t> </a:t>
+            </a:r>
+            <a:r>
+              <a:rPr kumimoji="1" lang="en-US" altLang="zh-Hans" sz="2800" dirty="0">
+                <a:latin typeface="Arial" charset="0"/>
+                <a:ea typeface="Arial" charset="0"/>
+                <a:cs typeface="Arial" charset="0"/>
+              </a:rPr>
+              <a:t>close</a:t>
+            </a:r>
+            <a:r>
+              <a:rPr kumimoji="1" lang="zh-Hans" altLang="en-US" sz="2800" dirty="0">
+                <a:latin typeface="Arial" charset="0"/>
+                <a:ea typeface="Arial" charset="0"/>
+                <a:cs typeface="Arial" charset="0"/>
+              </a:rPr>
+              <a:t> </a:t>
+            </a:r>
+            <a:r>
+              <a:rPr kumimoji="1" lang="en-US" altLang="zh-Hans" sz="2800" dirty="0">
+                <a:latin typeface="Arial" charset="0"/>
+                <a:ea typeface="Arial" charset="0"/>
+                <a:cs typeface="Arial" charset="0"/>
+              </a:rPr>
+              <a:t>in</a:t>
+            </a:r>
+            <a:r>
+              <a:rPr kumimoji="1" lang="zh-Hans" altLang="en-US" sz="2800" dirty="0">
+                <a:latin typeface="Arial" charset="0"/>
+                <a:ea typeface="Arial" charset="0"/>
+                <a:cs typeface="Arial" charset="0"/>
+              </a:rPr>
+              <a:t> </a:t>
+            </a:r>
+            <a:r>
+              <a:rPr kumimoji="1" lang="en-US" altLang="zh-Hans" sz="2800" dirty="0">
+                <a:latin typeface="Arial" charset="0"/>
+                <a:ea typeface="Arial" charset="0"/>
+                <a:cs typeface="Arial" charset="0"/>
+              </a:rPr>
+              <a:t>the</a:t>
+            </a:r>
+            <a:r>
+              <a:rPr kumimoji="1" lang="zh-Hans" altLang="en-US" sz="2800" dirty="0">
+                <a:latin typeface="Arial" charset="0"/>
+                <a:ea typeface="Arial" charset="0"/>
+                <a:cs typeface="Arial" charset="0"/>
+              </a:rPr>
+              <a:t> </a:t>
+            </a:r>
+            <a:r>
+              <a:rPr kumimoji="1" lang="en-US" altLang="zh-Hans" sz="2800" dirty="0">
+                <a:latin typeface="Arial" charset="0"/>
+                <a:ea typeface="Arial" charset="0"/>
+                <a:cs typeface="Arial" charset="0"/>
+              </a:rPr>
+              <a:t>projected</a:t>
+            </a:r>
+            <a:r>
+              <a:rPr kumimoji="1" lang="zh-Hans" altLang="en-US" sz="2800" dirty="0">
+                <a:latin typeface="Arial" charset="0"/>
+                <a:ea typeface="Arial" charset="0"/>
+                <a:cs typeface="Arial" charset="0"/>
+              </a:rPr>
+              <a:t> </a:t>
+            </a:r>
+            <a:r>
+              <a:rPr kumimoji="1" lang="en-US" altLang="zh-Hans" sz="2800" dirty="0">
+                <a:latin typeface="Arial" charset="0"/>
+                <a:ea typeface="Arial" charset="0"/>
+                <a:cs typeface="Arial" charset="0"/>
+              </a:rPr>
+              <a:t>subspace,</a:t>
+            </a:r>
+            <a:r>
+              <a:rPr kumimoji="1" lang="zh-Hans" altLang="en-US" sz="2800" dirty="0">
+                <a:latin typeface="Arial" charset="0"/>
+                <a:ea typeface="Arial" charset="0"/>
+                <a:cs typeface="Arial" charset="0"/>
+              </a:rPr>
+              <a:t> </a:t>
+            </a:r>
+            <a:r>
+              <a:rPr kumimoji="1" lang="en-US" altLang="zh-Hans" sz="2800" dirty="0">
+                <a:latin typeface="Arial" charset="0"/>
+                <a:ea typeface="Arial" charset="0"/>
+                <a:cs typeface="Arial" charset="0"/>
+              </a:rPr>
+              <a:t>with</a:t>
+            </a:r>
+            <a:r>
+              <a:rPr kumimoji="1" lang="zh-Hans" altLang="en-US" sz="2800" dirty="0">
+                <a:latin typeface="Arial" charset="0"/>
+                <a:ea typeface="Arial" charset="0"/>
+                <a:cs typeface="Arial" charset="0"/>
+              </a:rPr>
+              <a:t> </a:t>
+            </a:r>
+            <a:r>
+              <a:rPr kumimoji="1" lang="en-US" altLang="zh-Hans" sz="2800" dirty="0">
+                <a:latin typeface="Arial" charset="0"/>
+                <a:ea typeface="Arial" charset="0"/>
+                <a:cs typeface="Arial" charset="0"/>
+              </a:rPr>
+              <a:t>probability</a:t>
+            </a:r>
+            <a:r>
+              <a:rPr kumimoji="1" lang="zh-Hans" altLang="en-US" sz="2800" dirty="0">
+                <a:latin typeface="Arial" charset="0"/>
+                <a:ea typeface="Arial" charset="0"/>
+                <a:cs typeface="Arial" charset="0"/>
+              </a:rPr>
+              <a:t> </a:t>
+            </a:r>
+            <a:r>
+              <a:rPr kumimoji="1" lang="en-US" altLang="zh-Hans" sz="2800" dirty="0">
+                <a:latin typeface="Arial" charset="0"/>
+                <a:ea typeface="Arial" charset="0"/>
+                <a:cs typeface="Arial" charset="0"/>
+              </a:rPr>
+              <a:t>given</a:t>
+            </a:r>
+            <a:r>
+              <a:rPr kumimoji="1" lang="zh-Hans" altLang="en-US" sz="2800" dirty="0">
+                <a:latin typeface="Arial" charset="0"/>
+                <a:ea typeface="Arial" charset="0"/>
+                <a:cs typeface="Arial" charset="0"/>
+              </a:rPr>
+              <a:t> </a:t>
+            </a:r>
+            <a:r>
+              <a:rPr kumimoji="1" lang="en-US" altLang="zh-Hans" sz="2800" dirty="0">
+                <a:latin typeface="Arial" charset="0"/>
+                <a:ea typeface="Arial" charset="0"/>
+                <a:cs typeface="Arial" charset="0"/>
+              </a:rPr>
+              <a:t>by</a:t>
+            </a:r>
+            <a:r>
+              <a:rPr kumimoji="1" lang="zh-Hans" altLang="en-US" sz="2800" dirty="0">
+                <a:latin typeface="Arial" charset="0"/>
+                <a:ea typeface="Arial" charset="0"/>
+                <a:cs typeface="Arial" charset="0"/>
+              </a:rPr>
+              <a:t> </a:t>
+            </a:r>
+            <a:r>
+              <a:rPr kumimoji="1" lang="en-US" altLang="zh-Hans" sz="2800" dirty="0">
+                <a:latin typeface="Arial" charset="0"/>
+                <a:ea typeface="Arial" charset="0"/>
+                <a:cs typeface="Arial" charset="0"/>
+              </a:rPr>
+              <a:t>the</a:t>
+            </a:r>
+            <a:r>
+              <a:rPr kumimoji="1" lang="zh-Hans" altLang="en-US" sz="2800" dirty="0">
+                <a:latin typeface="Arial" charset="0"/>
+                <a:ea typeface="Arial" charset="0"/>
+                <a:cs typeface="Arial" charset="0"/>
+              </a:rPr>
+              <a:t> </a:t>
+            </a:r>
+            <a:r>
+              <a:rPr kumimoji="1" lang="en-US" altLang="zh-Hans" sz="2800" i="1" dirty="0">
+                <a:latin typeface="Arial" charset="0"/>
+                <a:ea typeface="Arial" charset="0"/>
+                <a:cs typeface="Arial" charset="0"/>
+              </a:rPr>
+              <a:t>Norm</a:t>
+            </a:r>
+            <a:r>
+              <a:rPr kumimoji="1" lang="zh-Hans" altLang="en-US" sz="2800" i="1" dirty="0">
+                <a:latin typeface="Arial" charset="0"/>
+                <a:ea typeface="Arial" charset="0"/>
+                <a:cs typeface="Arial" charset="0"/>
+              </a:rPr>
+              <a:t> </a:t>
+            </a:r>
+            <a:r>
+              <a:rPr kumimoji="1" lang="en-US" altLang="zh-Hans" sz="2800" i="1" dirty="0">
+                <a:latin typeface="Arial" charset="0"/>
+                <a:ea typeface="Arial" charset="0"/>
+                <a:cs typeface="Arial" charset="0"/>
+              </a:rPr>
+              <a:t>Preservation</a:t>
+            </a:r>
+            <a:r>
+              <a:rPr kumimoji="1" lang="zh-Hans" altLang="en-US" sz="2800" i="1" dirty="0">
+                <a:latin typeface="Arial" charset="0"/>
+                <a:ea typeface="Arial" charset="0"/>
+                <a:cs typeface="Arial" charset="0"/>
+              </a:rPr>
+              <a:t> </a:t>
+            </a:r>
+            <a:r>
+              <a:rPr kumimoji="1" lang="en-US" altLang="zh-Hans" sz="2800" i="1" dirty="0">
+                <a:latin typeface="Arial" charset="0"/>
+                <a:ea typeface="Arial" charset="0"/>
+                <a:cs typeface="Arial" charset="0"/>
+              </a:rPr>
+              <a:t>Theorem:</a:t>
+            </a:r>
+            <a:endParaRPr kumimoji="1" lang="zh-CN" altLang="en-US" sz="2800" dirty="0">
+              <a:latin typeface="Arial" charset="0"/>
+              <a:ea typeface="Arial" charset="0"/>
+              <a:cs typeface="Arial" charset="0"/>
+            </a:endParaRPr>
+          </a:p>
+        </p:txBody>
+      </p:sp>
+      <p:sp>
+        <p:nvSpPr>
+          <p:cNvPr id="63" name="文本框 12">
+            <a:extLst>
+              <a:ext uri="{FF2B5EF4-FFF2-40B4-BE49-F238E27FC236}">
+                <a16:creationId xmlns:a16="http://schemas.microsoft.com/office/drawing/2014/main" id="{65EB7FB5-945A-254F-9FE1-EF0063736FE0}"/>
+              </a:ext>
+            </a:extLst>
+          </p:cNvPr>
+          <p:cNvSpPr txBox="1"/>
+          <p:nvPr/>
+        </p:nvSpPr>
+        <p:spPr>
+          <a:xfrm>
+            <a:off x="13345543" y="5485539"/>
+            <a:ext cx="9888783" cy="1951432"/>
+          </a:xfrm>
+          <a:prstGeom prst="rect">
+            <a:avLst/>
+          </a:prstGeom>
+          <a:noFill/>
+        </p:spPr>
+        <p:txBody>
+          <a:bodyPr wrap="square" rtlCol="0">
+            <a:spAutoFit/>
+          </a:bodyPr>
+          <a:lstStyle/>
+          <a:p>
+            <a:pPr marL="457200" indent="-457200">
+              <a:lnSpc>
+                <a:spcPct val="150000"/>
+              </a:lnSpc>
+              <a:buFont typeface="Arial" panose="020B0604020202020204" pitchFamily="34" charset="0"/>
+              <a:buChar char="•"/>
+            </a:pPr>
+            <a:r>
+              <a:rPr kumimoji="1" lang="en-US" altLang="zh-Hans" sz="2800" b="1" dirty="0">
+                <a:latin typeface="Arial" charset="0"/>
+                <a:ea typeface="Arial" charset="0"/>
+                <a:cs typeface="Arial" charset="0"/>
+              </a:rPr>
+              <a:t>Local-Sensitivity</a:t>
+            </a:r>
+            <a:r>
+              <a:rPr kumimoji="1" lang="zh-Hans" altLang="en-US" sz="2800" b="1" dirty="0">
+                <a:latin typeface="Arial" charset="0"/>
+                <a:ea typeface="Arial" charset="0"/>
+                <a:cs typeface="Arial" charset="0"/>
+              </a:rPr>
+              <a:t> </a:t>
+            </a:r>
+            <a:r>
+              <a:rPr kumimoji="1" lang="en-US" altLang="zh-Hans" sz="2800" b="1" dirty="0">
+                <a:latin typeface="Arial" charset="0"/>
+                <a:ea typeface="Arial" charset="0"/>
+                <a:cs typeface="Arial" charset="0"/>
+              </a:rPr>
+              <a:t>Hashing</a:t>
+            </a:r>
+            <a:r>
+              <a:rPr kumimoji="1" lang="zh-Hans" altLang="en-US" sz="2800" b="1" dirty="0">
+                <a:latin typeface="Arial" charset="0"/>
+                <a:ea typeface="Arial" charset="0"/>
+                <a:cs typeface="Arial" charset="0"/>
+              </a:rPr>
+              <a:t> </a:t>
+            </a:r>
+            <a:r>
+              <a:rPr kumimoji="1" lang="en-US" altLang="zh-Hans" sz="2800" b="1" dirty="0">
+                <a:latin typeface="Arial" charset="0"/>
+                <a:ea typeface="Arial" charset="0"/>
+                <a:cs typeface="Arial" charset="0"/>
+              </a:rPr>
+              <a:t>(LSH)</a:t>
+            </a:r>
+            <a:r>
+              <a:rPr kumimoji="1" lang="zh-Hans" altLang="en-US" sz="2800" b="1" dirty="0">
+                <a:latin typeface="Arial" charset="0"/>
+                <a:ea typeface="Arial" charset="0"/>
+                <a:cs typeface="Arial" charset="0"/>
+              </a:rPr>
+              <a:t> </a:t>
+            </a:r>
+            <a:r>
+              <a:rPr kumimoji="1" lang="en-US" altLang="zh-Hans" sz="2800" dirty="0">
+                <a:latin typeface="Arial" charset="0"/>
+                <a:ea typeface="Arial" charset="0"/>
+                <a:cs typeface="Arial" charset="0"/>
+              </a:rPr>
+              <a:t>is</a:t>
+            </a:r>
+            <a:r>
+              <a:rPr kumimoji="1" lang="zh-Hans" altLang="en-US" sz="2800" dirty="0">
+                <a:latin typeface="Arial" charset="0"/>
+                <a:ea typeface="Arial" charset="0"/>
+                <a:cs typeface="Arial" charset="0"/>
+              </a:rPr>
+              <a:t> </a:t>
+            </a:r>
+            <a:r>
+              <a:rPr kumimoji="1" lang="en-US" altLang="zh-Hans" sz="2800" dirty="0">
+                <a:latin typeface="Arial" charset="0"/>
+                <a:ea typeface="Arial" charset="0"/>
+                <a:cs typeface="Arial" charset="0"/>
+              </a:rPr>
+              <a:t>an</a:t>
+            </a:r>
+            <a:r>
+              <a:rPr kumimoji="1" lang="zh-Hans" altLang="en-US" sz="2800" dirty="0">
+                <a:latin typeface="Arial" charset="0"/>
+                <a:ea typeface="Arial" charset="0"/>
+                <a:cs typeface="Arial" charset="0"/>
+              </a:rPr>
+              <a:t> </a:t>
+            </a:r>
+            <a:r>
+              <a:rPr kumimoji="1" lang="en-US" altLang="zh-Hans" sz="2800" dirty="0">
+                <a:latin typeface="Arial" charset="0"/>
+                <a:ea typeface="Arial" charset="0"/>
+                <a:cs typeface="Arial" charset="0"/>
+              </a:rPr>
+              <a:t>algorithm</a:t>
+            </a:r>
+            <a:r>
+              <a:rPr kumimoji="1" lang="zh-Hans" altLang="en-US" sz="2800" dirty="0">
+                <a:latin typeface="Arial" charset="0"/>
+                <a:ea typeface="Arial" charset="0"/>
+                <a:cs typeface="Arial" charset="0"/>
+              </a:rPr>
+              <a:t> </a:t>
+            </a:r>
+            <a:r>
+              <a:rPr kumimoji="1" lang="en-US" altLang="zh-Hans" sz="2800" dirty="0">
+                <a:latin typeface="Arial" charset="0"/>
+                <a:ea typeface="Arial" charset="0"/>
+                <a:cs typeface="Arial" charset="0"/>
+              </a:rPr>
+              <a:t>to</a:t>
+            </a:r>
+            <a:r>
+              <a:rPr kumimoji="1" lang="zh-Hans" altLang="en-US" sz="2800" dirty="0">
+                <a:latin typeface="Arial" charset="0"/>
+                <a:ea typeface="Arial" charset="0"/>
+                <a:cs typeface="Arial" charset="0"/>
+              </a:rPr>
+              <a:t> </a:t>
+            </a:r>
+            <a:r>
+              <a:rPr kumimoji="1" lang="zh-Hans" altLang="en-US" sz="2800" b="1" dirty="0">
+                <a:latin typeface="Arial" charset="0"/>
+                <a:ea typeface="Arial" charset="0"/>
+                <a:cs typeface="Arial" charset="0"/>
+              </a:rPr>
+              <a:t> </a:t>
+            </a:r>
+            <a:r>
+              <a:rPr kumimoji="1" lang="en-US" altLang="zh-Hans" sz="2800" dirty="0">
+                <a:latin typeface="Arial" charset="0"/>
+                <a:ea typeface="Arial" charset="0"/>
+                <a:cs typeface="Arial" charset="0"/>
+              </a:rPr>
+              <a:t>reduce</a:t>
+            </a:r>
+            <a:r>
+              <a:rPr kumimoji="1" lang="zh-Hans" altLang="en-US" sz="2800" dirty="0">
+                <a:latin typeface="Arial" charset="0"/>
+                <a:ea typeface="Arial" charset="0"/>
+                <a:cs typeface="Arial" charset="0"/>
+              </a:rPr>
+              <a:t> </a:t>
+            </a:r>
+            <a:r>
+              <a:rPr kumimoji="1" lang="en-US" altLang="zh-Hans" sz="2800" dirty="0">
+                <a:latin typeface="Arial" charset="0"/>
+                <a:ea typeface="Arial" charset="0"/>
+                <a:cs typeface="Arial" charset="0"/>
+              </a:rPr>
+              <a:t>the</a:t>
+            </a:r>
+            <a:r>
+              <a:rPr kumimoji="1" lang="zh-Hans" altLang="en-US" sz="2800" dirty="0">
+                <a:latin typeface="Arial" charset="0"/>
+                <a:ea typeface="Arial" charset="0"/>
+                <a:cs typeface="Arial" charset="0"/>
+              </a:rPr>
+              <a:t> </a:t>
+            </a:r>
+            <a:r>
+              <a:rPr kumimoji="1" lang="en-US" altLang="zh-Hans" sz="2800" dirty="0">
+                <a:latin typeface="Arial" charset="0"/>
+                <a:ea typeface="Arial" charset="0"/>
+                <a:cs typeface="Arial" charset="0"/>
+              </a:rPr>
+              <a:t>dimensionality</a:t>
+            </a:r>
+            <a:r>
+              <a:rPr kumimoji="1" lang="zh-Hans" altLang="en-US" sz="2800" dirty="0">
+                <a:latin typeface="Arial" charset="0"/>
+                <a:ea typeface="Arial" charset="0"/>
+                <a:cs typeface="Arial" charset="0"/>
+              </a:rPr>
+              <a:t> </a:t>
+            </a:r>
+            <a:r>
+              <a:rPr kumimoji="1" lang="en-US" altLang="zh-Hans" sz="2800" dirty="0">
+                <a:latin typeface="Arial" charset="0"/>
+                <a:ea typeface="Arial" charset="0"/>
+                <a:cs typeface="Arial" charset="0"/>
+              </a:rPr>
+              <a:t>of</a:t>
+            </a:r>
+            <a:r>
+              <a:rPr kumimoji="1" lang="zh-Hans" altLang="en-US" sz="2800" dirty="0">
+                <a:latin typeface="Arial" charset="0"/>
+                <a:ea typeface="Arial" charset="0"/>
+                <a:cs typeface="Arial" charset="0"/>
+              </a:rPr>
+              <a:t> </a:t>
+            </a:r>
+            <a:r>
+              <a:rPr kumimoji="1" lang="en-US" altLang="zh-Hans" sz="2800" dirty="0">
+                <a:latin typeface="Arial" charset="0"/>
+                <a:ea typeface="Arial" charset="0"/>
+                <a:cs typeface="Arial" charset="0"/>
+              </a:rPr>
+              <a:t>high-dimensional</a:t>
+            </a:r>
+            <a:r>
+              <a:rPr kumimoji="1" lang="zh-Hans" altLang="en-US" sz="2800" dirty="0">
+                <a:latin typeface="Arial" charset="0"/>
+                <a:ea typeface="Arial" charset="0"/>
+                <a:cs typeface="Arial" charset="0"/>
+              </a:rPr>
+              <a:t> </a:t>
+            </a:r>
+            <a:r>
+              <a:rPr kumimoji="1" lang="en-US" altLang="zh-Hans" sz="2800" dirty="0">
+                <a:latin typeface="Arial" charset="0"/>
+                <a:ea typeface="Arial" charset="0"/>
+                <a:cs typeface="Arial" charset="0"/>
+              </a:rPr>
+              <a:t>data</a:t>
+            </a:r>
+            <a:r>
+              <a:rPr kumimoji="1" lang="zh-Hans" altLang="en-US" sz="2800" dirty="0">
+                <a:latin typeface="Arial" charset="0"/>
+                <a:ea typeface="Arial" charset="0"/>
+                <a:cs typeface="Arial" charset="0"/>
+              </a:rPr>
+              <a:t> </a:t>
+            </a:r>
+            <a:r>
+              <a:rPr kumimoji="1" lang="en-US" altLang="zh-Hans" sz="2800" dirty="0">
+                <a:latin typeface="Arial" charset="0"/>
+                <a:ea typeface="Arial" charset="0"/>
+                <a:cs typeface="Arial" charset="0"/>
+              </a:rPr>
+              <a:t>using</a:t>
+            </a:r>
+            <a:r>
+              <a:rPr kumimoji="1" lang="zh-Hans" altLang="en-US" sz="2800" dirty="0">
+                <a:latin typeface="Arial" charset="0"/>
+                <a:ea typeface="Arial" charset="0"/>
+                <a:cs typeface="Arial" charset="0"/>
+              </a:rPr>
+              <a:t> </a:t>
+            </a:r>
+            <a:r>
+              <a:rPr kumimoji="1" lang="en-US" altLang="zh-Hans" sz="2800" dirty="0">
+                <a:latin typeface="Arial" charset="0"/>
+                <a:ea typeface="Arial" charset="0"/>
+                <a:cs typeface="Arial" charset="0"/>
+              </a:rPr>
+              <a:t>hash</a:t>
+            </a:r>
+            <a:r>
+              <a:rPr kumimoji="1" lang="zh-Hans" altLang="en-US" sz="2800" dirty="0">
+                <a:latin typeface="Arial" charset="0"/>
+                <a:ea typeface="Arial" charset="0"/>
+                <a:cs typeface="Arial" charset="0"/>
+              </a:rPr>
+              <a:t> </a:t>
+            </a:r>
+            <a:r>
+              <a:rPr kumimoji="1" lang="en-US" altLang="zh-Hans" sz="2800" dirty="0">
+                <a:latin typeface="Arial" charset="0"/>
+                <a:ea typeface="Arial" charset="0"/>
+                <a:cs typeface="Arial" charset="0"/>
+              </a:rPr>
+              <a:t>functions</a:t>
+            </a:r>
+            <a:r>
+              <a:rPr kumimoji="1" lang="zh-Hans" altLang="en-US" sz="2800" dirty="0">
+                <a:latin typeface="Arial" charset="0"/>
+                <a:ea typeface="Arial" charset="0"/>
+                <a:cs typeface="Arial" charset="0"/>
+              </a:rPr>
+              <a:t> </a:t>
+            </a:r>
+            <a:r>
+              <a:rPr kumimoji="1" lang="en-US" altLang="zh-Hans" sz="2800" dirty="0">
+                <a:latin typeface="Arial" charset="0"/>
+                <a:ea typeface="Arial" charset="0"/>
+                <a:cs typeface="Arial" charset="0"/>
+              </a:rPr>
+              <a:t>mapping</a:t>
+            </a:r>
+            <a:r>
+              <a:rPr kumimoji="1" lang="zh-Hans" altLang="en-US" sz="2800" dirty="0">
+                <a:latin typeface="Arial" charset="0"/>
+                <a:ea typeface="Arial" charset="0"/>
+                <a:cs typeface="Arial" charset="0"/>
+              </a:rPr>
+              <a:t> </a:t>
+            </a:r>
+            <a:r>
+              <a:rPr kumimoji="1" lang="en-US" altLang="zh-Hans" sz="2800" dirty="0">
+                <a:latin typeface="Arial" charset="0"/>
+                <a:ea typeface="Arial" charset="0"/>
+                <a:cs typeface="Arial" charset="0"/>
+              </a:rPr>
+              <a:t>“similar”</a:t>
+            </a:r>
+            <a:r>
+              <a:rPr kumimoji="1" lang="zh-Hans" altLang="en-US" sz="2800" dirty="0">
+                <a:latin typeface="Arial" charset="0"/>
+                <a:ea typeface="Arial" charset="0"/>
+                <a:cs typeface="Arial" charset="0"/>
+              </a:rPr>
+              <a:t> </a:t>
+            </a:r>
+            <a:r>
+              <a:rPr kumimoji="1" lang="en-US" altLang="zh-Hans" sz="2800" dirty="0">
+                <a:latin typeface="Arial" charset="0"/>
+                <a:ea typeface="Arial" charset="0"/>
+                <a:cs typeface="Arial" charset="0"/>
+              </a:rPr>
+              <a:t>data</a:t>
+            </a:r>
+            <a:r>
+              <a:rPr kumimoji="1" lang="zh-Hans" altLang="en-US" sz="2800" dirty="0">
+                <a:latin typeface="Arial" charset="0"/>
+                <a:ea typeface="Arial" charset="0"/>
+                <a:cs typeface="Arial" charset="0"/>
+              </a:rPr>
+              <a:t> </a:t>
+            </a:r>
+            <a:r>
+              <a:rPr kumimoji="1" lang="en-US" altLang="zh-Hans" sz="2800" dirty="0">
+                <a:latin typeface="Arial" charset="0"/>
+                <a:ea typeface="Arial" charset="0"/>
+                <a:cs typeface="Arial" charset="0"/>
+              </a:rPr>
+              <a:t>into</a:t>
+            </a:r>
+            <a:r>
+              <a:rPr kumimoji="1" lang="zh-Hans" altLang="en-US" sz="2800" dirty="0">
+                <a:latin typeface="Arial" charset="0"/>
+                <a:ea typeface="Arial" charset="0"/>
+                <a:cs typeface="Arial" charset="0"/>
+              </a:rPr>
+              <a:t> </a:t>
+            </a:r>
+            <a:r>
+              <a:rPr kumimoji="1" lang="en-US" altLang="zh-Hans" sz="2800" dirty="0">
+                <a:latin typeface="Arial" charset="0"/>
+                <a:ea typeface="Arial" charset="0"/>
+                <a:cs typeface="Arial" charset="0"/>
+              </a:rPr>
+              <a:t>same</a:t>
+            </a:r>
+            <a:r>
+              <a:rPr kumimoji="1" lang="zh-Hans" altLang="en-US" sz="2800" dirty="0">
+                <a:latin typeface="Arial" charset="0"/>
+                <a:ea typeface="Arial" charset="0"/>
+                <a:cs typeface="Arial" charset="0"/>
+              </a:rPr>
+              <a:t> </a:t>
+            </a:r>
+            <a:r>
+              <a:rPr kumimoji="1" lang="en-US" altLang="zh-Hans" sz="2800" dirty="0">
+                <a:latin typeface="Arial" charset="0"/>
+                <a:ea typeface="Arial" charset="0"/>
+                <a:cs typeface="Arial" charset="0"/>
+              </a:rPr>
+              <a:t>buckets.</a:t>
+            </a:r>
+            <a:endParaRPr kumimoji="1" lang="zh-CN" altLang="en-US" sz="2800" dirty="0">
+              <a:latin typeface="Arial" charset="0"/>
+              <a:ea typeface="Arial" charset="0"/>
+              <a:cs typeface="Arial" charset="0"/>
+            </a:endParaRPr>
+          </a:p>
+        </p:txBody>
+      </p:sp>
+      <p:pic>
+        <p:nvPicPr>
+          <p:cNvPr id="7" name="Picture 6">
+            <a:extLst>
+              <a:ext uri="{FF2B5EF4-FFF2-40B4-BE49-F238E27FC236}">
+                <a16:creationId xmlns:a16="http://schemas.microsoft.com/office/drawing/2014/main" id="{BCC8059F-A331-1C4D-85E8-EDBA481A98E8}"/>
+              </a:ext>
+            </a:extLst>
+          </p:cNvPr>
+          <p:cNvPicPr>
+            <a:picLocks noChangeAspect="1"/>
+          </p:cNvPicPr>
+          <p:nvPr/>
+        </p:nvPicPr>
+        <p:blipFill>
+          <a:blip r:embed="rId8">
+            <a:extLst>
+              <a:ext uri="{BEBA8EAE-BF5A-486C-A8C5-ECC9F3942E4B}">
+                <a14:imgProps xmlns:a14="http://schemas.microsoft.com/office/drawing/2010/main">
+                  <a14:imgLayer r:embed="rId9">
+                    <a14:imgEffect>
+                      <a14:sharpenSoften amount="50000"/>
+                    </a14:imgEffect>
+                  </a14:imgLayer>
+                </a14:imgProps>
+              </a:ext>
+              <a:ext uri="{28A0092B-C50C-407E-A947-70E740481C1C}">
+                <a14:useLocalDpi xmlns:a14="http://schemas.microsoft.com/office/drawing/2010/main" val="0"/>
+              </a:ext>
+            </a:extLst>
+          </a:blip>
+          <a:stretch>
+            <a:fillRect/>
+          </a:stretch>
+        </p:blipFill>
+        <p:spPr>
+          <a:xfrm>
+            <a:off x="13648989" y="11137414"/>
+            <a:ext cx="9516097" cy="545285"/>
+          </a:xfrm>
+          <a:prstGeom prst="rect">
+            <a:avLst/>
+          </a:prstGeom>
+        </p:spPr>
+      </p:pic>
+      <p:sp>
+        <p:nvSpPr>
+          <p:cNvPr id="66" name="文本框 12">
+            <a:extLst>
+              <a:ext uri="{FF2B5EF4-FFF2-40B4-BE49-F238E27FC236}">
+                <a16:creationId xmlns:a16="http://schemas.microsoft.com/office/drawing/2014/main" id="{DC26E2EC-5428-A848-887B-B6F59D160F30}"/>
+              </a:ext>
+            </a:extLst>
+          </p:cNvPr>
+          <p:cNvSpPr txBox="1"/>
+          <p:nvPr/>
+        </p:nvSpPr>
+        <p:spPr>
+          <a:xfrm>
+            <a:off x="12928603" y="13333612"/>
+            <a:ext cx="7515443" cy="1305101"/>
+          </a:xfrm>
+          <a:prstGeom prst="rect">
+            <a:avLst/>
+          </a:prstGeom>
+          <a:noFill/>
+        </p:spPr>
+        <p:txBody>
+          <a:bodyPr wrap="square" rtlCol="0">
+            <a:spAutoFit/>
+          </a:bodyPr>
+          <a:lstStyle/>
+          <a:p>
+            <a:pPr marL="457200" indent="-457200">
+              <a:lnSpc>
+                <a:spcPct val="150000"/>
+              </a:lnSpc>
+              <a:buFont typeface="Arial" panose="020B0604020202020204" pitchFamily="34" charset="0"/>
+              <a:buChar char="•"/>
+            </a:pPr>
+            <a:r>
+              <a:rPr kumimoji="1" lang="en-US" altLang="zh-Hans" sz="2800" b="1" dirty="0">
+                <a:latin typeface="Arial" charset="0"/>
+                <a:ea typeface="Arial" charset="0"/>
+                <a:cs typeface="Arial" charset="0"/>
+              </a:rPr>
+              <a:t>Binary</a:t>
+            </a:r>
+            <a:r>
+              <a:rPr kumimoji="1" lang="zh-Hans" altLang="en-US" sz="2800" b="1" dirty="0">
+                <a:latin typeface="Arial" charset="0"/>
+                <a:ea typeface="Arial" charset="0"/>
+                <a:cs typeface="Arial" charset="0"/>
+              </a:rPr>
+              <a:t> </a:t>
+            </a:r>
+            <a:r>
+              <a:rPr kumimoji="1" lang="en-US" altLang="zh-Hans" sz="2800" b="1" dirty="0">
+                <a:latin typeface="Arial" charset="0"/>
+                <a:ea typeface="Arial" charset="0"/>
+                <a:cs typeface="Arial" charset="0"/>
+              </a:rPr>
+              <a:t>Random</a:t>
+            </a:r>
+            <a:r>
+              <a:rPr kumimoji="1" lang="zh-Hans" altLang="en-US" sz="2800" b="1" dirty="0">
+                <a:latin typeface="Arial" charset="0"/>
+                <a:ea typeface="Arial" charset="0"/>
+                <a:cs typeface="Arial" charset="0"/>
+              </a:rPr>
+              <a:t> </a:t>
+            </a:r>
+            <a:r>
+              <a:rPr kumimoji="1" lang="en-US" altLang="zh-Hans" sz="2800" b="1" dirty="0">
+                <a:latin typeface="Arial" charset="0"/>
+                <a:ea typeface="Arial" charset="0"/>
+                <a:cs typeface="Arial" charset="0"/>
+              </a:rPr>
+              <a:t>Projection:</a:t>
+            </a:r>
+            <a:r>
+              <a:rPr kumimoji="1" lang="zh-Hans" altLang="en-US" sz="2800" b="1" dirty="0">
+                <a:latin typeface="Arial" charset="0"/>
+                <a:ea typeface="Arial" charset="0"/>
+                <a:cs typeface="Arial" charset="0"/>
+              </a:rPr>
+              <a:t> </a:t>
+            </a:r>
+            <a:r>
+              <a:rPr kumimoji="1" lang="en-US" altLang="zh-Hans" sz="2800" dirty="0">
+                <a:latin typeface="Arial" charset="0"/>
+                <a:ea typeface="Arial" charset="0"/>
+                <a:cs typeface="Arial" charset="0"/>
+              </a:rPr>
+              <a:t>projecting</a:t>
+            </a:r>
+            <a:r>
+              <a:rPr kumimoji="1" lang="zh-Hans" altLang="en-US" sz="2800" dirty="0">
+                <a:latin typeface="Arial" charset="0"/>
+                <a:ea typeface="Arial" charset="0"/>
+                <a:cs typeface="Arial" charset="0"/>
+              </a:rPr>
+              <a:t> </a:t>
+            </a:r>
+            <a:r>
+              <a:rPr kumimoji="1" lang="en-US" altLang="zh-Hans" sz="2800" dirty="0">
+                <a:latin typeface="Arial" charset="0"/>
+                <a:ea typeface="Arial" charset="0"/>
+                <a:cs typeface="Arial" charset="0"/>
+              </a:rPr>
+              <a:t>the</a:t>
+            </a:r>
+            <a:r>
+              <a:rPr kumimoji="1" lang="zh-Hans" altLang="en-US" sz="2800" dirty="0">
+                <a:latin typeface="Arial" charset="0"/>
+                <a:ea typeface="Arial" charset="0"/>
+                <a:cs typeface="Arial" charset="0"/>
+              </a:rPr>
+              <a:t> </a:t>
+            </a:r>
+            <a:r>
+              <a:rPr kumimoji="1" lang="en-US" altLang="zh-Hans" sz="2800" dirty="0">
+                <a:latin typeface="Arial" charset="0"/>
+                <a:ea typeface="Arial" charset="0"/>
+                <a:cs typeface="Arial" charset="0"/>
+              </a:rPr>
+              <a:t>high-dimensional</a:t>
+            </a:r>
+            <a:r>
+              <a:rPr kumimoji="1" lang="zh-Hans" altLang="en-US" sz="2800" dirty="0">
+                <a:latin typeface="Arial" charset="0"/>
+                <a:ea typeface="Arial" charset="0"/>
+                <a:cs typeface="Arial" charset="0"/>
+              </a:rPr>
+              <a:t> </a:t>
+            </a:r>
+            <a:r>
+              <a:rPr kumimoji="1" lang="en-US" altLang="zh-Hans" sz="2800" dirty="0">
+                <a:latin typeface="Arial" charset="0"/>
+                <a:ea typeface="Arial" charset="0"/>
+                <a:cs typeface="Arial" charset="0"/>
+              </a:rPr>
+              <a:t>data</a:t>
+            </a:r>
+            <a:r>
+              <a:rPr kumimoji="1" lang="zh-Hans" altLang="en-US" sz="2800" dirty="0">
+                <a:latin typeface="Arial" charset="0"/>
+                <a:ea typeface="Arial" charset="0"/>
+                <a:cs typeface="Arial" charset="0"/>
+              </a:rPr>
+              <a:t> </a:t>
+            </a:r>
+            <a:r>
+              <a:rPr kumimoji="1" lang="en-US" altLang="zh-Hans" sz="2800" dirty="0">
+                <a:latin typeface="Arial" charset="0"/>
+                <a:ea typeface="Arial" charset="0"/>
+                <a:cs typeface="Arial" charset="0"/>
+              </a:rPr>
+              <a:t>into</a:t>
+            </a:r>
+            <a:r>
+              <a:rPr kumimoji="1" lang="zh-Hans" altLang="en-US" sz="2800" dirty="0">
+                <a:latin typeface="Arial" charset="0"/>
+                <a:ea typeface="Arial" charset="0"/>
+                <a:cs typeface="Arial" charset="0"/>
+              </a:rPr>
+              <a:t> </a:t>
+            </a:r>
+            <a:r>
+              <a:rPr kumimoji="1" lang="en-US" altLang="zh-Hans" sz="2800" dirty="0">
+                <a:latin typeface="Arial" charset="0"/>
+                <a:ea typeface="Arial" charset="0"/>
+                <a:cs typeface="Arial" charset="0"/>
+              </a:rPr>
+              <a:t>Hamming</a:t>
+            </a:r>
+            <a:r>
+              <a:rPr kumimoji="1" lang="zh-Hans" altLang="en-US" sz="2800" dirty="0">
+                <a:latin typeface="Arial" charset="0"/>
+                <a:ea typeface="Arial" charset="0"/>
+                <a:cs typeface="Arial" charset="0"/>
+              </a:rPr>
+              <a:t> </a:t>
+            </a:r>
+            <a:r>
+              <a:rPr kumimoji="1" lang="en-US" altLang="zh-Hans" sz="2800" dirty="0">
+                <a:latin typeface="Arial" charset="0"/>
+                <a:ea typeface="Arial" charset="0"/>
+                <a:cs typeface="Arial" charset="0"/>
+              </a:rPr>
+              <a:t>space.</a:t>
+            </a:r>
+            <a:endParaRPr kumimoji="1" lang="zh-CN" altLang="en-US" sz="2800" dirty="0">
+              <a:latin typeface="Arial" charset="0"/>
+              <a:ea typeface="Arial" charset="0"/>
+              <a:cs typeface="Arial" charset="0"/>
+            </a:endParaRPr>
+          </a:p>
+        </p:txBody>
+      </p:sp>
+      <p:pic>
+        <p:nvPicPr>
+          <p:cNvPr id="16" name="Picture 15">
+            <a:extLst>
+              <a:ext uri="{FF2B5EF4-FFF2-40B4-BE49-F238E27FC236}">
+                <a16:creationId xmlns:a16="http://schemas.microsoft.com/office/drawing/2014/main" id="{E9E05CE2-CB0F-EC4C-879B-6464BFED5AA1}"/>
+              </a:ext>
+            </a:extLst>
+          </p:cNvPr>
+          <p:cNvPicPr>
+            <a:picLocks noChangeAspect="1"/>
+          </p:cNvPicPr>
+          <p:nvPr/>
+        </p:nvPicPr>
+        <p:blipFill>
+          <a:blip r:embed="rId10">
+            <a:extLst>
+              <a:ext uri="{28A0092B-C50C-407E-A947-70E740481C1C}">
+                <a14:useLocalDpi xmlns:a14="http://schemas.microsoft.com/office/drawing/2010/main" val="0"/>
+              </a:ext>
+            </a:extLst>
+          </a:blip>
+          <a:stretch>
+            <a:fillRect/>
+          </a:stretch>
+        </p:blipFill>
+        <p:spPr>
+          <a:xfrm>
+            <a:off x="20092363" y="13976346"/>
+            <a:ext cx="3986847" cy="3671503"/>
+          </a:xfrm>
+          <a:prstGeom prst="rect">
+            <a:avLst/>
+          </a:prstGeom>
+        </p:spPr>
+      </p:pic>
+      <p:sp>
+        <p:nvSpPr>
+          <p:cNvPr id="70" name="文本框 12">
+            <a:extLst>
+              <a:ext uri="{FF2B5EF4-FFF2-40B4-BE49-F238E27FC236}">
+                <a16:creationId xmlns:a16="http://schemas.microsoft.com/office/drawing/2014/main" id="{CF2AA810-2E8D-454A-8B8B-2D756E5703EB}"/>
+              </a:ext>
+            </a:extLst>
+          </p:cNvPr>
+          <p:cNvSpPr txBox="1"/>
+          <p:nvPr/>
+        </p:nvSpPr>
+        <p:spPr>
+          <a:xfrm>
+            <a:off x="12928603" y="15445228"/>
+            <a:ext cx="8635997" cy="1305101"/>
+          </a:xfrm>
+          <a:prstGeom prst="rect">
+            <a:avLst/>
+          </a:prstGeom>
+          <a:noFill/>
+        </p:spPr>
+        <p:txBody>
+          <a:bodyPr wrap="square" rtlCol="0">
+            <a:spAutoFit/>
+          </a:bodyPr>
+          <a:lstStyle/>
+          <a:p>
+            <a:pPr marL="457200" indent="-457200">
+              <a:lnSpc>
+                <a:spcPct val="150000"/>
+              </a:lnSpc>
+              <a:buFont typeface="Arial" panose="020B0604020202020204" pitchFamily="34" charset="0"/>
+              <a:buChar char="•"/>
+            </a:pPr>
+            <a:r>
+              <a:rPr kumimoji="1" lang="en-US" altLang="zh-Hans" sz="2800" b="1" dirty="0">
+                <a:latin typeface="Arial" charset="0"/>
+                <a:ea typeface="Arial" charset="0"/>
+                <a:cs typeface="Arial" charset="0"/>
+              </a:rPr>
+              <a:t>e2LSH:</a:t>
+            </a:r>
+            <a:r>
+              <a:rPr kumimoji="1" lang="zh-Hans" altLang="en-US" sz="2800" b="1" dirty="0">
+                <a:latin typeface="Arial" charset="0"/>
+                <a:ea typeface="Arial" charset="0"/>
+                <a:cs typeface="Arial" charset="0"/>
+              </a:rPr>
+              <a:t> </a:t>
+            </a:r>
+            <a:r>
+              <a:rPr kumimoji="1" lang="en-US" altLang="zh-Hans" sz="2800" dirty="0">
+                <a:latin typeface="Arial" charset="0"/>
+                <a:ea typeface="Arial" charset="0"/>
+                <a:cs typeface="Arial" charset="0"/>
+              </a:rPr>
+              <a:t>a</a:t>
+            </a:r>
+            <a:r>
+              <a:rPr kumimoji="1" lang="zh-Hans" altLang="en-US" sz="2800" dirty="0">
+                <a:latin typeface="Arial" charset="0"/>
+                <a:ea typeface="Arial" charset="0"/>
+                <a:cs typeface="Arial" charset="0"/>
+              </a:rPr>
+              <a:t> </a:t>
+            </a:r>
+            <a:r>
+              <a:rPr kumimoji="1" lang="en-US" altLang="zh-Hans" sz="2800" dirty="0">
+                <a:latin typeface="Arial" charset="0"/>
+                <a:ea typeface="Arial" charset="0"/>
+                <a:cs typeface="Arial" charset="0"/>
+              </a:rPr>
+              <a:t>family</a:t>
+            </a:r>
+            <a:r>
+              <a:rPr kumimoji="1" lang="zh-Hans" altLang="en-US" sz="2800" dirty="0">
+                <a:latin typeface="Arial" charset="0"/>
+                <a:ea typeface="Arial" charset="0"/>
+                <a:cs typeface="Arial" charset="0"/>
+              </a:rPr>
+              <a:t> </a:t>
+            </a:r>
+            <a:r>
+              <a:rPr kumimoji="1" lang="en-US" altLang="zh-Hans" sz="2800" dirty="0">
+                <a:latin typeface="Arial" charset="0"/>
+                <a:ea typeface="Arial" charset="0"/>
+                <a:cs typeface="Arial" charset="0"/>
+              </a:rPr>
+              <a:t>of</a:t>
+            </a:r>
+            <a:r>
+              <a:rPr kumimoji="1" lang="zh-Hans" altLang="en-US" sz="2800" dirty="0">
+                <a:latin typeface="Arial" charset="0"/>
+                <a:ea typeface="Arial" charset="0"/>
+                <a:cs typeface="Arial" charset="0"/>
+              </a:rPr>
+              <a:t> </a:t>
+            </a:r>
+            <a:r>
+              <a:rPr kumimoji="1" lang="en-US" altLang="zh-Hans" sz="2800" dirty="0">
+                <a:latin typeface="Arial" charset="0"/>
+                <a:ea typeface="Arial" charset="0"/>
+                <a:cs typeface="Arial" charset="0"/>
+              </a:rPr>
+              <a:t>LSH</a:t>
+            </a:r>
+            <a:r>
+              <a:rPr kumimoji="1" lang="zh-Hans" altLang="en-US" sz="2800" dirty="0">
+                <a:latin typeface="Arial" charset="0"/>
+                <a:ea typeface="Arial" charset="0"/>
+                <a:cs typeface="Arial" charset="0"/>
+              </a:rPr>
+              <a:t> </a:t>
+            </a:r>
+            <a:r>
+              <a:rPr kumimoji="1" lang="en-US" altLang="zh-Hans" sz="2800" dirty="0">
+                <a:latin typeface="Arial" charset="0"/>
+                <a:ea typeface="Arial" charset="0"/>
+                <a:cs typeface="Arial" charset="0"/>
+              </a:rPr>
+              <a:t>function</a:t>
+            </a:r>
+            <a:r>
+              <a:rPr kumimoji="1" lang="zh-Hans" altLang="en-US" sz="2800" dirty="0">
+                <a:latin typeface="Arial" charset="0"/>
+                <a:ea typeface="Arial" charset="0"/>
+                <a:cs typeface="Arial" charset="0"/>
+              </a:rPr>
+              <a:t> </a:t>
+            </a:r>
+            <a:r>
+              <a:rPr kumimoji="1" lang="en-US" altLang="zh-Hans" sz="2800" dirty="0">
+                <a:latin typeface="Arial" charset="0"/>
+                <a:ea typeface="Arial" charset="0"/>
+                <a:cs typeface="Arial" charset="0"/>
+              </a:rPr>
+              <a:t>based</a:t>
+            </a:r>
+            <a:r>
+              <a:rPr kumimoji="1" lang="zh-Hans" altLang="en-US" sz="2800" dirty="0">
+                <a:latin typeface="Arial" charset="0"/>
+                <a:ea typeface="Arial" charset="0"/>
+                <a:cs typeface="Arial" charset="0"/>
+              </a:rPr>
+              <a:t> </a:t>
+            </a:r>
+            <a:r>
+              <a:rPr kumimoji="1" lang="en-US" altLang="zh-Hans" sz="2800" dirty="0">
+                <a:latin typeface="Arial" charset="0"/>
+                <a:ea typeface="Arial" charset="0"/>
+                <a:cs typeface="Arial" charset="0"/>
+              </a:rPr>
+              <a:t>on</a:t>
+            </a:r>
+            <a:r>
+              <a:rPr kumimoji="1" lang="zh-Hans" altLang="en-US" sz="2800" dirty="0">
+                <a:latin typeface="Arial" charset="0"/>
+                <a:ea typeface="Arial" charset="0"/>
+                <a:cs typeface="Arial" charset="0"/>
+              </a:rPr>
+              <a:t> </a:t>
+            </a:r>
+            <a:r>
+              <a:rPr kumimoji="1" lang="en-US" altLang="zh-Hans" sz="2800" dirty="0">
+                <a:latin typeface="Arial" charset="0"/>
+                <a:ea typeface="Arial" charset="0"/>
+                <a:cs typeface="Arial" charset="0"/>
+              </a:rPr>
+              <a:t>Euclidean</a:t>
+            </a:r>
+            <a:r>
+              <a:rPr kumimoji="1" lang="zh-Hans" altLang="en-US" sz="2800" dirty="0">
+                <a:latin typeface="Arial" charset="0"/>
+                <a:ea typeface="Arial" charset="0"/>
+                <a:cs typeface="Arial" charset="0"/>
+              </a:rPr>
+              <a:t> </a:t>
+            </a:r>
+            <a:r>
+              <a:rPr kumimoji="1" lang="en-US" altLang="zh-Hans" sz="2800" dirty="0">
+                <a:latin typeface="Arial" charset="0"/>
+                <a:ea typeface="Arial" charset="0"/>
+                <a:cs typeface="Arial" charset="0"/>
+              </a:rPr>
+              <a:t>space,</a:t>
+            </a:r>
+            <a:r>
+              <a:rPr kumimoji="1" lang="zh-Hans" altLang="en-US" sz="2800" dirty="0">
+                <a:latin typeface="Arial" charset="0"/>
+                <a:ea typeface="Arial" charset="0"/>
+                <a:cs typeface="Arial" charset="0"/>
+              </a:rPr>
+              <a:t> </a:t>
+            </a:r>
+            <a:r>
+              <a:rPr kumimoji="1" lang="en-US" altLang="zh-Hans" sz="2800" dirty="0">
+                <a:latin typeface="Arial" charset="0"/>
+                <a:ea typeface="Arial" charset="0"/>
+                <a:cs typeface="Arial" charset="0"/>
+              </a:rPr>
+              <a:t>with</a:t>
+            </a:r>
+            <a:r>
+              <a:rPr kumimoji="1" lang="zh-Hans" altLang="en-US" sz="2800" dirty="0">
+                <a:latin typeface="Arial" charset="0"/>
+                <a:ea typeface="Arial" charset="0"/>
+                <a:cs typeface="Arial" charset="0"/>
+              </a:rPr>
+              <a:t> </a:t>
+            </a:r>
+            <a:r>
+              <a:rPr kumimoji="1" lang="en-US" altLang="zh-Hans" sz="2800" dirty="0">
+                <a:latin typeface="Arial" charset="0"/>
+                <a:ea typeface="Arial" charset="0"/>
+                <a:cs typeface="Arial" charset="0"/>
+              </a:rPr>
+              <a:t>p-stable</a:t>
+            </a:r>
+            <a:r>
+              <a:rPr kumimoji="1" lang="zh-Hans" altLang="en-US" sz="2800" dirty="0">
+                <a:latin typeface="Arial" charset="0"/>
+                <a:ea typeface="Arial" charset="0"/>
+                <a:cs typeface="Arial" charset="0"/>
+              </a:rPr>
+              <a:t> </a:t>
+            </a:r>
+            <a:r>
+              <a:rPr kumimoji="1" lang="en-US" altLang="zh-Hans" sz="2800" dirty="0">
+                <a:latin typeface="Arial" charset="0"/>
+                <a:ea typeface="Arial" charset="0"/>
+                <a:cs typeface="Arial" charset="0"/>
+              </a:rPr>
+              <a:t>property.</a:t>
+            </a:r>
+            <a:endParaRPr kumimoji="1" lang="zh-CN" altLang="en-US" sz="2800" dirty="0">
+              <a:latin typeface="Arial" charset="0"/>
+              <a:ea typeface="Arial" charset="0"/>
+              <a:cs typeface="Arial" charset="0"/>
+            </a:endParaRPr>
+          </a:p>
+        </p:txBody>
+      </p:sp>
+      <p:pic>
+        <p:nvPicPr>
+          <p:cNvPr id="28" name="Picture 27">
+            <a:extLst>
+              <a:ext uri="{FF2B5EF4-FFF2-40B4-BE49-F238E27FC236}">
+                <a16:creationId xmlns:a16="http://schemas.microsoft.com/office/drawing/2014/main" id="{ADFA0AAD-BC42-0D44-8CA3-0AEBD754D79F}"/>
+              </a:ext>
+            </a:extLst>
+          </p:cNvPr>
+          <p:cNvPicPr>
+            <a:picLocks noChangeAspect="1"/>
+          </p:cNvPicPr>
+          <p:nvPr/>
+        </p:nvPicPr>
+        <p:blipFill rotWithShape="1">
+          <a:blip r:embed="rId11">
+            <a:extLst>
+              <a:ext uri="{BEBA8EAE-BF5A-486C-A8C5-ECC9F3942E4B}">
+                <a14:imgProps xmlns:a14="http://schemas.microsoft.com/office/drawing/2010/main">
+                  <a14:imgLayer r:embed="rId12">
+                    <a14:imgEffect>
+                      <a14:sharpenSoften amount="50000"/>
+                    </a14:imgEffect>
+                  </a14:imgLayer>
+                </a14:imgProps>
+              </a:ext>
+              <a:ext uri="{28A0092B-C50C-407E-A947-70E740481C1C}">
+                <a14:useLocalDpi xmlns:a14="http://schemas.microsoft.com/office/drawing/2010/main" val="0"/>
+              </a:ext>
+            </a:extLst>
+          </a:blip>
+          <a:srcRect t="20505" b="21552"/>
+          <a:stretch/>
+        </p:blipFill>
+        <p:spPr>
+          <a:xfrm>
+            <a:off x="15507651" y="16942390"/>
+            <a:ext cx="3259913" cy="875003"/>
+          </a:xfrm>
+          <a:prstGeom prst="rect">
+            <a:avLst/>
+          </a:prstGeom>
+        </p:spPr>
+      </p:pic>
+      <p:pic>
+        <p:nvPicPr>
+          <p:cNvPr id="30" name="Picture 29">
+            <a:extLst>
+              <a:ext uri="{FF2B5EF4-FFF2-40B4-BE49-F238E27FC236}">
+                <a16:creationId xmlns:a16="http://schemas.microsoft.com/office/drawing/2014/main" id="{302ED9B9-5C70-6D40-97D1-D8BF796425F2}"/>
+              </a:ext>
+            </a:extLst>
+          </p:cNvPr>
+          <p:cNvPicPr>
+            <a:picLocks noChangeAspect="1"/>
+          </p:cNvPicPr>
+          <p:nvPr/>
+        </p:nvPicPr>
+        <p:blipFill>
+          <a:blip r:embed="rId13">
+            <a:extLst>
+              <a:ext uri="{BEBA8EAE-BF5A-486C-A8C5-ECC9F3942E4B}">
+                <a14:imgProps xmlns:a14="http://schemas.microsoft.com/office/drawing/2010/main">
+                  <a14:imgLayer r:embed="rId14">
+                    <a14:imgEffect>
+                      <a14:sharpenSoften amount="50000"/>
+                    </a14:imgEffect>
+                  </a14:imgLayer>
+                </a14:imgProps>
+              </a:ext>
+              <a:ext uri="{28A0092B-C50C-407E-A947-70E740481C1C}">
+                <a14:useLocalDpi xmlns:a14="http://schemas.microsoft.com/office/drawing/2010/main" val="0"/>
+              </a:ext>
+            </a:extLst>
+          </a:blip>
+          <a:stretch>
+            <a:fillRect/>
+          </a:stretch>
+        </p:blipFill>
+        <p:spPr>
+          <a:xfrm>
+            <a:off x="15507651" y="14812051"/>
+            <a:ext cx="3516949" cy="660903"/>
+          </a:xfrm>
+          <a:prstGeom prst="rect">
+            <a:avLst/>
+          </a:prstGeom>
+        </p:spPr>
+      </p:pic>
+      <p:sp>
+        <p:nvSpPr>
+          <p:cNvPr id="77" name="文本框 12">
+            <a:extLst>
+              <a:ext uri="{FF2B5EF4-FFF2-40B4-BE49-F238E27FC236}">
+                <a16:creationId xmlns:a16="http://schemas.microsoft.com/office/drawing/2014/main" id="{16C5B9A9-4522-3A48-B09D-3C8A3698F5F3}"/>
+              </a:ext>
+            </a:extLst>
+          </p:cNvPr>
+          <p:cNvSpPr txBox="1"/>
+          <p:nvPr/>
+        </p:nvSpPr>
+        <p:spPr>
+          <a:xfrm>
+            <a:off x="13171483" y="26171127"/>
+            <a:ext cx="10192654" cy="2597762"/>
+          </a:xfrm>
+          <a:prstGeom prst="rect">
+            <a:avLst/>
+          </a:prstGeom>
+          <a:noFill/>
+        </p:spPr>
+        <p:txBody>
+          <a:bodyPr wrap="square" rtlCol="0">
+            <a:spAutoFit/>
+          </a:bodyPr>
+          <a:lstStyle/>
+          <a:p>
+            <a:pPr marL="457200" indent="-457200">
+              <a:lnSpc>
+                <a:spcPct val="150000"/>
+              </a:lnSpc>
+              <a:buFont typeface="Arial" panose="020B0604020202020204" pitchFamily="34" charset="0"/>
+              <a:buChar char="•"/>
+            </a:pPr>
+            <a:r>
+              <a:rPr kumimoji="1" lang="en-US" altLang="zh-CN" sz="2800" b="1" dirty="0">
+                <a:latin typeface="Arial" charset="0"/>
+                <a:ea typeface="Arial" charset="0"/>
+                <a:cs typeface="Arial" charset="0"/>
+              </a:rPr>
+              <a:t>K</a:t>
+            </a:r>
+            <a:r>
+              <a:rPr kumimoji="1" lang="en-US" altLang="zh-Hans" sz="2800" b="1" dirty="0">
+                <a:latin typeface="Arial" charset="0"/>
+                <a:ea typeface="Arial" charset="0"/>
+                <a:cs typeface="Arial" charset="0"/>
+              </a:rPr>
+              <a:t>-Nearest</a:t>
+            </a:r>
+            <a:r>
+              <a:rPr kumimoji="1" lang="zh-Hans" altLang="en-US" sz="2800" b="1" dirty="0">
+                <a:latin typeface="Arial" charset="0"/>
+                <a:ea typeface="Arial" charset="0"/>
+                <a:cs typeface="Arial" charset="0"/>
+              </a:rPr>
+              <a:t> </a:t>
+            </a:r>
+            <a:r>
+              <a:rPr kumimoji="1" lang="en-US" altLang="zh-Hans" sz="2800" b="1" dirty="0">
+                <a:latin typeface="Arial" charset="0"/>
+                <a:ea typeface="Arial" charset="0"/>
+                <a:cs typeface="Arial" charset="0"/>
+              </a:rPr>
+              <a:t>Neighbor</a:t>
+            </a:r>
+            <a:r>
+              <a:rPr kumimoji="1" lang="zh-Hans" altLang="en-US" sz="2800" dirty="0">
+                <a:latin typeface="Arial" charset="0"/>
+                <a:ea typeface="Arial" charset="0"/>
+                <a:cs typeface="Arial" charset="0"/>
+              </a:rPr>
+              <a:t> </a:t>
+            </a:r>
+            <a:r>
+              <a:rPr kumimoji="1" lang="en-US" altLang="zh-Hans" sz="2800" dirty="0">
+                <a:latin typeface="Arial" charset="0"/>
+                <a:ea typeface="Arial" charset="0"/>
+                <a:cs typeface="Arial" charset="0"/>
+              </a:rPr>
+              <a:t>search</a:t>
+            </a:r>
+            <a:r>
+              <a:rPr kumimoji="1" lang="zh-Hans" altLang="en-US" sz="2800" dirty="0">
+                <a:latin typeface="Arial" charset="0"/>
+                <a:ea typeface="Arial" charset="0"/>
+                <a:cs typeface="Arial" charset="0"/>
+              </a:rPr>
+              <a:t> </a:t>
+            </a:r>
+            <a:r>
+              <a:rPr kumimoji="1" lang="en-US" altLang="zh-Hans" sz="2800" dirty="0">
+                <a:latin typeface="Arial" charset="0"/>
+                <a:ea typeface="Arial" charset="0"/>
+                <a:cs typeface="Arial" charset="0"/>
+              </a:rPr>
+              <a:t>is</a:t>
+            </a:r>
+            <a:r>
+              <a:rPr kumimoji="1" lang="zh-Hans" altLang="en-US" sz="2800" dirty="0">
+                <a:latin typeface="Arial" charset="0"/>
+                <a:ea typeface="Arial" charset="0"/>
+                <a:cs typeface="Arial" charset="0"/>
+              </a:rPr>
+              <a:t> </a:t>
+            </a:r>
+            <a:r>
+              <a:rPr kumimoji="1" lang="en-US" altLang="zh-Hans" sz="2800" dirty="0">
+                <a:latin typeface="Arial" charset="0"/>
+                <a:ea typeface="Arial" charset="0"/>
+                <a:cs typeface="Arial" charset="0"/>
+              </a:rPr>
+              <a:t>performed</a:t>
+            </a:r>
+            <a:r>
+              <a:rPr kumimoji="1" lang="zh-Hans" altLang="en-US" sz="2800" dirty="0">
+                <a:latin typeface="Arial" charset="0"/>
+                <a:ea typeface="Arial" charset="0"/>
+                <a:cs typeface="Arial" charset="0"/>
+              </a:rPr>
+              <a:t> </a:t>
+            </a:r>
+            <a:r>
+              <a:rPr kumimoji="1" lang="en-US" altLang="zh-Hans" sz="2800" dirty="0">
+                <a:latin typeface="Arial" charset="0"/>
+                <a:ea typeface="Arial" charset="0"/>
+                <a:cs typeface="Arial" charset="0"/>
+              </a:rPr>
+              <a:t>after</a:t>
+            </a:r>
+            <a:r>
+              <a:rPr kumimoji="1" lang="zh-Hans" altLang="en-US" sz="2800" dirty="0">
+                <a:latin typeface="Arial" charset="0"/>
+                <a:ea typeface="Arial" charset="0"/>
+                <a:cs typeface="Arial" charset="0"/>
+              </a:rPr>
+              <a:t> </a:t>
+            </a:r>
+            <a:r>
+              <a:rPr kumimoji="1" lang="en-US" altLang="zh-Hans" sz="2800" dirty="0">
+                <a:latin typeface="Arial" charset="0"/>
+                <a:ea typeface="Arial" charset="0"/>
+                <a:cs typeface="Arial" charset="0"/>
+              </a:rPr>
+              <a:t>adjacent</a:t>
+            </a:r>
+            <a:r>
+              <a:rPr kumimoji="1" lang="zh-Hans" altLang="en-US" sz="2800" dirty="0">
+                <a:latin typeface="Arial" charset="0"/>
+                <a:ea typeface="Arial" charset="0"/>
+                <a:cs typeface="Arial" charset="0"/>
+              </a:rPr>
+              <a:t> </a:t>
+            </a:r>
+            <a:r>
+              <a:rPr kumimoji="1" lang="en-US" altLang="zh-Hans" sz="2800" dirty="0">
+                <a:latin typeface="Arial" charset="0"/>
+                <a:ea typeface="Arial" charset="0"/>
+                <a:cs typeface="Arial" charset="0"/>
+              </a:rPr>
+              <a:t>data</a:t>
+            </a:r>
+            <a:r>
+              <a:rPr kumimoji="1" lang="zh-Hans" altLang="en-US" sz="2800" dirty="0">
+                <a:latin typeface="Arial" charset="0"/>
+                <a:ea typeface="Arial" charset="0"/>
+                <a:cs typeface="Arial" charset="0"/>
+              </a:rPr>
+              <a:t> </a:t>
+            </a:r>
+            <a:r>
+              <a:rPr kumimoji="1" lang="en-US" altLang="zh-Hans" sz="2800" dirty="0">
+                <a:latin typeface="Arial" charset="0"/>
+                <a:ea typeface="Arial" charset="0"/>
+                <a:cs typeface="Arial" charset="0"/>
+              </a:rPr>
+              <a:t>being</a:t>
+            </a:r>
+            <a:r>
+              <a:rPr kumimoji="1" lang="zh-Hans" altLang="en-US" sz="2800" dirty="0">
+                <a:latin typeface="Arial" charset="0"/>
+                <a:ea typeface="Arial" charset="0"/>
+                <a:cs typeface="Arial" charset="0"/>
+              </a:rPr>
+              <a:t> </a:t>
+            </a:r>
+            <a:r>
+              <a:rPr kumimoji="1" lang="en-US" altLang="zh-Hans" sz="2800" dirty="0">
+                <a:latin typeface="Arial" charset="0"/>
+                <a:ea typeface="Arial" charset="0"/>
+                <a:cs typeface="Arial" charset="0"/>
+              </a:rPr>
+              <a:t>projected</a:t>
+            </a:r>
+            <a:r>
+              <a:rPr kumimoji="1" lang="zh-Hans" altLang="en-US" sz="2800" dirty="0">
+                <a:latin typeface="Arial" charset="0"/>
+                <a:ea typeface="Arial" charset="0"/>
+                <a:cs typeface="Arial" charset="0"/>
+              </a:rPr>
+              <a:t> </a:t>
+            </a:r>
+            <a:r>
+              <a:rPr kumimoji="1" lang="en-US" altLang="zh-Hans" sz="2800" dirty="0">
+                <a:latin typeface="Arial" charset="0"/>
+                <a:ea typeface="Arial" charset="0"/>
+                <a:cs typeface="Arial" charset="0"/>
+              </a:rPr>
+              <a:t>into</a:t>
+            </a:r>
+            <a:r>
+              <a:rPr kumimoji="1" lang="zh-Hans" altLang="en-US" sz="2800" dirty="0">
+                <a:latin typeface="Arial" charset="0"/>
+                <a:ea typeface="Arial" charset="0"/>
+                <a:cs typeface="Arial" charset="0"/>
+              </a:rPr>
+              <a:t> </a:t>
+            </a:r>
+            <a:r>
+              <a:rPr kumimoji="1" lang="en-US" altLang="zh-Hans" sz="2800" dirty="0">
+                <a:latin typeface="Arial" charset="0"/>
+                <a:ea typeface="Arial" charset="0"/>
+                <a:cs typeface="Arial" charset="0"/>
+              </a:rPr>
+              <a:t>buckets</a:t>
+            </a:r>
+            <a:r>
+              <a:rPr kumimoji="1" lang="zh-Hans" altLang="en-US" sz="2800" dirty="0">
+                <a:latin typeface="Arial" charset="0"/>
+                <a:ea typeface="Arial" charset="0"/>
+                <a:cs typeface="Arial" charset="0"/>
+              </a:rPr>
+              <a:t> </a:t>
+            </a:r>
+            <a:r>
+              <a:rPr kumimoji="1" lang="en-US" altLang="zh-Hans" sz="2800" dirty="0">
+                <a:latin typeface="Arial" charset="0"/>
+                <a:ea typeface="Arial" charset="0"/>
+                <a:cs typeface="Arial" charset="0"/>
+              </a:rPr>
+              <a:t>of</a:t>
+            </a:r>
+            <a:r>
+              <a:rPr kumimoji="1" lang="zh-Hans" altLang="en-US" sz="2800" dirty="0">
+                <a:latin typeface="Arial" charset="0"/>
+                <a:ea typeface="Arial" charset="0"/>
+                <a:cs typeface="Arial" charset="0"/>
+              </a:rPr>
+              <a:t> </a:t>
+            </a:r>
+            <a:r>
+              <a:rPr kumimoji="1" lang="en-US" altLang="zh-Hans" sz="2800" dirty="0">
+                <a:latin typeface="Arial" charset="0"/>
+                <a:ea typeface="Arial" charset="0"/>
+                <a:cs typeface="Arial" charset="0"/>
+              </a:rPr>
+              <a:t>LSH</a:t>
+            </a:r>
+            <a:r>
+              <a:rPr kumimoji="1" lang="zh-Hans" altLang="en-US" sz="2800" dirty="0">
+                <a:latin typeface="Arial" charset="0"/>
+                <a:ea typeface="Arial" charset="0"/>
+                <a:cs typeface="Arial" charset="0"/>
+              </a:rPr>
+              <a:t> </a:t>
+            </a:r>
+            <a:r>
+              <a:rPr kumimoji="1" lang="en-US" altLang="zh-Hans" sz="2800" dirty="0">
+                <a:latin typeface="Arial" charset="0"/>
+                <a:ea typeface="Arial" charset="0"/>
+                <a:cs typeface="Arial" charset="0"/>
+              </a:rPr>
+              <a:t>tables.</a:t>
+            </a:r>
+            <a:r>
+              <a:rPr kumimoji="1" lang="zh-Hans" altLang="en-US" sz="2800" dirty="0">
+                <a:latin typeface="Arial" charset="0"/>
+                <a:ea typeface="Arial" charset="0"/>
+                <a:cs typeface="Arial" charset="0"/>
+              </a:rPr>
+              <a:t> </a:t>
+            </a:r>
+            <a:r>
+              <a:rPr kumimoji="1" lang="en-US" altLang="zh-Hans" sz="2800" dirty="0">
+                <a:latin typeface="Arial" charset="0"/>
+                <a:ea typeface="Arial" charset="0"/>
+                <a:cs typeface="Arial" charset="0"/>
+              </a:rPr>
+              <a:t>Increasing</a:t>
+            </a:r>
+            <a:r>
+              <a:rPr kumimoji="1" lang="zh-Hans" altLang="en-US" sz="2800" dirty="0">
+                <a:latin typeface="Arial" charset="0"/>
+                <a:ea typeface="Arial" charset="0"/>
+                <a:cs typeface="Arial" charset="0"/>
+              </a:rPr>
+              <a:t> </a:t>
+            </a:r>
+            <a:r>
+              <a:rPr kumimoji="1" lang="en-US" altLang="zh-Hans" sz="2800" dirty="0">
+                <a:latin typeface="Arial" charset="0"/>
+                <a:ea typeface="Arial" charset="0"/>
+                <a:cs typeface="Arial" charset="0"/>
+              </a:rPr>
+              <a:t>the</a:t>
+            </a:r>
+            <a:r>
+              <a:rPr kumimoji="1" lang="zh-Hans" altLang="en-US" sz="2800" dirty="0">
+                <a:latin typeface="Arial" charset="0"/>
+                <a:ea typeface="Arial" charset="0"/>
+                <a:cs typeface="Arial" charset="0"/>
+              </a:rPr>
+              <a:t> </a:t>
+            </a:r>
+            <a:r>
+              <a:rPr kumimoji="1" lang="en-US" altLang="zh-Hans" sz="2800" dirty="0">
+                <a:latin typeface="Arial" charset="0"/>
+                <a:ea typeface="Arial" charset="0"/>
+                <a:cs typeface="Arial" charset="0"/>
+              </a:rPr>
+              <a:t>number</a:t>
+            </a:r>
+            <a:r>
+              <a:rPr kumimoji="1" lang="zh-Hans" altLang="en-US" sz="2800" dirty="0">
+                <a:latin typeface="Arial" charset="0"/>
+                <a:ea typeface="Arial" charset="0"/>
+                <a:cs typeface="Arial" charset="0"/>
+              </a:rPr>
+              <a:t> </a:t>
+            </a:r>
+            <a:r>
+              <a:rPr kumimoji="1" lang="en-US" altLang="zh-Hans" sz="2800" dirty="0">
+                <a:latin typeface="Arial" charset="0"/>
+                <a:ea typeface="Arial" charset="0"/>
+                <a:cs typeface="Arial" charset="0"/>
+              </a:rPr>
+              <a:t>of</a:t>
+            </a:r>
+            <a:r>
+              <a:rPr kumimoji="1" lang="zh-Hans" altLang="en-US" sz="2800" dirty="0">
+                <a:latin typeface="Arial" charset="0"/>
+                <a:ea typeface="Arial" charset="0"/>
+                <a:cs typeface="Arial" charset="0"/>
+              </a:rPr>
+              <a:t> </a:t>
+            </a:r>
+            <a:r>
+              <a:rPr kumimoji="1" lang="en-US" altLang="zh-Hans" sz="2800" dirty="0">
+                <a:latin typeface="Arial" charset="0"/>
+                <a:ea typeface="Arial" charset="0"/>
+                <a:cs typeface="Arial" charset="0"/>
+              </a:rPr>
+              <a:t>nearest</a:t>
+            </a:r>
+            <a:r>
+              <a:rPr kumimoji="1" lang="zh-Hans" altLang="en-US" sz="2800" dirty="0">
+                <a:latin typeface="Arial" charset="0"/>
+                <a:ea typeface="Arial" charset="0"/>
+                <a:cs typeface="Arial" charset="0"/>
+              </a:rPr>
+              <a:t> </a:t>
+            </a:r>
+            <a:r>
+              <a:rPr kumimoji="1" lang="en-US" altLang="zh-Hans" sz="2800" dirty="0">
+                <a:latin typeface="Arial" charset="0"/>
+                <a:ea typeface="Arial" charset="0"/>
+                <a:cs typeface="Arial" charset="0"/>
+              </a:rPr>
+              <a:t>neighbors</a:t>
+            </a:r>
+            <a:r>
+              <a:rPr kumimoji="1" lang="zh-Hans" altLang="en-US" sz="2800" dirty="0">
+                <a:latin typeface="Arial" charset="0"/>
+                <a:ea typeface="Arial" charset="0"/>
+                <a:cs typeface="Arial" charset="0"/>
+              </a:rPr>
+              <a:t> </a:t>
+            </a:r>
+            <a:r>
+              <a:rPr kumimoji="1" lang="en-US" altLang="zh-Hans" sz="2800" dirty="0">
+                <a:latin typeface="Arial" charset="0"/>
+                <a:ea typeface="Arial" charset="0"/>
+                <a:cs typeface="Arial" charset="0"/>
+              </a:rPr>
+              <a:t>can</a:t>
+            </a:r>
+            <a:r>
+              <a:rPr kumimoji="1" lang="zh-Hans" altLang="en-US" sz="2800" dirty="0">
+                <a:latin typeface="Arial" charset="0"/>
+                <a:ea typeface="Arial" charset="0"/>
+                <a:cs typeface="Arial" charset="0"/>
+              </a:rPr>
+              <a:t> </a:t>
+            </a:r>
+            <a:r>
+              <a:rPr kumimoji="1" lang="en-US" altLang="zh-Hans" sz="2800" dirty="0">
+                <a:latin typeface="Arial" charset="0"/>
+                <a:ea typeface="Arial" charset="0"/>
+                <a:cs typeface="Arial" charset="0"/>
+              </a:rPr>
+              <a:t>cause</a:t>
+            </a:r>
+            <a:r>
+              <a:rPr kumimoji="1" lang="zh-Hans" altLang="en-US" sz="2800" dirty="0">
+                <a:latin typeface="Arial" charset="0"/>
+                <a:ea typeface="Arial" charset="0"/>
+                <a:cs typeface="Arial" charset="0"/>
+              </a:rPr>
+              <a:t> </a:t>
+            </a:r>
+            <a:r>
+              <a:rPr kumimoji="1" lang="en-US" altLang="zh-Hans" sz="2800" dirty="0">
+                <a:latin typeface="Arial" charset="0"/>
+                <a:ea typeface="Arial" charset="0"/>
+                <a:cs typeface="Arial" charset="0"/>
+              </a:rPr>
+              <a:t>decreasing</a:t>
+            </a:r>
+            <a:r>
+              <a:rPr kumimoji="1" lang="zh-Hans" altLang="en-US" sz="2800" dirty="0">
+                <a:latin typeface="Arial" charset="0"/>
+                <a:ea typeface="Arial" charset="0"/>
+                <a:cs typeface="Arial" charset="0"/>
+              </a:rPr>
+              <a:t> </a:t>
+            </a:r>
+            <a:r>
+              <a:rPr kumimoji="1" lang="en-US" altLang="zh-Hans" sz="2800" dirty="0">
+                <a:latin typeface="Arial" charset="0"/>
+                <a:ea typeface="Arial" charset="0"/>
+                <a:cs typeface="Arial" charset="0"/>
+              </a:rPr>
+              <a:t>of</a:t>
+            </a:r>
+            <a:r>
+              <a:rPr kumimoji="1" lang="zh-Hans" altLang="en-US" sz="2800" dirty="0">
+                <a:latin typeface="Arial" charset="0"/>
+                <a:ea typeface="Arial" charset="0"/>
+                <a:cs typeface="Arial" charset="0"/>
+              </a:rPr>
+              <a:t> </a:t>
+            </a:r>
+            <a:r>
+              <a:rPr kumimoji="1" lang="en-US" altLang="zh-Hans" sz="2800" dirty="0" err="1">
+                <a:latin typeface="Arial" charset="0"/>
+                <a:ea typeface="Arial" charset="0"/>
+                <a:cs typeface="Arial" charset="0"/>
+              </a:rPr>
+              <a:t>mAP</a:t>
+            </a:r>
+            <a:r>
+              <a:rPr kumimoji="1" lang="en-US" altLang="zh-Hans" sz="2800" dirty="0">
+                <a:latin typeface="Arial" charset="0"/>
+                <a:ea typeface="Arial" charset="0"/>
+                <a:cs typeface="Arial" charset="0"/>
+              </a:rPr>
+              <a:t>,</a:t>
+            </a:r>
+            <a:r>
+              <a:rPr kumimoji="1" lang="zh-Hans" altLang="en-US" sz="2800" dirty="0">
+                <a:latin typeface="Arial" charset="0"/>
+                <a:ea typeface="Arial" charset="0"/>
+                <a:cs typeface="Arial" charset="0"/>
+              </a:rPr>
+              <a:t> </a:t>
+            </a:r>
+            <a:r>
+              <a:rPr kumimoji="1" lang="en-US" altLang="zh-Hans" sz="2800" dirty="0">
+                <a:latin typeface="Arial" charset="0"/>
+                <a:ea typeface="Arial" charset="0"/>
+                <a:cs typeface="Arial" charset="0"/>
+              </a:rPr>
+              <a:t>which</a:t>
+            </a:r>
+            <a:r>
+              <a:rPr kumimoji="1" lang="zh-Hans" altLang="en-US" sz="2800" dirty="0">
+                <a:latin typeface="Arial" charset="0"/>
+                <a:ea typeface="Arial" charset="0"/>
+                <a:cs typeface="Arial" charset="0"/>
+              </a:rPr>
+              <a:t> </a:t>
+            </a:r>
+            <a:r>
+              <a:rPr kumimoji="1" lang="en-US" altLang="zh-Hans" sz="2800" dirty="0">
+                <a:latin typeface="Arial" charset="0"/>
+                <a:ea typeface="Arial" charset="0"/>
+                <a:cs typeface="Arial" charset="0"/>
+              </a:rPr>
+              <a:t>may</a:t>
+            </a:r>
+            <a:r>
+              <a:rPr kumimoji="1" lang="zh-Hans" altLang="en-US" sz="2800" dirty="0">
+                <a:latin typeface="Arial" charset="0"/>
+                <a:ea typeface="Arial" charset="0"/>
+                <a:cs typeface="Arial" charset="0"/>
+              </a:rPr>
+              <a:t> </a:t>
+            </a:r>
+            <a:r>
+              <a:rPr kumimoji="1" lang="en-US" altLang="zh-Hans" sz="2800" dirty="0">
+                <a:latin typeface="Arial" charset="0"/>
+                <a:ea typeface="Arial" charset="0"/>
+                <a:cs typeface="Arial" charset="0"/>
+              </a:rPr>
+              <a:t>be</a:t>
+            </a:r>
+            <a:r>
+              <a:rPr kumimoji="1" lang="zh-Hans" altLang="en-US" sz="2800" dirty="0">
+                <a:latin typeface="Arial" charset="0"/>
+                <a:ea typeface="Arial" charset="0"/>
+                <a:cs typeface="Arial" charset="0"/>
+              </a:rPr>
+              <a:t> </a:t>
+            </a:r>
+            <a:r>
+              <a:rPr kumimoji="1" lang="en-US" altLang="zh-Hans" sz="2800" dirty="0">
+                <a:latin typeface="Arial" charset="0"/>
+                <a:ea typeface="Arial" charset="0"/>
+                <a:cs typeface="Arial" charset="0"/>
+              </a:rPr>
+              <a:t>due</a:t>
+            </a:r>
+            <a:r>
+              <a:rPr kumimoji="1" lang="zh-Hans" altLang="en-US" sz="2800" dirty="0">
+                <a:latin typeface="Arial" charset="0"/>
+                <a:ea typeface="Arial" charset="0"/>
+                <a:cs typeface="Arial" charset="0"/>
+              </a:rPr>
+              <a:t> </a:t>
+            </a:r>
+            <a:r>
+              <a:rPr kumimoji="1" lang="en-US" altLang="zh-Hans" sz="2800" dirty="0">
+                <a:latin typeface="Arial" charset="0"/>
+                <a:ea typeface="Arial" charset="0"/>
+                <a:cs typeface="Arial" charset="0"/>
+              </a:rPr>
+              <a:t>to</a:t>
+            </a:r>
+            <a:r>
+              <a:rPr kumimoji="1" lang="zh-Hans" altLang="en-US" sz="2800" dirty="0">
+                <a:latin typeface="Arial" charset="0"/>
+                <a:ea typeface="Arial" charset="0"/>
+                <a:cs typeface="Arial" charset="0"/>
+              </a:rPr>
+              <a:t> </a:t>
+            </a:r>
+            <a:r>
+              <a:rPr kumimoji="1" lang="en-US" altLang="zh-Hans" sz="2800" dirty="0">
+                <a:latin typeface="Arial" charset="0"/>
+                <a:ea typeface="Arial" charset="0"/>
+                <a:cs typeface="Arial" charset="0"/>
+              </a:rPr>
+              <a:t>the</a:t>
+            </a:r>
+            <a:r>
+              <a:rPr kumimoji="1" lang="zh-Hans" altLang="en-US" sz="2800" dirty="0">
+                <a:latin typeface="Arial" charset="0"/>
+                <a:ea typeface="Arial" charset="0"/>
+                <a:cs typeface="Arial" charset="0"/>
+              </a:rPr>
+              <a:t> </a:t>
+            </a:r>
+            <a:r>
+              <a:rPr kumimoji="1" lang="en-US" altLang="zh-Hans" sz="2800" dirty="0">
+                <a:latin typeface="Arial" charset="0"/>
+                <a:ea typeface="Arial" charset="0"/>
+                <a:cs typeface="Arial" charset="0"/>
+              </a:rPr>
+              <a:t>increasing</a:t>
+            </a:r>
+            <a:r>
+              <a:rPr kumimoji="1" lang="zh-Hans" altLang="en-US" sz="2800" dirty="0">
+                <a:latin typeface="Arial" charset="0"/>
+                <a:ea typeface="Arial" charset="0"/>
+                <a:cs typeface="Arial" charset="0"/>
+              </a:rPr>
+              <a:t> </a:t>
+            </a:r>
+            <a:r>
+              <a:rPr kumimoji="1" lang="en-US" altLang="zh-Hans" sz="2800" dirty="0">
+                <a:latin typeface="Arial" charset="0"/>
+                <a:ea typeface="Arial" charset="0"/>
+                <a:cs typeface="Arial" charset="0"/>
+              </a:rPr>
+              <a:t>distance</a:t>
+            </a:r>
+            <a:r>
+              <a:rPr kumimoji="1" lang="zh-Hans" altLang="en-US" sz="2800" dirty="0">
+                <a:latin typeface="Arial" charset="0"/>
+                <a:ea typeface="Arial" charset="0"/>
+                <a:cs typeface="Arial" charset="0"/>
+              </a:rPr>
+              <a:t> </a:t>
+            </a:r>
+            <a:r>
+              <a:rPr kumimoji="1" lang="en-US" altLang="zh-Hans" sz="2800" dirty="0">
+                <a:latin typeface="Arial" charset="0"/>
+                <a:ea typeface="Arial" charset="0"/>
+                <a:cs typeface="Arial" charset="0"/>
+              </a:rPr>
+              <a:t>to</a:t>
+            </a:r>
+            <a:r>
+              <a:rPr kumimoji="1" lang="zh-Hans" altLang="en-US" sz="2800" dirty="0">
+                <a:latin typeface="Arial" charset="0"/>
+                <a:ea typeface="Arial" charset="0"/>
+                <a:cs typeface="Arial" charset="0"/>
+              </a:rPr>
+              <a:t> </a:t>
+            </a:r>
+            <a:r>
+              <a:rPr kumimoji="1" lang="en-US" altLang="zh-Hans" sz="2800" dirty="0">
+                <a:latin typeface="Arial" charset="0"/>
+                <a:ea typeface="Arial" charset="0"/>
+                <a:cs typeface="Arial" charset="0"/>
+              </a:rPr>
+              <a:t>KNNs.</a:t>
+            </a:r>
+            <a:endParaRPr kumimoji="1" lang="zh-CN" altLang="en-US" sz="2800" dirty="0">
+              <a:latin typeface="Arial" charset="0"/>
+              <a:ea typeface="Arial" charset="0"/>
+              <a:cs typeface="Arial" charset="0"/>
+            </a:endParaRPr>
+          </a:p>
+        </p:txBody>
+      </p:sp>
+      <p:sp>
+        <p:nvSpPr>
+          <p:cNvPr id="78" name="文本框 12">
+            <a:extLst>
+              <a:ext uri="{FF2B5EF4-FFF2-40B4-BE49-F238E27FC236}">
+                <a16:creationId xmlns:a16="http://schemas.microsoft.com/office/drawing/2014/main" id="{40C58E5F-54BC-B241-AF0F-4C031DCA387C}"/>
+              </a:ext>
+            </a:extLst>
+          </p:cNvPr>
+          <p:cNvSpPr txBox="1"/>
+          <p:nvPr/>
+        </p:nvSpPr>
+        <p:spPr>
+          <a:xfrm>
+            <a:off x="25290216" y="15352376"/>
+            <a:ext cx="10404041" cy="2597762"/>
+          </a:xfrm>
+          <a:prstGeom prst="rect">
+            <a:avLst/>
+          </a:prstGeom>
+          <a:noFill/>
+        </p:spPr>
+        <p:txBody>
+          <a:bodyPr wrap="square" rtlCol="0">
+            <a:spAutoFit/>
+          </a:bodyPr>
+          <a:lstStyle/>
+          <a:p>
+            <a:pPr marL="457200" indent="-457200">
+              <a:lnSpc>
+                <a:spcPct val="150000"/>
+              </a:lnSpc>
+              <a:buFont typeface="Arial" panose="020B0604020202020204" pitchFamily="34" charset="0"/>
+              <a:buChar char="•"/>
+            </a:pPr>
+            <a:r>
+              <a:rPr kumimoji="1" lang="en-US" altLang="zh-Hans" sz="2800" dirty="0">
+                <a:latin typeface="Arial" charset="0"/>
+                <a:ea typeface="Arial" charset="0"/>
+                <a:cs typeface="Arial" charset="0"/>
+              </a:rPr>
+              <a:t>With</a:t>
+            </a:r>
+            <a:r>
+              <a:rPr kumimoji="1" lang="zh-Hans" altLang="en-US" sz="2800" dirty="0">
+                <a:latin typeface="Arial" charset="0"/>
+                <a:ea typeface="Arial" charset="0"/>
+                <a:cs typeface="Arial" charset="0"/>
+              </a:rPr>
+              <a:t> </a:t>
+            </a:r>
+            <a:r>
+              <a:rPr kumimoji="1" lang="en-US" altLang="zh-Hans" sz="2800" dirty="0">
+                <a:latin typeface="Arial" charset="0"/>
+                <a:ea typeface="Arial" charset="0"/>
+                <a:cs typeface="Arial" charset="0"/>
+              </a:rPr>
+              <a:t>high</a:t>
+            </a:r>
+            <a:r>
+              <a:rPr kumimoji="1" lang="zh-Hans" altLang="en-US" sz="2800" dirty="0">
+                <a:latin typeface="Arial" charset="0"/>
+                <a:ea typeface="Arial" charset="0"/>
+                <a:cs typeface="Arial" charset="0"/>
+              </a:rPr>
+              <a:t> </a:t>
+            </a:r>
+            <a:r>
+              <a:rPr kumimoji="1" lang="en-US" altLang="zh-Hans" sz="2800" dirty="0">
+                <a:latin typeface="Arial" charset="0"/>
+                <a:ea typeface="Arial" charset="0"/>
+                <a:cs typeface="Arial" charset="0"/>
+              </a:rPr>
+              <a:t>number K</a:t>
+            </a:r>
+            <a:r>
+              <a:rPr kumimoji="1" lang="zh-Hans" altLang="en-US" sz="2800" dirty="0">
+                <a:latin typeface="Arial" charset="0"/>
+                <a:ea typeface="Arial" charset="0"/>
+                <a:cs typeface="Arial" charset="0"/>
+              </a:rPr>
+              <a:t> </a:t>
+            </a:r>
+            <a:r>
+              <a:rPr kumimoji="1" lang="en-US" altLang="zh-Hans" sz="2800" dirty="0">
+                <a:latin typeface="Arial" charset="0"/>
+                <a:ea typeface="Arial" charset="0"/>
+                <a:cs typeface="Arial" charset="0"/>
+              </a:rPr>
+              <a:t>of</a:t>
+            </a:r>
+            <a:r>
+              <a:rPr kumimoji="1" lang="zh-Hans" altLang="en-US" sz="2800" dirty="0">
+                <a:latin typeface="Arial" charset="0"/>
+                <a:ea typeface="Arial" charset="0"/>
+                <a:cs typeface="Arial" charset="0"/>
+              </a:rPr>
+              <a:t> </a:t>
+            </a:r>
+            <a:r>
+              <a:rPr kumimoji="1" lang="en-US" altLang="zh-Hans" sz="2800" dirty="0">
+                <a:latin typeface="Arial" charset="0"/>
+                <a:ea typeface="Arial" charset="0"/>
+                <a:cs typeface="Arial" charset="0"/>
+              </a:rPr>
+              <a:t>nearest</a:t>
+            </a:r>
+            <a:r>
+              <a:rPr kumimoji="1" lang="zh-Hans" altLang="en-US" sz="2800" dirty="0">
+                <a:latin typeface="Arial" charset="0"/>
+                <a:ea typeface="Arial" charset="0"/>
+                <a:cs typeface="Arial" charset="0"/>
+              </a:rPr>
+              <a:t> </a:t>
+            </a:r>
+            <a:r>
+              <a:rPr kumimoji="1" lang="en-US" altLang="zh-Hans" sz="2800" dirty="0">
+                <a:latin typeface="Arial" charset="0"/>
+                <a:ea typeface="Arial" charset="0"/>
+                <a:cs typeface="Arial" charset="0"/>
+              </a:rPr>
+              <a:t>neighbors,</a:t>
+            </a:r>
+            <a:r>
+              <a:rPr kumimoji="1" lang="zh-Hans" altLang="en-US" sz="2800" dirty="0">
+                <a:latin typeface="Arial" charset="0"/>
+                <a:ea typeface="Arial" charset="0"/>
+                <a:cs typeface="Arial" charset="0"/>
+              </a:rPr>
+              <a:t> </a:t>
+            </a:r>
+            <a:r>
+              <a:rPr kumimoji="1" lang="en-US" altLang="zh-Hans" sz="2800" dirty="0">
+                <a:latin typeface="Arial" charset="0"/>
+                <a:ea typeface="Arial" charset="0"/>
+                <a:cs typeface="Arial" charset="0"/>
+              </a:rPr>
+              <a:t>the</a:t>
+            </a:r>
+            <a:r>
+              <a:rPr kumimoji="1" lang="zh-Hans" altLang="en-US" sz="2800" dirty="0">
+                <a:latin typeface="Arial" charset="0"/>
+                <a:ea typeface="Arial" charset="0"/>
+                <a:cs typeface="Arial" charset="0"/>
+              </a:rPr>
+              <a:t> </a:t>
+            </a:r>
+            <a:r>
+              <a:rPr kumimoji="1" lang="en-US" altLang="zh-Hans" sz="2800" dirty="0">
+                <a:latin typeface="Arial" charset="0"/>
+                <a:ea typeface="Arial" charset="0"/>
+                <a:cs typeface="Arial" charset="0"/>
+              </a:rPr>
+              <a:t>average</a:t>
+            </a:r>
+            <a:r>
+              <a:rPr kumimoji="1" lang="zh-Hans" altLang="en-US" sz="2800" dirty="0">
+                <a:latin typeface="Arial" charset="0"/>
+                <a:ea typeface="Arial" charset="0"/>
+                <a:cs typeface="Arial" charset="0"/>
+              </a:rPr>
+              <a:t> </a:t>
+            </a:r>
+            <a:r>
+              <a:rPr kumimoji="1" lang="en-US" altLang="zh-Hans" sz="2800" dirty="0">
+                <a:latin typeface="Arial" charset="0"/>
+                <a:ea typeface="Arial" charset="0"/>
+                <a:cs typeface="Arial" charset="0"/>
+              </a:rPr>
+              <a:t>distance</a:t>
+            </a:r>
+            <a:r>
+              <a:rPr kumimoji="1" lang="zh-Hans" altLang="en-US" sz="2800" dirty="0">
+                <a:latin typeface="Arial" charset="0"/>
+                <a:ea typeface="Arial" charset="0"/>
+                <a:cs typeface="Arial" charset="0"/>
+              </a:rPr>
+              <a:t> </a:t>
+            </a:r>
+            <a:r>
+              <a:rPr kumimoji="1" lang="en-US" altLang="zh-Hans" sz="2800" dirty="0">
+                <a:latin typeface="Arial" charset="0"/>
+                <a:ea typeface="Arial" charset="0"/>
+                <a:cs typeface="Arial" charset="0"/>
+              </a:rPr>
+              <a:t>to</a:t>
+            </a:r>
+            <a:r>
+              <a:rPr kumimoji="1" lang="zh-Hans" altLang="en-US" sz="2800" dirty="0">
+                <a:latin typeface="Arial" charset="0"/>
+                <a:ea typeface="Arial" charset="0"/>
+                <a:cs typeface="Arial" charset="0"/>
+              </a:rPr>
+              <a:t> </a:t>
+            </a:r>
+            <a:r>
+              <a:rPr kumimoji="1" lang="en-US" altLang="zh-Hans" sz="2800" dirty="0">
+                <a:latin typeface="Arial" charset="0"/>
+                <a:ea typeface="Arial" charset="0"/>
+                <a:cs typeface="Arial" charset="0"/>
+              </a:rPr>
+              <a:t>k</a:t>
+            </a:r>
+            <a:r>
+              <a:rPr kumimoji="1" lang="zh-Hans" altLang="en-US" sz="2800" dirty="0">
+                <a:latin typeface="Arial" charset="0"/>
+                <a:ea typeface="Arial" charset="0"/>
+                <a:cs typeface="Arial" charset="0"/>
+              </a:rPr>
+              <a:t> </a:t>
+            </a:r>
+            <a:r>
+              <a:rPr kumimoji="1" lang="en-US" altLang="zh-Hans" sz="2800" dirty="0">
+                <a:latin typeface="Arial" charset="0"/>
+                <a:ea typeface="Arial" charset="0"/>
+                <a:cs typeface="Arial" charset="0"/>
+              </a:rPr>
+              <a:t>nearest</a:t>
+            </a:r>
+            <a:r>
+              <a:rPr kumimoji="1" lang="zh-Hans" altLang="en-US" sz="2800" dirty="0">
+                <a:latin typeface="Arial" charset="0"/>
+                <a:ea typeface="Arial" charset="0"/>
+                <a:cs typeface="Arial" charset="0"/>
+              </a:rPr>
+              <a:t> </a:t>
+            </a:r>
+            <a:r>
+              <a:rPr kumimoji="1" lang="en-US" altLang="zh-Hans" sz="2800" dirty="0">
+                <a:latin typeface="Arial" charset="0"/>
+                <a:ea typeface="Arial" charset="0"/>
+                <a:cs typeface="Arial" charset="0"/>
+              </a:rPr>
+              <a:t>neighbors</a:t>
+            </a:r>
+            <a:r>
+              <a:rPr kumimoji="1" lang="zh-Hans" altLang="en-US" sz="2800" dirty="0">
+                <a:latin typeface="Arial" charset="0"/>
+                <a:ea typeface="Arial" charset="0"/>
+                <a:cs typeface="Arial" charset="0"/>
+              </a:rPr>
+              <a:t> </a:t>
+            </a:r>
+            <a:r>
+              <a:rPr kumimoji="1" lang="en-US" altLang="zh-Hans" sz="2800" dirty="0">
+                <a:latin typeface="Arial" charset="0"/>
+                <a:ea typeface="Arial" charset="0"/>
+                <a:cs typeface="Arial" charset="0"/>
+              </a:rPr>
+              <a:t>will</a:t>
+            </a:r>
+            <a:r>
+              <a:rPr kumimoji="1" lang="zh-Hans" altLang="en-US" sz="2800" dirty="0">
+                <a:latin typeface="Arial" charset="0"/>
+                <a:ea typeface="Arial" charset="0"/>
+                <a:cs typeface="Arial" charset="0"/>
+              </a:rPr>
+              <a:t> </a:t>
+            </a:r>
+            <a:r>
+              <a:rPr kumimoji="1" lang="en-US" altLang="zh-Hans" sz="2800" dirty="0">
+                <a:latin typeface="Arial" charset="0"/>
+                <a:ea typeface="Arial" charset="0"/>
+                <a:cs typeface="Arial" charset="0"/>
+              </a:rPr>
+              <a:t>be</a:t>
+            </a:r>
+            <a:r>
+              <a:rPr kumimoji="1" lang="zh-Hans" altLang="en-US" sz="2800" dirty="0">
+                <a:latin typeface="Arial" charset="0"/>
+                <a:ea typeface="Arial" charset="0"/>
+                <a:cs typeface="Arial" charset="0"/>
+              </a:rPr>
+              <a:t> </a:t>
+            </a:r>
+            <a:r>
+              <a:rPr kumimoji="1" lang="en-US" altLang="zh-Hans" sz="2800" dirty="0">
+                <a:latin typeface="Arial" charset="0"/>
+                <a:ea typeface="Arial" charset="0"/>
+                <a:cs typeface="Arial" charset="0"/>
+              </a:rPr>
+              <a:t>very</a:t>
+            </a:r>
+            <a:r>
+              <a:rPr kumimoji="1" lang="zh-Hans" altLang="en-US" sz="2800" dirty="0">
+                <a:latin typeface="Arial" charset="0"/>
+                <a:ea typeface="Arial" charset="0"/>
+                <a:cs typeface="Arial" charset="0"/>
+              </a:rPr>
+              <a:t> </a:t>
+            </a:r>
+            <a:r>
+              <a:rPr kumimoji="1" lang="en-US" altLang="zh-Hans" sz="2800" dirty="0">
+                <a:latin typeface="Arial" charset="0"/>
+                <a:ea typeface="Arial" charset="0"/>
+                <a:cs typeface="Arial" charset="0"/>
+              </a:rPr>
+              <a:t>large,</a:t>
+            </a:r>
+            <a:r>
+              <a:rPr kumimoji="1" lang="zh-Hans" altLang="en-US" sz="2800" dirty="0">
+                <a:latin typeface="Arial" charset="0"/>
+                <a:ea typeface="Arial" charset="0"/>
+                <a:cs typeface="Arial" charset="0"/>
+              </a:rPr>
+              <a:t> </a:t>
+            </a:r>
+            <a:r>
+              <a:rPr kumimoji="1" lang="en-US" altLang="zh-Hans" sz="2800" dirty="0">
+                <a:latin typeface="Arial" charset="0"/>
+                <a:ea typeface="Arial" charset="0"/>
+                <a:cs typeface="Arial" charset="0"/>
+              </a:rPr>
+              <a:t>which</a:t>
+            </a:r>
+            <a:r>
+              <a:rPr kumimoji="1" lang="zh-Hans" altLang="en-US" sz="2800" dirty="0">
+                <a:latin typeface="Arial" charset="0"/>
+                <a:ea typeface="Arial" charset="0"/>
+                <a:cs typeface="Arial" charset="0"/>
+              </a:rPr>
+              <a:t> </a:t>
+            </a:r>
+            <a:r>
+              <a:rPr kumimoji="1" lang="en-US" altLang="zh-Hans" sz="2800" dirty="0">
+                <a:latin typeface="Arial" charset="0"/>
+                <a:ea typeface="Arial" charset="0"/>
+                <a:cs typeface="Arial" charset="0"/>
+              </a:rPr>
+              <a:t>may</a:t>
+            </a:r>
+            <a:r>
+              <a:rPr kumimoji="1" lang="zh-Hans" altLang="en-US" sz="2800" dirty="0">
+                <a:latin typeface="Arial" charset="0"/>
+                <a:ea typeface="Arial" charset="0"/>
+                <a:cs typeface="Arial" charset="0"/>
+              </a:rPr>
+              <a:t> </a:t>
+            </a:r>
+            <a:r>
+              <a:rPr kumimoji="1" lang="en-US" altLang="zh-Hans" sz="2800" dirty="0">
+                <a:latin typeface="Arial" charset="0"/>
+                <a:ea typeface="Arial" charset="0"/>
+                <a:cs typeface="Arial" charset="0"/>
+              </a:rPr>
+              <a:t>lead</a:t>
+            </a:r>
+            <a:r>
+              <a:rPr kumimoji="1" lang="zh-Hans" altLang="en-US" sz="2800" dirty="0">
+                <a:latin typeface="Arial" charset="0"/>
+                <a:ea typeface="Arial" charset="0"/>
+                <a:cs typeface="Arial" charset="0"/>
+              </a:rPr>
+              <a:t> </a:t>
+            </a:r>
+            <a:r>
+              <a:rPr kumimoji="1" lang="en-US" altLang="zh-Hans" sz="2800" dirty="0">
+                <a:latin typeface="Arial" charset="0"/>
+                <a:ea typeface="Arial" charset="0"/>
+                <a:cs typeface="Arial" charset="0"/>
+              </a:rPr>
+              <a:t>to</a:t>
+            </a:r>
+            <a:r>
+              <a:rPr kumimoji="1" lang="zh-Hans" altLang="en-US" sz="2800" dirty="0">
+                <a:latin typeface="Arial" charset="0"/>
+                <a:ea typeface="Arial" charset="0"/>
+                <a:cs typeface="Arial" charset="0"/>
+              </a:rPr>
+              <a:t> </a:t>
+            </a:r>
+            <a:r>
+              <a:rPr kumimoji="1" lang="en-US" altLang="zh-Hans" sz="2800" dirty="0">
+                <a:latin typeface="Arial" charset="0"/>
+                <a:ea typeface="Arial" charset="0"/>
+                <a:cs typeface="Arial" charset="0"/>
+              </a:rPr>
+              <a:t>low</a:t>
+            </a:r>
+            <a:r>
+              <a:rPr kumimoji="1" lang="zh-Hans" altLang="en-US" sz="2800" dirty="0">
+                <a:latin typeface="Arial" charset="0"/>
+                <a:ea typeface="Arial" charset="0"/>
+                <a:cs typeface="Arial" charset="0"/>
+              </a:rPr>
+              <a:t> </a:t>
+            </a:r>
+            <a:r>
+              <a:rPr kumimoji="1" lang="en-US" altLang="zh-Hans" sz="2800" dirty="0">
+                <a:latin typeface="Arial" charset="0"/>
+                <a:ea typeface="Arial" charset="0"/>
+                <a:cs typeface="Arial" charset="0"/>
+              </a:rPr>
+              <a:t>AP</a:t>
+            </a:r>
+            <a:r>
+              <a:rPr kumimoji="1" lang="zh-Hans" altLang="en-US" sz="2800" dirty="0">
+                <a:latin typeface="Arial" charset="0"/>
+                <a:ea typeface="Arial" charset="0"/>
+                <a:cs typeface="Arial" charset="0"/>
+              </a:rPr>
+              <a:t> </a:t>
+            </a:r>
+            <a:r>
+              <a:rPr kumimoji="1" lang="en-US" altLang="zh-Hans" sz="2800" dirty="0">
+                <a:latin typeface="Arial" charset="0"/>
+                <a:ea typeface="Arial" charset="0"/>
+                <a:cs typeface="Arial" charset="0"/>
+              </a:rPr>
+              <a:t>performance.</a:t>
+            </a:r>
+            <a:r>
+              <a:rPr kumimoji="1" lang="zh-Hans" altLang="en-US" sz="2800" dirty="0">
+                <a:latin typeface="Arial" charset="0"/>
+                <a:ea typeface="Arial" charset="0"/>
+                <a:cs typeface="Arial" charset="0"/>
+              </a:rPr>
+              <a:t> </a:t>
+            </a:r>
+            <a:r>
+              <a:rPr kumimoji="1" lang="en-US" altLang="zh-Hans" sz="2800" dirty="0">
+                <a:latin typeface="Arial" charset="0"/>
+                <a:ea typeface="Arial" charset="0"/>
+                <a:cs typeface="Arial" charset="0"/>
+              </a:rPr>
+              <a:t>In</a:t>
+            </a:r>
+            <a:r>
+              <a:rPr kumimoji="1" lang="zh-Hans" altLang="en-US" sz="2800" dirty="0">
+                <a:latin typeface="Arial" charset="0"/>
+                <a:ea typeface="Arial" charset="0"/>
+                <a:cs typeface="Arial" charset="0"/>
+              </a:rPr>
+              <a:t> </a:t>
+            </a:r>
+            <a:r>
+              <a:rPr kumimoji="1" lang="en-US" altLang="zh-Hans" sz="2800" dirty="0">
+                <a:latin typeface="Arial" charset="0"/>
+                <a:ea typeface="Arial" charset="0"/>
+                <a:cs typeface="Arial" charset="0"/>
+              </a:rPr>
+              <a:t>this</a:t>
+            </a:r>
+            <a:r>
+              <a:rPr kumimoji="1" lang="zh-Hans" altLang="en-US" sz="2800" dirty="0">
+                <a:latin typeface="Arial" charset="0"/>
+                <a:ea typeface="Arial" charset="0"/>
+                <a:cs typeface="Arial" charset="0"/>
+              </a:rPr>
+              <a:t> </a:t>
+            </a:r>
+            <a:r>
+              <a:rPr kumimoji="1" lang="en-US" altLang="zh-Hans" sz="2800" dirty="0">
+                <a:latin typeface="Arial" charset="0"/>
+                <a:ea typeface="Arial" charset="0"/>
+                <a:cs typeface="Arial" charset="0"/>
+              </a:rPr>
+              <a:t>case,</a:t>
+            </a:r>
+            <a:r>
+              <a:rPr kumimoji="1" lang="zh-Hans" altLang="en-US" sz="2800" dirty="0">
+                <a:latin typeface="Arial" charset="0"/>
+                <a:ea typeface="Arial" charset="0"/>
+                <a:cs typeface="Arial" charset="0"/>
+              </a:rPr>
+              <a:t>  </a:t>
+            </a:r>
+            <a:r>
+              <a:rPr kumimoji="1" lang="en-US" altLang="zh-Hans" sz="2800" dirty="0">
+                <a:latin typeface="Arial" charset="0"/>
+                <a:ea typeface="Arial" charset="0"/>
+                <a:cs typeface="Arial" charset="0"/>
+              </a:rPr>
+              <a:t>a</a:t>
+            </a:r>
+            <a:r>
+              <a:rPr kumimoji="1" lang="zh-Hans" altLang="en-US" sz="2800" dirty="0">
+                <a:latin typeface="Arial" charset="0"/>
+                <a:ea typeface="Arial" charset="0"/>
+                <a:cs typeface="Arial" charset="0"/>
+              </a:rPr>
+              <a:t> </a:t>
+            </a:r>
+            <a:r>
+              <a:rPr kumimoji="1" lang="en-US" altLang="zh-Hans" sz="2800" b="1" dirty="0">
+                <a:latin typeface="Arial" charset="0"/>
+                <a:ea typeface="Arial" charset="0"/>
+                <a:cs typeface="Arial" charset="0"/>
+              </a:rPr>
+              <a:t>cutoff</a:t>
+            </a:r>
+            <a:r>
+              <a:rPr kumimoji="1" lang="zh-Hans" altLang="en-US" sz="2800" dirty="0">
+                <a:latin typeface="Arial" charset="0"/>
+                <a:ea typeface="Arial" charset="0"/>
+                <a:cs typeface="Arial" charset="0"/>
+              </a:rPr>
+              <a:t> </a:t>
+            </a:r>
+            <a:r>
+              <a:rPr kumimoji="1" lang="en-US" altLang="zh-Hans" sz="2800" dirty="0">
+                <a:latin typeface="Arial" charset="0"/>
+                <a:ea typeface="Arial" charset="0"/>
+                <a:cs typeface="Arial" charset="0"/>
+              </a:rPr>
+              <a:t>radius</a:t>
+            </a:r>
+            <a:r>
+              <a:rPr kumimoji="1" lang="zh-Hans" altLang="en-US" sz="2800" dirty="0">
+                <a:latin typeface="Arial" charset="0"/>
+                <a:ea typeface="Arial" charset="0"/>
+                <a:cs typeface="Arial" charset="0"/>
+              </a:rPr>
+              <a:t> </a:t>
+            </a:r>
+            <a:r>
+              <a:rPr kumimoji="1" lang="en-US" altLang="zh-Hans" sz="2800" dirty="0" err="1">
+                <a:latin typeface="Arial" charset="0"/>
+                <a:ea typeface="Arial" charset="0"/>
+                <a:cs typeface="Arial" charset="0"/>
+              </a:rPr>
+              <a:t>cR</a:t>
+            </a:r>
+            <a:r>
+              <a:rPr kumimoji="1" lang="zh-Hans" altLang="en-US" sz="2800" dirty="0">
+                <a:latin typeface="Arial" charset="0"/>
+                <a:ea typeface="Arial" charset="0"/>
+                <a:cs typeface="Arial" charset="0"/>
+              </a:rPr>
+              <a:t> </a:t>
+            </a:r>
+            <a:r>
+              <a:rPr kumimoji="1" lang="en-US" altLang="zh-Hans" sz="2800" dirty="0">
+                <a:latin typeface="Arial" charset="0"/>
+                <a:ea typeface="Arial" charset="0"/>
+                <a:cs typeface="Arial" charset="0"/>
+              </a:rPr>
+              <a:t>is</a:t>
+            </a:r>
+            <a:r>
+              <a:rPr kumimoji="1" lang="zh-Hans" altLang="en-US" sz="2800" dirty="0">
+                <a:latin typeface="Arial" charset="0"/>
+                <a:ea typeface="Arial" charset="0"/>
+                <a:cs typeface="Arial" charset="0"/>
+              </a:rPr>
+              <a:t> </a:t>
+            </a:r>
+            <a:r>
+              <a:rPr kumimoji="1" lang="en-US" altLang="zh-Hans" sz="2800" dirty="0">
+                <a:latin typeface="Arial" charset="0"/>
+                <a:ea typeface="Arial" charset="0"/>
+                <a:cs typeface="Arial" charset="0"/>
+              </a:rPr>
+              <a:t>required</a:t>
+            </a:r>
+            <a:r>
+              <a:rPr kumimoji="1" lang="zh-Hans" altLang="en-US" sz="2800" dirty="0">
+                <a:latin typeface="Arial" charset="0"/>
+                <a:ea typeface="Arial" charset="0"/>
+                <a:cs typeface="Arial" charset="0"/>
+              </a:rPr>
+              <a:t> </a:t>
+            </a:r>
+            <a:r>
+              <a:rPr kumimoji="1" lang="en-US" altLang="zh-Hans" sz="2800" dirty="0">
+                <a:latin typeface="Arial" charset="0"/>
+                <a:ea typeface="Arial" charset="0"/>
+                <a:cs typeface="Arial" charset="0"/>
+              </a:rPr>
+              <a:t>for</a:t>
+            </a:r>
+            <a:r>
+              <a:rPr kumimoji="1" lang="zh-Hans" altLang="en-US" sz="2800" dirty="0">
+                <a:latin typeface="Arial" charset="0"/>
+                <a:ea typeface="Arial" charset="0"/>
+                <a:cs typeface="Arial" charset="0"/>
+              </a:rPr>
+              <a:t> </a:t>
+            </a:r>
+            <a:r>
+              <a:rPr kumimoji="1" lang="en-US" altLang="zh-Hans" sz="2800" dirty="0">
+                <a:latin typeface="Arial" charset="0"/>
+                <a:ea typeface="Arial" charset="0"/>
+                <a:cs typeface="Arial" charset="0"/>
+              </a:rPr>
+              <a:t>the</a:t>
+            </a:r>
+            <a:r>
+              <a:rPr kumimoji="1" lang="zh-Hans" altLang="en-US" sz="2800" dirty="0">
+                <a:latin typeface="Arial" charset="0"/>
+                <a:ea typeface="Arial" charset="0"/>
+                <a:cs typeface="Arial" charset="0"/>
+              </a:rPr>
+              <a:t> </a:t>
+            </a:r>
+            <a:r>
+              <a:rPr kumimoji="1" lang="en-US" altLang="zh-Hans" sz="2800" dirty="0">
+                <a:latin typeface="Arial" charset="0"/>
+                <a:ea typeface="Arial" charset="0"/>
+                <a:cs typeface="Arial" charset="0"/>
+              </a:rPr>
+              <a:t>algorithm</a:t>
+            </a:r>
+            <a:r>
+              <a:rPr kumimoji="1" lang="zh-Hans" altLang="en-US" sz="2800" dirty="0">
+                <a:latin typeface="Arial" charset="0"/>
+                <a:ea typeface="Arial" charset="0"/>
+                <a:cs typeface="Arial" charset="0"/>
+              </a:rPr>
+              <a:t> </a:t>
+            </a:r>
+            <a:r>
+              <a:rPr kumimoji="1" lang="en-US" altLang="zh-Hans" sz="2800" dirty="0">
+                <a:latin typeface="Arial" charset="0"/>
+                <a:ea typeface="Arial" charset="0"/>
+                <a:cs typeface="Arial" charset="0"/>
+              </a:rPr>
+              <a:t>to</a:t>
+            </a:r>
+            <a:r>
+              <a:rPr kumimoji="1" lang="zh-Hans" altLang="en-US" sz="2800" dirty="0">
+                <a:latin typeface="Arial" charset="0"/>
+                <a:ea typeface="Arial" charset="0"/>
+                <a:cs typeface="Arial" charset="0"/>
+              </a:rPr>
+              <a:t> </a:t>
+            </a:r>
+            <a:r>
+              <a:rPr kumimoji="1" lang="en-US" altLang="zh-Hans" sz="2800" dirty="0">
+                <a:latin typeface="Arial" charset="0"/>
+                <a:ea typeface="Arial" charset="0"/>
+                <a:cs typeface="Arial" charset="0"/>
+              </a:rPr>
+              <a:t>find</a:t>
+            </a:r>
+            <a:r>
+              <a:rPr kumimoji="1" lang="zh-Hans" altLang="en-US" sz="2800" dirty="0">
+                <a:latin typeface="Arial" charset="0"/>
+                <a:ea typeface="Arial" charset="0"/>
+                <a:cs typeface="Arial" charset="0"/>
+              </a:rPr>
+              <a:t> </a:t>
+            </a:r>
+            <a:r>
+              <a:rPr kumimoji="1" lang="en-US" altLang="zh-Hans" sz="2800" dirty="0">
+                <a:latin typeface="Arial" charset="0"/>
+                <a:ea typeface="Arial" charset="0"/>
+                <a:cs typeface="Arial" charset="0"/>
+              </a:rPr>
+              <a:t>the</a:t>
+            </a:r>
+            <a:r>
+              <a:rPr kumimoji="1" lang="zh-Hans" altLang="en-US" sz="2800" dirty="0">
+                <a:latin typeface="Arial" charset="0"/>
+                <a:ea typeface="Arial" charset="0"/>
+                <a:cs typeface="Arial" charset="0"/>
+              </a:rPr>
+              <a:t> </a:t>
+            </a:r>
+            <a:r>
+              <a:rPr kumimoji="1" lang="en-US" altLang="zh-Hans" sz="2800" dirty="0">
+                <a:latin typeface="Arial" charset="0"/>
+                <a:ea typeface="Arial" charset="0"/>
+                <a:cs typeface="Arial" charset="0"/>
+              </a:rPr>
+              <a:t>correct</a:t>
+            </a:r>
+            <a:r>
+              <a:rPr kumimoji="1" lang="zh-Hans" altLang="en-US" sz="2800" dirty="0">
+                <a:latin typeface="Arial" charset="0"/>
+                <a:ea typeface="Arial" charset="0"/>
+                <a:cs typeface="Arial" charset="0"/>
+              </a:rPr>
+              <a:t> </a:t>
+            </a:r>
+            <a:r>
+              <a:rPr kumimoji="1" lang="en-US" altLang="zh-Hans" sz="2800" dirty="0">
+                <a:latin typeface="Arial" charset="0"/>
+                <a:ea typeface="Arial" charset="0"/>
+                <a:cs typeface="Arial" charset="0"/>
+              </a:rPr>
+              <a:t>neighbors.</a:t>
+            </a:r>
+            <a:endParaRPr kumimoji="1" lang="zh-CN" altLang="en-US" sz="2800" dirty="0">
+              <a:latin typeface="Arial" charset="0"/>
+              <a:ea typeface="Arial" charset="0"/>
+              <a:cs typeface="Arial" charset="0"/>
+            </a:endParaRPr>
+          </a:p>
+        </p:txBody>
+      </p:sp>
+      <p:pic>
+        <p:nvPicPr>
+          <p:cNvPr id="32" name="Picture 31">
+            <a:extLst>
+              <a:ext uri="{FF2B5EF4-FFF2-40B4-BE49-F238E27FC236}">
+                <a16:creationId xmlns:a16="http://schemas.microsoft.com/office/drawing/2014/main" id="{C6EE86BD-AA47-F042-A582-7810F5A71825}"/>
+              </a:ext>
+            </a:extLst>
+          </p:cNvPr>
+          <p:cNvPicPr>
+            <a:picLocks noChangeAspect="1"/>
+          </p:cNvPicPr>
+          <p:nvPr/>
+        </p:nvPicPr>
+        <p:blipFill>
+          <a:blip r:embed="rId15">
+            <a:extLst>
+              <a:ext uri="{28A0092B-C50C-407E-A947-70E740481C1C}">
+                <a14:useLocalDpi xmlns:a14="http://schemas.microsoft.com/office/drawing/2010/main" val="0"/>
+              </a:ext>
+            </a:extLst>
+          </a:blip>
+          <a:stretch>
+            <a:fillRect/>
+          </a:stretch>
+        </p:blipFill>
+        <p:spPr>
+          <a:xfrm>
+            <a:off x="28852536" y="22206726"/>
+            <a:ext cx="3363783" cy="2286000"/>
+          </a:xfrm>
+          <a:prstGeom prst="rect">
+            <a:avLst/>
+          </a:prstGeom>
+        </p:spPr>
+      </p:pic>
+      <p:sp>
+        <p:nvSpPr>
+          <p:cNvPr id="33" name="Rounded Rectangle 32">
+            <a:extLst>
+              <a:ext uri="{FF2B5EF4-FFF2-40B4-BE49-F238E27FC236}">
+                <a16:creationId xmlns:a16="http://schemas.microsoft.com/office/drawing/2014/main" id="{DFFC1E40-C7EA-7241-919D-AE55944A6125}"/>
+              </a:ext>
+            </a:extLst>
+          </p:cNvPr>
+          <p:cNvSpPr/>
+          <p:nvPr/>
+        </p:nvSpPr>
+        <p:spPr>
+          <a:xfrm>
+            <a:off x="28346400" y="21912685"/>
+            <a:ext cx="4376057" cy="2874083"/>
+          </a:xfrm>
+          <a:prstGeom prst="roundRect">
+            <a:avLst/>
+          </a:prstGeom>
+          <a:noFill/>
+        </p:spPr>
+        <p:style>
+          <a:lnRef idx="2">
+            <a:schemeClr val="accent2"/>
+          </a:lnRef>
+          <a:fillRef idx="1">
+            <a:schemeClr val="lt1"/>
+          </a:fillRef>
+          <a:effectRef idx="0">
+            <a:schemeClr val="accent2"/>
+          </a:effectRef>
+          <a:fontRef idx="minor">
+            <a:schemeClr val="dk1"/>
+          </a:fontRef>
+        </p:style>
+        <p:txBody>
+          <a:bodyPr rtlCol="0" anchor="ctr"/>
+          <a:lstStyle/>
+          <a:p>
+            <a:pPr algn="ctr"/>
+            <a:endParaRPr lang="en-US" dirty="0"/>
+          </a:p>
+        </p:txBody>
+      </p:sp>
+      <p:sp>
+        <p:nvSpPr>
+          <p:cNvPr id="82" name="文本框 12">
+            <a:extLst>
+              <a:ext uri="{FF2B5EF4-FFF2-40B4-BE49-F238E27FC236}">
+                <a16:creationId xmlns:a16="http://schemas.microsoft.com/office/drawing/2014/main" id="{00EA0298-30E5-504F-ADDE-6431B42F0287}"/>
+              </a:ext>
+            </a:extLst>
+          </p:cNvPr>
+          <p:cNvSpPr txBox="1"/>
+          <p:nvPr/>
+        </p:nvSpPr>
+        <p:spPr>
+          <a:xfrm>
+            <a:off x="29257392" y="24743406"/>
+            <a:ext cx="3207214" cy="658770"/>
+          </a:xfrm>
+          <a:prstGeom prst="rect">
+            <a:avLst/>
+          </a:prstGeom>
+          <a:noFill/>
+        </p:spPr>
+        <p:txBody>
+          <a:bodyPr wrap="square" rtlCol="0">
+            <a:spAutoFit/>
+          </a:bodyPr>
+          <a:lstStyle/>
+          <a:p>
+            <a:pPr>
+              <a:lnSpc>
+                <a:spcPct val="150000"/>
+              </a:lnSpc>
+            </a:pPr>
+            <a:r>
+              <a:rPr kumimoji="1" lang="en-US" altLang="zh-Hans" sz="2800" dirty="0">
+                <a:latin typeface="Arial" charset="0"/>
+                <a:ea typeface="Arial" charset="0"/>
+                <a:cs typeface="Arial" charset="0"/>
+              </a:rPr>
+              <a:t>Query</a:t>
+            </a:r>
+            <a:r>
+              <a:rPr kumimoji="1" lang="zh-Hans" altLang="en-US" sz="2800" dirty="0">
+                <a:latin typeface="Arial" charset="0"/>
+                <a:ea typeface="Arial" charset="0"/>
+                <a:cs typeface="Arial" charset="0"/>
+              </a:rPr>
+              <a:t> </a:t>
+            </a:r>
+            <a:r>
+              <a:rPr kumimoji="1" lang="en-US" altLang="zh-Hans" sz="2800" dirty="0">
+                <a:latin typeface="Arial" charset="0"/>
+                <a:ea typeface="Arial" charset="0"/>
+                <a:cs typeface="Arial" charset="0"/>
+              </a:rPr>
+              <a:t>Data</a:t>
+            </a:r>
+            <a:r>
+              <a:rPr kumimoji="1" lang="zh-Hans" altLang="en-US" sz="2800" dirty="0">
+                <a:latin typeface="Arial" charset="0"/>
+                <a:ea typeface="Arial" charset="0"/>
+                <a:cs typeface="Arial" charset="0"/>
+              </a:rPr>
+              <a:t> </a:t>
+            </a:r>
+            <a:r>
+              <a:rPr kumimoji="1" lang="en-US" altLang="zh-Hans" sz="2800" dirty="0">
+                <a:latin typeface="Arial" charset="0"/>
+                <a:ea typeface="Arial" charset="0"/>
+                <a:cs typeface="Arial" charset="0"/>
+              </a:rPr>
+              <a:t>Box</a:t>
+            </a:r>
+            <a:endParaRPr kumimoji="1" lang="zh-CN" altLang="en-US" sz="2800" dirty="0">
+              <a:latin typeface="Arial" charset="0"/>
+              <a:ea typeface="Arial" charset="0"/>
+              <a:cs typeface="Arial" charset="0"/>
+            </a:endParaRPr>
+          </a:p>
+        </p:txBody>
+      </p:sp>
+      <p:grpSp>
+        <p:nvGrpSpPr>
+          <p:cNvPr id="131" name="Group 130">
+            <a:extLst>
+              <a:ext uri="{FF2B5EF4-FFF2-40B4-BE49-F238E27FC236}">
+                <a16:creationId xmlns:a16="http://schemas.microsoft.com/office/drawing/2014/main" id="{E28D0F25-F8B0-A74E-8E84-D45D77F12827}"/>
+              </a:ext>
+            </a:extLst>
+          </p:cNvPr>
+          <p:cNvGrpSpPr/>
+          <p:nvPr/>
+        </p:nvGrpSpPr>
+        <p:grpSpPr>
+          <a:xfrm>
+            <a:off x="29371717" y="19720107"/>
+            <a:ext cx="1965226" cy="1508942"/>
+            <a:chOff x="24625008" y="19599501"/>
+            <a:chExt cx="2459912" cy="1888772"/>
+          </a:xfrm>
+        </p:grpSpPr>
+        <p:pic>
+          <p:nvPicPr>
+            <p:cNvPr id="132" name="Picture 131">
+              <a:extLst>
+                <a:ext uri="{FF2B5EF4-FFF2-40B4-BE49-F238E27FC236}">
+                  <a16:creationId xmlns:a16="http://schemas.microsoft.com/office/drawing/2014/main" id="{0EA83980-CAC0-1E44-8FEB-EC4D59763CEA}"/>
+                </a:ext>
+              </a:extLst>
+            </p:cNvPr>
+            <p:cNvPicPr>
+              <a:picLocks noChangeAspect="1"/>
+            </p:cNvPicPr>
+            <p:nvPr/>
+          </p:nvPicPr>
+          <p:blipFill>
+            <a:blip r:embed="rId16">
+              <a:extLst>
+                <a:ext uri="{28A0092B-C50C-407E-A947-70E740481C1C}">
+                  <a14:useLocalDpi xmlns:a14="http://schemas.microsoft.com/office/drawing/2010/main" val="0"/>
+                </a:ext>
+              </a:extLst>
+            </a:blip>
+            <a:stretch>
+              <a:fillRect/>
+            </a:stretch>
+          </p:blipFill>
+          <p:spPr>
+            <a:xfrm>
+              <a:off x="24838238" y="19859242"/>
+              <a:ext cx="2024350" cy="1371600"/>
+            </a:xfrm>
+            <a:prstGeom prst="rect">
+              <a:avLst/>
+            </a:prstGeom>
+          </p:spPr>
+        </p:pic>
+        <p:sp>
+          <p:nvSpPr>
+            <p:cNvPr id="133" name="Rounded Rectangle 132">
+              <a:extLst>
+                <a:ext uri="{FF2B5EF4-FFF2-40B4-BE49-F238E27FC236}">
+                  <a16:creationId xmlns:a16="http://schemas.microsoft.com/office/drawing/2014/main" id="{C2ED49CB-A0F5-4D43-BF13-6D17CDBE77E4}"/>
+                </a:ext>
+              </a:extLst>
+            </p:cNvPr>
+            <p:cNvSpPr/>
+            <p:nvPr/>
+          </p:nvSpPr>
+          <p:spPr>
+            <a:xfrm>
+              <a:off x="24625008" y="19599501"/>
+              <a:ext cx="2459912" cy="1888772"/>
+            </a:xfrm>
+            <a:prstGeom prst="roundRect">
+              <a:avLst/>
+            </a:prstGeom>
+            <a:noFill/>
+          </p:spPr>
+          <p:style>
+            <a:lnRef idx="2">
+              <a:schemeClr val="accent1">
+                <a:shade val="50000"/>
+              </a:schemeClr>
+            </a:lnRef>
+            <a:fillRef idx="1">
+              <a:schemeClr val="accent1"/>
+            </a:fillRef>
+            <a:effectRef idx="0">
+              <a:schemeClr val="accent1"/>
+            </a:effectRef>
+            <a:fontRef idx="minor">
+              <a:schemeClr val="lt1"/>
+            </a:fontRef>
+          </p:style>
+          <p:txBody>
+            <a:bodyPr rtlCol="0" anchor="ctr"/>
+            <a:lstStyle/>
+            <a:p>
+              <a:pPr algn="ctr"/>
+              <a:endParaRPr lang="en-US" dirty="0"/>
+            </a:p>
+          </p:txBody>
+        </p:sp>
+      </p:grpSp>
+      <p:grpSp>
+        <p:nvGrpSpPr>
+          <p:cNvPr id="134" name="Group 133">
+            <a:extLst>
+              <a:ext uri="{FF2B5EF4-FFF2-40B4-BE49-F238E27FC236}">
+                <a16:creationId xmlns:a16="http://schemas.microsoft.com/office/drawing/2014/main" id="{EEF1B7A8-2E0C-D34F-9658-F6C2A7C30054}"/>
+              </a:ext>
+            </a:extLst>
+          </p:cNvPr>
+          <p:cNvGrpSpPr/>
+          <p:nvPr/>
+        </p:nvGrpSpPr>
+        <p:grpSpPr>
+          <a:xfrm>
+            <a:off x="26260222" y="20257300"/>
+            <a:ext cx="1965226" cy="1508942"/>
+            <a:chOff x="24625008" y="19599501"/>
+            <a:chExt cx="2459912" cy="1888772"/>
+          </a:xfrm>
+        </p:grpSpPr>
+        <p:pic>
+          <p:nvPicPr>
+            <p:cNvPr id="135" name="Picture 134">
+              <a:extLst>
+                <a:ext uri="{FF2B5EF4-FFF2-40B4-BE49-F238E27FC236}">
+                  <a16:creationId xmlns:a16="http://schemas.microsoft.com/office/drawing/2014/main" id="{F22ADF20-D73C-D544-B87C-EF3F72A03963}"/>
+                </a:ext>
+              </a:extLst>
+            </p:cNvPr>
+            <p:cNvPicPr>
+              <a:picLocks noChangeAspect="1"/>
+            </p:cNvPicPr>
+            <p:nvPr/>
+          </p:nvPicPr>
+          <p:blipFill>
+            <a:blip r:embed="rId17">
+              <a:extLst>
+                <a:ext uri="{28A0092B-C50C-407E-A947-70E740481C1C}">
+                  <a14:useLocalDpi xmlns:a14="http://schemas.microsoft.com/office/drawing/2010/main" val="0"/>
+                </a:ext>
+              </a:extLst>
+            </a:blip>
+            <a:stretch>
+              <a:fillRect/>
+            </a:stretch>
+          </p:blipFill>
+          <p:spPr>
+            <a:xfrm>
+              <a:off x="24835180" y="19904824"/>
+              <a:ext cx="2030466" cy="1280435"/>
+            </a:xfrm>
+            <a:prstGeom prst="rect">
+              <a:avLst/>
+            </a:prstGeom>
+          </p:spPr>
+        </p:pic>
+        <p:sp>
+          <p:nvSpPr>
+            <p:cNvPr id="136" name="Rounded Rectangle 135">
+              <a:extLst>
+                <a:ext uri="{FF2B5EF4-FFF2-40B4-BE49-F238E27FC236}">
+                  <a16:creationId xmlns:a16="http://schemas.microsoft.com/office/drawing/2014/main" id="{7E7B05AA-2817-1C4C-9715-BBA38CE19BEB}"/>
+                </a:ext>
+              </a:extLst>
+            </p:cNvPr>
+            <p:cNvSpPr/>
+            <p:nvPr/>
+          </p:nvSpPr>
+          <p:spPr>
+            <a:xfrm>
+              <a:off x="24625008" y="19599501"/>
+              <a:ext cx="2459912" cy="1888772"/>
+            </a:xfrm>
+            <a:prstGeom prst="roundRect">
+              <a:avLst/>
+            </a:prstGeom>
+            <a:noFill/>
+          </p:spPr>
+          <p:style>
+            <a:lnRef idx="2">
+              <a:schemeClr val="accent1">
+                <a:shade val="50000"/>
+              </a:schemeClr>
+            </a:lnRef>
+            <a:fillRef idx="1">
+              <a:schemeClr val="accent1"/>
+            </a:fillRef>
+            <a:effectRef idx="0">
+              <a:schemeClr val="accent1"/>
+            </a:effectRef>
+            <a:fontRef idx="minor">
+              <a:schemeClr val="lt1"/>
+            </a:fontRef>
+          </p:style>
+          <p:txBody>
+            <a:bodyPr rtlCol="0" anchor="ctr"/>
+            <a:lstStyle/>
+            <a:p>
+              <a:pPr algn="ctr"/>
+              <a:endParaRPr lang="en-US" dirty="0"/>
+            </a:p>
+          </p:txBody>
+        </p:sp>
+      </p:grpSp>
+      <p:grpSp>
+        <p:nvGrpSpPr>
+          <p:cNvPr id="137" name="Group 136">
+            <a:extLst>
+              <a:ext uri="{FF2B5EF4-FFF2-40B4-BE49-F238E27FC236}">
+                <a16:creationId xmlns:a16="http://schemas.microsoft.com/office/drawing/2014/main" id="{2E067F2D-1871-8943-963C-287D7C740600}"/>
+              </a:ext>
+            </a:extLst>
+          </p:cNvPr>
+          <p:cNvGrpSpPr/>
+          <p:nvPr/>
+        </p:nvGrpSpPr>
+        <p:grpSpPr>
+          <a:xfrm>
+            <a:off x="25730001" y="22651568"/>
+            <a:ext cx="1965226" cy="1508942"/>
+            <a:chOff x="24625008" y="19599501"/>
+            <a:chExt cx="2459912" cy="1888772"/>
+          </a:xfrm>
+        </p:grpSpPr>
+        <p:pic>
+          <p:nvPicPr>
+            <p:cNvPr id="138" name="Picture 137">
+              <a:extLst>
+                <a:ext uri="{FF2B5EF4-FFF2-40B4-BE49-F238E27FC236}">
+                  <a16:creationId xmlns:a16="http://schemas.microsoft.com/office/drawing/2014/main" id="{87358F64-5161-BD43-8562-9854012ADF76}"/>
+                </a:ext>
+              </a:extLst>
+            </p:cNvPr>
+            <p:cNvPicPr>
+              <a:picLocks noChangeAspect="1"/>
+            </p:cNvPicPr>
+            <p:nvPr/>
+          </p:nvPicPr>
+          <p:blipFill>
+            <a:blip r:embed="rId18">
+              <a:extLst>
+                <a:ext uri="{28A0092B-C50C-407E-A947-70E740481C1C}">
+                  <a14:useLocalDpi xmlns:a14="http://schemas.microsoft.com/office/drawing/2010/main" val="0"/>
+                </a:ext>
+              </a:extLst>
+            </a:blip>
+            <a:stretch>
+              <a:fillRect/>
+            </a:stretch>
+          </p:blipFill>
+          <p:spPr>
+            <a:xfrm>
+              <a:off x="24835180" y="19859242"/>
+              <a:ext cx="2030466" cy="1371600"/>
+            </a:xfrm>
+            <a:prstGeom prst="rect">
+              <a:avLst/>
+            </a:prstGeom>
+          </p:spPr>
+        </p:pic>
+        <p:sp>
+          <p:nvSpPr>
+            <p:cNvPr id="139" name="Rounded Rectangle 138">
+              <a:extLst>
+                <a:ext uri="{FF2B5EF4-FFF2-40B4-BE49-F238E27FC236}">
+                  <a16:creationId xmlns:a16="http://schemas.microsoft.com/office/drawing/2014/main" id="{2F4E0D84-02D4-084A-9340-21AEEDE34C1D}"/>
+                </a:ext>
+              </a:extLst>
+            </p:cNvPr>
+            <p:cNvSpPr/>
+            <p:nvPr/>
+          </p:nvSpPr>
+          <p:spPr>
+            <a:xfrm>
+              <a:off x="24625008" y="19599501"/>
+              <a:ext cx="2459912" cy="1888772"/>
+            </a:xfrm>
+            <a:prstGeom prst="roundRect">
+              <a:avLst/>
+            </a:prstGeom>
+            <a:noFill/>
+          </p:spPr>
+          <p:style>
+            <a:lnRef idx="2">
+              <a:schemeClr val="accent1">
+                <a:shade val="50000"/>
+              </a:schemeClr>
+            </a:lnRef>
+            <a:fillRef idx="1">
+              <a:schemeClr val="accent1"/>
+            </a:fillRef>
+            <a:effectRef idx="0">
+              <a:schemeClr val="accent1"/>
+            </a:effectRef>
+            <a:fontRef idx="minor">
+              <a:schemeClr val="lt1"/>
+            </a:fontRef>
+          </p:style>
+          <p:txBody>
+            <a:bodyPr rtlCol="0" anchor="ctr"/>
+            <a:lstStyle/>
+            <a:p>
+              <a:pPr algn="ctr"/>
+              <a:endParaRPr lang="en-US" dirty="0"/>
+            </a:p>
+          </p:txBody>
+        </p:sp>
+      </p:grpSp>
+      <p:grpSp>
+        <p:nvGrpSpPr>
+          <p:cNvPr id="140" name="Group 139">
+            <a:extLst>
+              <a:ext uri="{FF2B5EF4-FFF2-40B4-BE49-F238E27FC236}">
+                <a16:creationId xmlns:a16="http://schemas.microsoft.com/office/drawing/2014/main" id="{E2F36F73-45FA-4548-A4CE-4DE8AACE083D}"/>
+              </a:ext>
+            </a:extLst>
+          </p:cNvPr>
+          <p:cNvGrpSpPr/>
+          <p:nvPr/>
+        </p:nvGrpSpPr>
+        <p:grpSpPr>
+          <a:xfrm>
+            <a:off x="32792475" y="20257300"/>
+            <a:ext cx="1965226" cy="1508942"/>
+            <a:chOff x="24625008" y="19599501"/>
+            <a:chExt cx="2459912" cy="1888772"/>
+          </a:xfrm>
+        </p:grpSpPr>
+        <p:pic>
+          <p:nvPicPr>
+            <p:cNvPr id="141" name="Picture 140">
+              <a:extLst>
+                <a:ext uri="{FF2B5EF4-FFF2-40B4-BE49-F238E27FC236}">
+                  <a16:creationId xmlns:a16="http://schemas.microsoft.com/office/drawing/2014/main" id="{23A94452-87E9-9D40-A3E1-A79CF1D123CB}"/>
+                </a:ext>
+              </a:extLst>
+            </p:cNvPr>
+            <p:cNvPicPr>
+              <a:picLocks noChangeAspect="1"/>
+            </p:cNvPicPr>
+            <p:nvPr/>
+          </p:nvPicPr>
+          <p:blipFill>
+            <a:blip r:embed="rId19">
+              <a:extLst>
+                <a:ext uri="{28A0092B-C50C-407E-A947-70E740481C1C}">
+                  <a14:useLocalDpi xmlns:a14="http://schemas.microsoft.com/office/drawing/2010/main" val="0"/>
+                </a:ext>
+              </a:extLst>
+            </a:blip>
+            <a:stretch>
+              <a:fillRect/>
+            </a:stretch>
+          </p:blipFill>
+          <p:spPr>
+            <a:xfrm>
+              <a:off x="24838238" y="19859242"/>
+              <a:ext cx="2024350" cy="1371600"/>
+            </a:xfrm>
+            <a:prstGeom prst="rect">
+              <a:avLst/>
+            </a:prstGeom>
+          </p:spPr>
+        </p:pic>
+        <p:sp>
+          <p:nvSpPr>
+            <p:cNvPr id="142" name="Rounded Rectangle 141">
+              <a:extLst>
+                <a:ext uri="{FF2B5EF4-FFF2-40B4-BE49-F238E27FC236}">
+                  <a16:creationId xmlns:a16="http://schemas.microsoft.com/office/drawing/2014/main" id="{E9F1D062-8BB3-8547-83BA-666B258217FD}"/>
+                </a:ext>
+              </a:extLst>
+            </p:cNvPr>
+            <p:cNvSpPr/>
+            <p:nvPr/>
+          </p:nvSpPr>
+          <p:spPr>
+            <a:xfrm>
+              <a:off x="24625008" y="19599501"/>
+              <a:ext cx="2459912" cy="1888772"/>
+            </a:xfrm>
+            <a:prstGeom prst="roundRect">
+              <a:avLst/>
+            </a:prstGeom>
+            <a:noFill/>
+          </p:spPr>
+          <p:style>
+            <a:lnRef idx="2">
+              <a:schemeClr val="accent1">
+                <a:shade val="50000"/>
+              </a:schemeClr>
+            </a:lnRef>
+            <a:fillRef idx="1">
+              <a:schemeClr val="accent1"/>
+            </a:fillRef>
+            <a:effectRef idx="0">
+              <a:schemeClr val="accent1"/>
+            </a:effectRef>
+            <a:fontRef idx="minor">
+              <a:schemeClr val="lt1"/>
+            </a:fontRef>
+          </p:style>
+          <p:txBody>
+            <a:bodyPr rtlCol="0" anchor="ctr"/>
+            <a:lstStyle/>
+            <a:p>
+              <a:pPr algn="ctr"/>
+              <a:endParaRPr lang="en-US" dirty="0"/>
+            </a:p>
+          </p:txBody>
+        </p:sp>
+      </p:grpSp>
+      <p:grpSp>
+        <p:nvGrpSpPr>
+          <p:cNvPr id="143" name="Group 142">
+            <a:extLst>
+              <a:ext uri="{FF2B5EF4-FFF2-40B4-BE49-F238E27FC236}">
+                <a16:creationId xmlns:a16="http://schemas.microsoft.com/office/drawing/2014/main" id="{F8D6A538-87B2-B943-9571-6BF024CEB0E9}"/>
+              </a:ext>
+            </a:extLst>
+          </p:cNvPr>
+          <p:cNvGrpSpPr/>
+          <p:nvPr/>
+        </p:nvGrpSpPr>
+        <p:grpSpPr>
+          <a:xfrm>
+            <a:off x="33373630" y="22738221"/>
+            <a:ext cx="1965226" cy="1508942"/>
+            <a:chOff x="24625008" y="19599501"/>
+            <a:chExt cx="2459912" cy="1888772"/>
+          </a:xfrm>
+        </p:grpSpPr>
+        <p:pic>
+          <p:nvPicPr>
+            <p:cNvPr id="144" name="Picture 143">
+              <a:extLst>
+                <a:ext uri="{FF2B5EF4-FFF2-40B4-BE49-F238E27FC236}">
+                  <a16:creationId xmlns:a16="http://schemas.microsoft.com/office/drawing/2014/main" id="{96C3948D-15A6-DE4E-A887-FF9B1C619E20}"/>
+                </a:ext>
+              </a:extLst>
+            </p:cNvPr>
+            <p:cNvPicPr>
+              <a:picLocks noChangeAspect="1"/>
+            </p:cNvPicPr>
+            <p:nvPr/>
+          </p:nvPicPr>
+          <p:blipFill>
+            <a:blip r:embed="rId20">
+              <a:extLst>
+                <a:ext uri="{28A0092B-C50C-407E-A947-70E740481C1C}">
+                  <a14:useLocalDpi xmlns:a14="http://schemas.microsoft.com/office/drawing/2010/main" val="0"/>
+                </a:ext>
+              </a:extLst>
+            </a:blip>
+            <a:stretch>
+              <a:fillRect/>
+            </a:stretch>
+          </p:blipFill>
+          <p:spPr>
+            <a:xfrm>
+              <a:off x="24838238" y="19859242"/>
+              <a:ext cx="2024350" cy="1371600"/>
+            </a:xfrm>
+            <a:prstGeom prst="rect">
+              <a:avLst/>
+            </a:prstGeom>
+          </p:spPr>
+        </p:pic>
+        <p:sp>
+          <p:nvSpPr>
+            <p:cNvPr id="145" name="Rounded Rectangle 144">
+              <a:extLst>
+                <a:ext uri="{FF2B5EF4-FFF2-40B4-BE49-F238E27FC236}">
+                  <a16:creationId xmlns:a16="http://schemas.microsoft.com/office/drawing/2014/main" id="{BAEA1E01-DE31-A345-BCE6-B6A07A2802C8}"/>
+                </a:ext>
+              </a:extLst>
+            </p:cNvPr>
+            <p:cNvSpPr/>
+            <p:nvPr/>
+          </p:nvSpPr>
+          <p:spPr>
+            <a:xfrm>
+              <a:off x="24625008" y="19599501"/>
+              <a:ext cx="2459912" cy="1888772"/>
+            </a:xfrm>
+            <a:prstGeom prst="roundRect">
+              <a:avLst/>
+            </a:prstGeom>
+            <a:noFill/>
+          </p:spPr>
+          <p:style>
+            <a:lnRef idx="2">
+              <a:schemeClr val="accent1">
+                <a:shade val="50000"/>
+              </a:schemeClr>
+            </a:lnRef>
+            <a:fillRef idx="1">
+              <a:schemeClr val="accent1"/>
+            </a:fillRef>
+            <a:effectRef idx="0">
+              <a:schemeClr val="accent1"/>
+            </a:effectRef>
+            <a:fontRef idx="minor">
+              <a:schemeClr val="lt1"/>
+            </a:fontRef>
+          </p:style>
+          <p:txBody>
+            <a:bodyPr rtlCol="0" anchor="ctr"/>
+            <a:lstStyle/>
+            <a:p>
+              <a:pPr algn="ctr"/>
+              <a:endParaRPr lang="en-US" dirty="0"/>
+            </a:p>
+          </p:txBody>
+        </p:sp>
+      </p:grpSp>
+      <p:sp>
+        <p:nvSpPr>
+          <p:cNvPr id="146" name="文本框 12">
+            <a:extLst>
+              <a:ext uri="{FF2B5EF4-FFF2-40B4-BE49-F238E27FC236}">
+                <a16:creationId xmlns:a16="http://schemas.microsoft.com/office/drawing/2014/main" id="{02B7FDE6-4AEC-C246-8C72-C7D98E202974}"/>
+              </a:ext>
+            </a:extLst>
+          </p:cNvPr>
+          <p:cNvSpPr txBox="1"/>
+          <p:nvPr/>
+        </p:nvSpPr>
+        <p:spPr>
+          <a:xfrm>
+            <a:off x="25147230" y="24286208"/>
+            <a:ext cx="3207214" cy="658770"/>
+          </a:xfrm>
+          <a:prstGeom prst="rect">
+            <a:avLst/>
+          </a:prstGeom>
+          <a:noFill/>
+        </p:spPr>
+        <p:txBody>
+          <a:bodyPr wrap="square" rtlCol="0">
+            <a:spAutoFit/>
+          </a:bodyPr>
+          <a:lstStyle/>
+          <a:p>
+            <a:pPr>
+              <a:lnSpc>
+                <a:spcPct val="150000"/>
+              </a:lnSpc>
+            </a:pPr>
+            <a:r>
+              <a:rPr kumimoji="1" lang="en-US" altLang="zh-Hans" sz="2800" dirty="0">
+                <a:latin typeface="Arial" charset="0"/>
+                <a:ea typeface="Arial" charset="0"/>
+                <a:cs typeface="Arial" charset="0"/>
+              </a:rPr>
+              <a:t>Nearest</a:t>
+            </a:r>
+            <a:r>
+              <a:rPr kumimoji="1" lang="zh-Hans" altLang="en-US" sz="2800" dirty="0">
+                <a:latin typeface="Arial" charset="0"/>
+                <a:ea typeface="Arial" charset="0"/>
+                <a:cs typeface="Arial" charset="0"/>
+              </a:rPr>
+              <a:t> </a:t>
+            </a:r>
+            <a:r>
+              <a:rPr kumimoji="1" lang="en-US" altLang="zh-Hans" sz="2800" dirty="0">
+                <a:latin typeface="Arial" charset="0"/>
+                <a:ea typeface="Arial" charset="0"/>
+                <a:cs typeface="Arial" charset="0"/>
+              </a:rPr>
+              <a:t>neighbors</a:t>
+            </a:r>
+            <a:endParaRPr kumimoji="1" lang="zh-CN" altLang="en-US" sz="2800" dirty="0">
+              <a:latin typeface="Arial" charset="0"/>
+              <a:ea typeface="Arial" charset="0"/>
+              <a:cs typeface="Arial" charset="0"/>
+            </a:endParaRPr>
+          </a:p>
+        </p:txBody>
+      </p:sp>
+      <p:sp>
+        <p:nvSpPr>
+          <p:cNvPr id="147" name="文本框 12">
+            <a:extLst>
+              <a:ext uri="{FF2B5EF4-FFF2-40B4-BE49-F238E27FC236}">
+                <a16:creationId xmlns:a16="http://schemas.microsoft.com/office/drawing/2014/main" id="{6A277028-2462-624B-919A-0A5EDCC5535C}"/>
+              </a:ext>
+            </a:extLst>
+          </p:cNvPr>
+          <p:cNvSpPr txBox="1"/>
+          <p:nvPr/>
+        </p:nvSpPr>
+        <p:spPr>
+          <a:xfrm>
+            <a:off x="25429372" y="25467988"/>
+            <a:ext cx="9610471" cy="3244093"/>
+          </a:xfrm>
+          <a:prstGeom prst="rect">
+            <a:avLst/>
+          </a:prstGeom>
+          <a:noFill/>
+        </p:spPr>
+        <p:txBody>
+          <a:bodyPr wrap="square" rtlCol="0">
+            <a:spAutoFit/>
+          </a:bodyPr>
+          <a:lstStyle/>
+          <a:p>
+            <a:pPr marL="457200" indent="-457200">
+              <a:lnSpc>
+                <a:spcPct val="150000"/>
+              </a:lnSpc>
+              <a:buFont typeface="Arial" panose="020B0604020202020204" pitchFamily="34" charset="0"/>
+              <a:buChar char="•"/>
+            </a:pPr>
+            <a:r>
+              <a:rPr kumimoji="1" lang="en-US" altLang="zh-Hans" sz="2800" b="1" dirty="0">
+                <a:latin typeface="Arial" charset="0"/>
+                <a:ea typeface="Arial" charset="0"/>
+                <a:cs typeface="Arial" charset="0"/>
+              </a:rPr>
+              <a:t>Real</a:t>
+            </a:r>
+            <a:r>
+              <a:rPr kumimoji="1" lang="zh-Hans" altLang="en-US" sz="2800" b="1" dirty="0">
+                <a:latin typeface="Arial" charset="0"/>
+                <a:ea typeface="Arial" charset="0"/>
+                <a:cs typeface="Arial" charset="0"/>
+              </a:rPr>
+              <a:t> </a:t>
+            </a:r>
+            <a:r>
+              <a:rPr kumimoji="1" lang="en-US" altLang="zh-Hans" sz="2800" b="1" dirty="0">
+                <a:latin typeface="Arial" charset="0"/>
+                <a:ea typeface="Arial" charset="0"/>
+                <a:cs typeface="Arial" charset="0"/>
+              </a:rPr>
+              <a:t>time</a:t>
+            </a:r>
+            <a:r>
+              <a:rPr kumimoji="1" lang="zh-Hans" altLang="en-US" sz="2800" b="1" dirty="0">
+                <a:latin typeface="Arial" charset="0"/>
+                <a:ea typeface="Arial" charset="0"/>
+                <a:cs typeface="Arial" charset="0"/>
+              </a:rPr>
+              <a:t> </a:t>
+            </a:r>
+            <a:r>
+              <a:rPr kumimoji="1" lang="en-US" altLang="zh-Hans" sz="2800" b="1" dirty="0">
+                <a:latin typeface="Arial" charset="0"/>
+                <a:ea typeface="Arial" charset="0"/>
+                <a:cs typeface="Arial" charset="0"/>
+              </a:rPr>
+              <a:t>visualization</a:t>
+            </a:r>
+            <a:r>
+              <a:rPr kumimoji="1" lang="zh-Hans" altLang="en-US" sz="2800" b="1" dirty="0">
+                <a:latin typeface="Arial" charset="0"/>
+                <a:ea typeface="Arial" charset="0"/>
+                <a:cs typeface="Arial" charset="0"/>
+              </a:rPr>
+              <a:t> </a:t>
+            </a:r>
+            <a:r>
+              <a:rPr kumimoji="1" lang="en-US" altLang="zh-Hans" sz="2800" dirty="0">
+                <a:latin typeface="Arial" charset="0"/>
+                <a:ea typeface="Arial" charset="0"/>
+                <a:cs typeface="Arial" charset="0"/>
+              </a:rPr>
+              <a:t>is</a:t>
+            </a:r>
+            <a:r>
+              <a:rPr kumimoji="1" lang="zh-Hans" altLang="en-US" sz="2800" dirty="0">
+                <a:latin typeface="Arial" charset="0"/>
+                <a:ea typeface="Arial" charset="0"/>
+                <a:cs typeface="Arial" charset="0"/>
+              </a:rPr>
+              <a:t> </a:t>
+            </a:r>
+            <a:r>
+              <a:rPr kumimoji="1" lang="en-US" altLang="zh-Hans" sz="2800" dirty="0">
+                <a:latin typeface="Arial" charset="0"/>
+                <a:ea typeface="Arial" charset="0"/>
+                <a:cs typeface="Arial" charset="0"/>
+              </a:rPr>
+              <a:t>implemented</a:t>
+            </a:r>
+            <a:r>
+              <a:rPr kumimoji="1" lang="zh-Hans" altLang="en-US" sz="2800" dirty="0">
+                <a:latin typeface="Arial" charset="0"/>
+                <a:ea typeface="Arial" charset="0"/>
+                <a:cs typeface="Arial" charset="0"/>
+              </a:rPr>
+              <a:t> </a:t>
+            </a:r>
+            <a:r>
+              <a:rPr kumimoji="1" lang="en-US" altLang="zh-Hans" sz="2800" dirty="0">
+                <a:latin typeface="Arial" charset="0"/>
+                <a:ea typeface="Arial" charset="0"/>
+                <a:cs typeface="Arial" charset="0"/>
+              </a:rPr>
+              <a:t>in</a:t>
+            </a:r>
+            <a:r>
+              <a:rPr kumimoji="1" lang="zh-Hans" altLang="en-US" sz="2800" dirty="0">
+                <a:latin typeface="Arial" charset="0"/>
+                <a:ea typeface="Arial" charset="0"/>
+                <a:cs typeface="Arial" charset="0"/>
+              </a:rPr>
+              <a:t> </a:t>
+            </a:r>
+            <a:r>
+              <a:rPr kumimoji="1" lang="en-US" altLang="zh-Hans" sz="2800" dirty="0">
+                <a:latin typeface="Arial" charset="0"/>
+                <a:ea typeface="Arial" charset="0"/>
+                <a:cs typeface="Arial" charset="0"/>
+              </a:rPr>
+              <a:t>this</a:t>
+            </a:r>
+            <a:r>
+              <a:rPr kumimoji="1" lang="zh-Hans" altLang="en-US" sz="2800" dirty="0">
+                <a:latin typeface="Arial" charset="0"/>
+                <a:ea typeface="Arial" charset="0"/>
+                <a:cs typeface="Arial" charset="0"/>
+              </a:rPr>
+              <a:t> </a:t>
+            </a:r>
+            <a:r>
+              <a:rPr kumimoji="1" lang="en-US" altLang="zh-Hans" sz="2800" dirty="0">
+                <a:latin typeface="Arial" charset="0"/>
+                <a:ea typeface="Arial" charset="0"/>
+                <a:cs typeface="Arial" charset="0"/>
+              </a:rPr>
+              <a:t>code,</a:t>
+            </a:r>
+            <a:r>
+              <a:rPr kumimoji="1" lang="zh-Hans" altLang="en-US" sz="2800" dirty="0">
+                <a:latin typeface="Arial" charset="0"/>
+                <a:ea typeface="Arial" charset="0"/>
+                <a:cs typeface="Arial" charset="0"/>
+              </a:rPr>
+              <a:t> </a:t>
+            </a:r>
+            <a:r>
+              <a:rPr kumimoji="1" lang="en-US" altLang="zh-Hans" sz="2800" dirty="0">
+                <a:latin typeface="Arial" charset="0"/>
+                <a:ea typeface="Arial" charset="0"/>
+                <a:cs typeface="Arial" charset="0"/>
+              </a:rPr>
+              <a:t>enabling</a:t>
+            </a:r>
+            <a:r>
+              <a:rPr kumimoji="1" lang="zh-Hans" altLang="en-US" sz="2800" dirty="0">
+                <a:latin typeface="Arial" charset="0"/>
+                <a:ea typeface="Arial" charset="0"/>
+                <a:cs typeface="Arial" charset="0"/>
+              </a:rPr>
+              <a:t> </a:t>
+            </a:r>
+            <a:r>
+              <a:rPr kumimoji="1" lang="en-US" altLang="zh-Hans" sz="2800" dirty="0">
+                <a:latin typeface="Arial" charset="0"/>
+                <a:ea typeface="Arial" charset="0"/>
+                <a:cs typeface="Arial" charset="0"/>
+              </a:rPr>
+              <a:t>visual</a:t>
+            </a:r>
+            <a:r>
+              <a:rPr kumimoji="1" lang="zh-Hans" altLang="en-US" sz="2800" dirty="0">
+                <a:latin typeface="Arial" charset="0"/>
+                <a:ea typeface="Arial" charset="0"/>
+                <a:cs typeface="Arial" charset="0"/>
+              </a:rPr>
+              <a:t> </a:t>
+            </a:r>
+            <a:r>
+              <a:rPr kumimoji="1" lang="en-US" altLang="zh-Hans" sz="2800" dirty="0">
+                <a:latin typeface="Arial" charset="0"/>
+                <a:ea typeface="Arial" charset="0"/>
+                <a:cs typeface="Arial" charset="0"/>
+              </a:rPr>
+              <a:t>detection</a:t>
+            </a:r>
+            <a:r>
+              <a:rPr kumimoji="1" lang="zh-Hans" altLang="en-US" sz="2800" dirty="0">
+                <a:latin typeface="Arial" charset="0"/>
+                <a:ea typeface="Arial" charset="0"/>
+                <a:cs typeface="Arial" charset="0"/>
+              </a:rPr>
+              <a:t> </a:t>
+            </a:r>
+            <a:r>
+              <a:rPr kumimoji="1" lang="en-US" altLang="zh-Hans" sz="2800" dirty="0">
+                <a:latin typeface="Arial" charset="0"/>
+                <a:ea typeface="Arial" charset="0"/>
+                <a:cs typeface="Arial" charset="0"/>
+              </a:rPr>
+              <a:t>of</a:t>
+            </a:r>
+            <a:r>
+              <a:rPr kumimoji="1" lang="zh-Hans" altLang="en-US" sz="2800" dirty="0">
+                <a:latin typeface="Arial" charset="0"/>
+                <a:ea typeface="Arial" charset="0"/>
+                <a:cs typeface="Arial" charset="0"/>
+              </a:rPr>
+              <a:t> </a:t>
+            </a:r>
+            <a:r>
+              <a:rPr kumimoji="1" lang="en-US" altLang="zh-Hans" sz="2800" dirty="0">
+                <a:latin typeface="Arial" charset="0"/>
+                <a:ea typeface="Arial" charset="0"/>
+                <a:cs typeface="Arial" charset="0"/>
+              </a:rPr>
+              <a:t>the</a:t>
+            </a:r>
+            <a:r>
+              <a:rPr kumimoji="1" lang="zh-Hans" altLang="en-US" sz="2800" dirty="0">
+                <a:latin typeface="Arial" charset="0"/>
+                <a:ea typeface="Arial" charset="0"/>
+                <a:cs typeface="Arial" charset="0"/>
+              </a:rPr>
+              <a:t> </a:t>
+            </a:r>
+            <a:r>
+              <a:rPr kumimoji="1" lang="en-US" altLang="zh-Hans" sz="2800" dirty="0">
+                <a:latin typeface="Arial" charset="0"/>
+                <a:ea typeface="Arial" charset="0"/>
+                <a:cs typeface="Arial" charset="0"/>
+              </a:rPr>
+              <a:t>nearest</a:t>
+            </a:r>
+            <a:r>
+              <a:rPr kumimoji="1" lang="zh-Hans" altLang="en-US" sz="2800" dirty="0">
+                <a:latin typeface="Arial" charset="0"/>
+                <a:ea typeface="Arial" charset="0"/>
+                <a:cs typeface="Arial" charset="0"/>
+              </a:rPr>
+              <a:t> </a:t>
+            </a:r>
+            <a:r>
+              <a:rPr kumimoji="1" lang="en-US" altLang="zh-Hans" sz="2800" dirty="0">
+                <a:latin typeface="Arial" charset="0"/>
+                <a:ea typeface="Arial" charset="0"/>
+                <a:cs typeface="Arial" charset="0"/>
+              </a:rPr>
+              <a:t>neighbors</a:t>
+            </a:r>
+            <a:r>
+              <a:rPr kumimoji="1" lang="zh-Hans" altLang="en-US" sz="2800" dirty="0">
+                <a:latin typeface="Arial" charset="0"/>
+                <a:ea typeface="Arial" charset="0"/>
+                <a:cs typeface="Arial" charset="0"/>
+              </a:rPr>
+              <a:t> </a:t>
+            </a:r>
+            <a:r>
+              <a:rPr kumimoji="1" lang="en-US" altLang="zh-Hans" sz="2800" dirty="0">
+                <a:latin typeface="Arial" charset="0"/>
+                <a:ea typeface="Arial" charset="0"/>
+                <a:cs typeface="Arial" charset="0"/>
+              </a:rPr>
+              <a:t>of</a:t>
+            </a:r>
+            <a:r>
+              <a:rPr kumimoji="1" lang="zh-Hans" altLang="en-US" sz="2800" dirty="0">
+                <a:latin typeface="Arial" charset="0"/>
+                <a:ea typeface="Arial" charset="0"/>
+                <a:cs typeface="Arial" charset="0"/>
+              </a:rPr>
+              <a:t> </a:t>
+            </a:r>
+            <a:r>
+              <a:rPr kumimoji="1" lang="en-US" altLang="zh-Hans" sz="2800" dirty="0">
+                <a:latin typeface="Arial" charset="0"/>
+                <a:ea typeface="Arial" charset="0"/>
+                <a:cs typeface="Arial" charset="0"/>
+              </a:rPr>
+              <a:t>the</a:t>
+            </a:r>
+            <a:r>
+              <a:rPr kumimoji="1" lang="zh-Hans" altLang="en-US" sz="2800" dirty="0">
+                <a:latin typeface="Arial" charset="0"/>
+                <a:ea typeface="Arial" charset="0"/>
+                <a:cs typeface="Arial" charset="0"/>
+              </a:rPr>
+              <a:t> </a:t>
+            </a:r>
+            <a:r>
+              <a:rPr kumimoji="1" lang="en-US" altLang="zh-Hans" sz="2800" dirty="0">
+                <a:latin typeface="Arial" charset="0"/>
+                <a:ea typeface="Arial" charset="0"/>
+                <a:cs typeface="Arial" charset="0"/>
+              </a:rPr>
+              <a:t>querying</a:t>
+            </a:r>
+            <a:r>
+              <a:rPr kumimoji="1" lang="zh-Hans" altLang="en-US" sz="2800" dirty="0">
+                <a:latin typeface="Arial" charset="0"/>
+                <a:ea typeface="Arial" charset="0"/>
+                <a:cs typeface="Arial" charset="0"/>
+              </a:rPr>
+              <a:t> </a:t>
+            </a:r>
+            <a:r>
+              <a:rPr kumimoji="1" lang="en-US" altLang="zh-Hans" sz="2800" dirty="0">
+                <a:latin typeface="Arial" charset="0"/>
+                <a:ea typeface="Arial" charset="0"/>
+                <a:cs typeface="Arial" charset="0"/>
+              </a:rPr>
+              <a:t>data</a:t>
+            </a:r>
+            <a:r>
+              <a:rPr kumimoji="1" lang="zh-Hans" altLang="en-US" sz="2800" dirty="0">
+                <a:latin typeface="Arial" charset="0"/>
+                <a:ea typeface="Arial" charset="0"/>
+                <a:cs typeface="Arial" charset="0"/>
+              </a:rPr>
+              <a:t> </a:t>
+            </a:r>
+            <a:r>
+              <a:rPr kumimoji="1" lang="en-US" altLang="zh-Hans" sz="2800" dirty="0">
+                <a:latin typeface="Arial" charset="0"/>
+                <a:ea typeface="Arial" charset="0"/>
+                <a:cs typeface="Arial" charset="0"/>
+              </a:rPr>
+              <a:t>point,</a:t>
+            </a:r>
+            <a:r>
+              <a:rPr kumimoji="1" lang="zh-Hans" altLang="en-US" sz="2800" dirty="0">
+                <a:latin typeface="Arial" charset="0"/>
+                <a:ea typeface="Arial" charset="0"/>
+                <a:cs typeface="Arial" charset="0"/>
+              </a:rPr>
+              <a:t> </a:t>
+            </a:r>
+            <a:r>
+              <a:rPr kumimoji="1" lang="en-US" altLang="zh-Hans" sz="2800" dirty="0">
+                <a:latin typeface="Arial" charset="0"/>
+                <a:ea typeface="Arial" charset="0"/>
+                <a:cs typeface="Arial" charset="0"/>
+              </a:rPr>
+              <a:t>which</a:t>
+            </a:r>
+            <a:r>
+              <a:rPr kumimoji="1" lang="zh-Hans" altLang="en-US" sz="2800" dirty="0">
+                <a:latin typeface="Arial" charset="0"/>
+                <a:ea typeface="Arial" charset="0"/>
+                <a:cs typeface="Arial" charset="0"/>
+              </a:rPr>
+              <a:t> </a:t>
+            </a:r>
+            <a:r>
+              <a:rPr kumimoji="1" lang="en-US" altLang="zh-Hans" sz="2800" dirty="0">
+                <a:latin typeface="Arial" charset="0"/>
+                <a:ea typeface="Arial" charset="0"/>
+                <a:cs typeface="Arial" charset="0"/>
+              </a:rPr>
+              <a:t>takes</a:t>
+            </a:r>
+            <a:r>
+              <a:rPr kumimoji="1" lang="zh-Hans" altLang="en-US" sz="2800" dirty="0">
+                <a:latin typeface="Arial" charset="0"/>
+                <a:ea typeface="Arial" charset="0"/>
+                <a:cs typeface="Arial" charset="0"/>
+              </a:rPr>
+              <a:t> </a:t>
+            </a:r>
+            <a:r>
+              <a:rPr kumimoji="1" lang="en-US" altLang="zh-Hans" sz="2800" dirty="0">
+                <a:latin typeface="Arial" charset="0"/>
+                <a:ea typeface="Arial" charset="0"/>
+                <a:cs typeface="Arial" charset="0"/>
+              </a:rPr>
+              <a:t>the</a:t>
+            </a:r>
+            <a:r>
+              <a:rPr kumimoji="1" lang="zh-Hans" altLang="en-US" sz="2800" dirty="0">
+                <a:latin typeface="Arial" charset="0"/>
+                <a:ea typeface="Arial" charset="0"/>
+                <a:cs typeface="Arial" charset="0"/>
+              </a:rPr>
+              <a:t> </a:t>
+            </a:r>
+            <a:r>
+              <a:rPr kumimoji="1" lang="en-US" altLang="zh-Hans" sz="2800" dirty="0">
+                <a:latin typeface="Arial" charset="0"/>
+                <a:ea typeface="Arial" charset="0"/>
+                <a:cs typeface="Arial" charset="0"/>
+              </a:rPr>
+              <a:t>index</a:t>
+            </a:r>
+            <a:r>
+              <a:rPr kumimoji="1" lang="zh-Hans" altLang="en-US" sz="2800" dirty="0">
+                <a:latin typeface="Arial" charset="0"/>
+                <a:ea typeface="Arial" charset="0"/>
+                <a:cs typeface="Arial" charset="0"/>
+              </a:rPr>
+              <a:t> </a:t>
+            </a:r>
+            <a:r>
+              <a:rPr kumimoji="1" lang="en-US" altLang="zh-Hans" sz="2800" dirty="0">
+                <a:latin typeface="Arial" charset="0"/>
+                <a:ea typeface="Arial" charset="0"/>
+                <a:cs typeface="Arial" charset="0"/>
+              </a:rPr>
+              <a:t>of</a:t>
+            </a:r>
+            <a:r>
+              <a:rPr kumimoji="1" lang="zh-Hans" altLang="en-US" sz="2800" dirty="0">
+                <a:latin typeface="Arial" charset="0"/>
+                <a:ea typeface="Arial" charset="0"/>
+                <a:cs typeface="Arial" charset="0"/>
+              </a:rPr>
+              <a:t> </a:t>
+            </a:r>
+            <a:r>
+              <a:rPr kumimoji="1" lang="en-US" altLang="zh-Hans" sz="2800" dirty="0">
+                <a:latin typeface="Arial" charset="0"/>
+                <a:ea typeface="Arial" charset="0"/>
+                <a:cs typeface="Arial" charset="0"/>
+              </a:rPr>
+              <a:t>data</a:t>
+            </a:r>
+            <a:r>
+              <a:rPr kumimoji="1" lang="zh-Hans" altLang="en-US" sz="2800" dirty="0">
+                <a:latin typeface="Arial" charset="0"/>
+                <a:ea typeface="Arial" charset="0"/>
+                <a:cs typeface="Arial" charset="0"/>
+              </a:rPr>
+              <a:t> </a:t>
+            </a:r>
+            <a:r>
+              <a:rPr kumimoji="1" lang="en-US" altLang="zh-Hans" sz="2800" dirty="0">
+                <a:latin typeface="Arial" charset="0"/>
+                <a:ea typeface="Arial" charset="0"/>
+                <a:cs typeface="Arial" charset="0"/>
+              </a:rPr>
+              <a:t>in</a:t>
+            </a:r>
+            <a:r>
+              <a:rPr kumimoji="1" lang="zh-Hans" altLang="en-US" sz="2800" dirty="0">
+                <a:latin typeface="Arial" charset="0"/>
+                <a:ea typeface="Arial" charset="0"/>
+                <a:cs typeface="Arial" charset="0"/>
+              </a:rPr>
+              <a:t> </a:t>
+            </a:r>
+            <a:r>
+              <a:rPr kumimoji="1" lang="en-US" altLang="zh-Hans" sz="2800" dirty="0">
+                <a:latin typeface="Arial" charset="0"/>
+                <a:ea typeface="Arial" charset="0"/>
+                <a:cs typeface="Arial" charset="0"/>
+              </a:rPr>
+              <a:t>the</a:t>
+            </a:r>
+            <a:r>
+              <a:rPr kumimoji="1" lang="zh-Hans" altLang="en-US" sz="2800" dirty="0">
+                <a:latin typeface="Arial" charset="0"/>
+                <a:ea typeface="Arial" charset="0"/>
+                <a:cs typeface="Arial" charset="0"/>
+              </a:rPr>
+              <a:t> </a:t>
+            </a:r>
+            <a:r>
+              <a:rPr kumimoji="1" lang="en-US" altLang="zh-Hans" sz="2800" dirty="0">
+                <a:latin typeface="Arial" charset="0"/>
+                <a:ea typeface="Arial" charset="0"/>
+                <a:cs typeface="Arial" charset="0"/>
+              </a:rPr>
+              <a:t>query</a:t>
+            </a:r>
+            <a:r>
+              <a:rPr kumimoji="1" lang="zh-Hans" altLang="en-US" sz="2800" dirty="0">
+                <a:latin typeface="Arial" charset="0"/>
+                <a:ea typeface="Arial" charset="0"/>
+                <a:cs typeface="Arial" charset="0"/>
+              </a:rPr>
+              <a:t> </a:t>
+            </a:r>
+            <a:r>
+              <a:rPr kumimoji="1" lang="en-US" altLang="zh-Hans" sz="2800" dirty="0">
+                <a:latin typeface="Arial" charset="0"/>
+                <a:ea typeface="Arial" charset="0"/>
+                <a:cs typeface="Arial" charset="0"/>
+              </a:rPr>
+              <a:t>dataset</a:t>
+            </a:r>
+            <a:r>
+              <a:rPr kumimoji="1" lang="zh-Hans" altLang="en-US" sz="2800" dirty="0">
+                <a:latin typeface="Arial" charset="0"/>
+                <a:ea typeface="Arial" charset="0"/>
+                <a:cs typeface="Arial" charset="0"/>
+              </a:rPr>
+              <a:t> </a:t>
+            </a:r>
+            <a:r>
+              <a:rPr kumimoji="1" lang="en-US" altLang="zh-Hans" sz="2800" dirty="0">
+                <a:latin typeface="Arial" charset="0"/>
+                <a:ea typeface="Arial" charset="0"/>
+                <a:cs typeface="Arial" charset="0"/>
+              </a:rPr>
+              <a:t>and</a:t>
+            </a:r>
+            <a:r>
+              <a:rPr kumimoji="1" lang="zh-Hans" altLang="en-US" sz="2800" dirty="0">
+                <a:latin typeface="Arial" charset="0"/>
+                <a:ea typeface="Arial" charset="0"/>
+                <a:cs typeface="Arial" charset="0"/>
+              </a:rPr>
+              <a:t> </a:t>
+            </a:r>
+            <a:r>
+              <a:rPr kumimoji="1" lang="en-US" altLang="zh-Hans" sz="2800" dirty="0">
+                <a:latin typeface="Arial" charset="0"/>
+                <a:ea typeface="Arial" charset="0"/>
+                <a:cs typeface="Arial" charset="0"/>
+              </a:rPr>
+              <a:t>returns</a:t>
+            </a:r>
+            <a:r>
+              <a:rPr kumimoji="1" lang="zh-Hans" altLang="en-US" sz="2800" dirty="0">
+                <a:latin typeface="Arial" charset="0"/>
+                <a:ea typeface="Arial" charset="0"/>
+                <a:cs typeface="Arial" charset="0"/>
+              </a:rPr>
+              <a:t> </a:t>
+            </a:r>
+            <a:r>
+              <a:rPr kumimoji="1" lang="en-US" altLang="zh-Hans" sz="2800" dirty="0">
+                <a:latin typeface="Arial" charset="0"/>
+                <a:ea typeface="Arial" charset="0"/>
+                <a:cs typeface="Arial" charset="0"/>
+              </a:rPr>
+              <a:t>the</a:t>
+            </a:r>
+            <a:r>
+              <a:rPr kumimoji="1" lang="zh-Hans" altLang="en-US" sz="2800" dirty="0">
+                <a:latin typeface="Arial" charset="0"/>
+                <a:ea typeface="Arial" charset="0"/>
+                <a:cs typeface="Arial" charset="0"/>
+              </a:rPr>
+              <a:t> </a:t>
+            </a:r>
+            <a:r>
+              <a:rPr kumimoji="1" lang="en-US" altLang="zh-Hans" sz="2800" dirty="0">
+                <a:latin typeface="Arial" charset="0"/>
+                <a:ea typeface="Arial" charset="0"/>
+                <a:cs typeface="Arial" charset="0"/>
+              </a:rPr>
+              <a:t>boxed</a:t>
+            </a:r>
+            <a:r>
+              <a:rPr kumimoji="1" lang="zh-Hans" altLang="en-US" sz="2800" dirty="0">
+                <a:latin typeface="Arial" charset="0"/>
+                <a:ea typeface="Arial" charset="0"/>
+                <a:cs typeface="Arial" charset="0"/>
+              </a:rPr>
+              <a:t> </a:t>
+            </a:r>
+            <a:r>
+              <a:rPr kumimoji="1" lang="en-US" altLang="zh-Hans" sz="2800" dirty="0">
+                <a:latin typeface="Arial" charset="0"/>
+                <a:ea typeface="Arial" charset="0"/>
+                <a:cs typeface="Arial" charset="0"/>
+              </a:rPr>
+              <a:t>images</a:t>
+            </a:r>
+            <a:r>
+              <a:rPr kumimoji="1" lang="zh-Hans" altLang="en-US" sz="2800" dirty="0">
+                <a:latin typeface="Arial" charset="0"/>
+                <a:ea typeface="Arial" charset="0"/>
+                <a:cs typeface="Arial" charset="0"/>
+              </a:rPr>
+              <a:t> </a:t>
+            </a:r>
+            <a:r>
+              <a:rPr kumimoji="1" lang="en-US" altLang="zh-Hans" sz="2800" dirty="0">
+                <a:latin typeface="Arial" charset="0"/>
+                <a:ea typeface="Arial" charset="0"/>
+                <a:cs typeface="Arial" charset="0"/>
+              </a:rPr>
+              <a:t>of</a:t>
+            </a:r>
+            <a:r>
+              <a:rPr kumimoji="1" lang="zh-Hans" altLang="en-US" sz="2800" dirty="0">
+                <a:latin typeface="Arial" charset="0"/>
+                <a:ea typeface="Arial" charset="0"/>
+                <a:cs typeface="Arial" charset="0"/>
+              </a:rPr>
+              <a:t> </a:t>
+            </a:r>
+            <a:r>
+              <a:rPr kumimoji="1" lang="en-US" altLang="zh-Hans" sz="2800" dirty="0">
+                <a:latin typeface="Arial" charset="0"/>
+                <a:ea typeface="Arial" charset="0"/>
+                <a:cs typeface="Arial" charset="0"/>
+              </a:rPr>
+              <a:t>the</a:t>
+            </a:r>
+            <a:r>
+              <a:rPr kumimoji="1" lang="zh-Hans" altLang="en-US" sz="2800" dirty="0">
+                <a:latin typeface="Arial" charset="0"/>
+                <a:ea typeface="Arial" charset="0"/>
+                <a:cs typeface="Arial" charset="0"/>
+              </a:rPr>
+              <a:t> </a:t>
+            </a:r>
+            <a:r>
+              <a:rPr kumimoji="1" lang="en-US" altLang="zh-Hans" sz="2800" dirty="0">
+                <a:latin typeface="Arial" charset="0"/>
+                <a:ea typeface="Arial" charset="0"/>
+                <a:cs typeface="Arial" charset="0"/>
+              </a:rPr>
+              <a:t>corresponding</a:t>
+            </a:r>
+            <a:r>
+              <a:rPr kumimoji="1" lang="zh-Hans" altLang="en-US" sz="2800" dirty="0">
+                <a:latin typeface="Arial" charset="0"/>
+                <a:ea typeface="Arial" charset="0"/>
+                <a:cs typeface="Arial" charset="0"/>
+              </a:rPr>
+              <a:t> </a:t>
+            </a:r>
+            <a:r>
+              <a:rPr kumimoji="1" lang="en-US" altLang="zh-Hans" sz="2800" dirty="0">
+                <a:latin typeface="Arial" charset="0"/>
+                <a:ea typeface="Arial" charset="0"/>
+                <a:cs typeface="Arial" charset="0"/>
+              </a:rPr>
+              <a:t>k</a:t>
+            </a:r>
+            <a:r>
+              <a:rPr kumimoji="1" lang="zh-Hans" altLang="en-US" sz="2800" dirty="0">
+                <a:latin typeface="Arial" charset="0"/>
+                <a:ea typeface="Arial" charset="0"/>
+                <a:cs typeface="Arial" charset="0"/>
+              </a:rPr>
+              <a:t> </a:t>
+            </a:r>
+            <a:r>
+              <a:rPr kumimoji="1" lang="en-US" altLang="zh-Hans" sz="2800" dirty="0">
+                <a:latin typeface="Arial" charset="0"/>
+                <a:ea typeface="Arial" charset="0"/>
+                <a:cs typeface="Arial" charset="0"/>
+              </a:rPr>
+              <a:t>nearest</a:t>
+            </a:r>
+            <a:r>
+              <a:rPr kumimoji="1" lang="zh-Hans" altLang="en-US" sz="2800" dirty="0">
+                <a:latin typeface="Arial" charset="0"/>
+                <a:ea typeface="Arial" charset="0"/>
+                <a:cs typeface="Arial" charset="0"/>
+              </a:rPr>
+              <a:t> </a:t>
+            </a:r>
+            <a:r>
+              <a:rPr kumimoji="1" lang="en-US" altLang="zh-Hans" sz="2800" dirty="0">
+                <a:latin typeface="Arial" charset="0"/>
+                <a:ea typeface="Arial" charset="0"/>
+                <a:cs typeface="Arial" charset="0"/>
+              </a:rPr>
+              <a:t>neighbors</a:t>
+            </a:r>
+            <a:r>
+              <a:rPr kumimoji="1" lang="zh-Hans" altLang="en-US" sz="2800" dirty="0">
+                <a:latin typeface="Arial" charset="0"/>
+                <a:ea typeface="Arial" charset="0"/>
+                <a:cs typeface="Arial" charset="0"/>
+              </a:rPr>
+              <a:t> </a:t>
+            </a:r>
+            <a:r>
+              <a:rPr kumimoji="1" lang="en-US" altLang="zh-Hans" sz="2800" dirty="0">
+                <a:latin typeface="Arial" charset="0"/>
+                <a:ea typeface="Arial" charset="0"/>
+                <a:cs typeface="Arial" charset="0"/>
+              </a:rPr>
+              <a:t>of</a:t>
+            </a:r>
+            <a:r>
+              <a:rPr kumimoji="1" lang="zh-Hans" altLang="en-US" sz="2800" dirty="0">
+                <a:latin typeface="Arial" charset="0"/>
+                <a:ea typeface="Arial" charset="0"/>
+                <a:cs typeface="Arial" charset="0"/>
+              </a:rPr>
+              <a:t> </a:t>
+            </a:r>
+            <a:r>
+              <a:rPr kumimoji="1" lang="en-US" altLang="zh-Hans" sz="2800" dirty="0">
+                <a:latin typeface="Arial" charset="0"/>
+                <a:ea typeface="Arial" charset="0"/>
+                <a:cs typeface="Arial" charset="0"/>
+              </a:rPr>
+              <a:t>this</a:t>
+            </a:r>
+            <a:r>
+              <a:rPr kumimoji="1" lang="zh-Hans" altLang="en-US" sz="2800" dirty="0">
+                <a:latin typeface="Arial" charset="0"/>
+                <a:ea typeface="Arial" charset="0"/>
+                <a:cs typeface="Arial" charset="0"/>
+              </a:rPr>
+              <a:t> </a:t>
+            </a:r>
+            <a:r>
+              <a:rPr kumimoji="1" lang="en-US" altLang="zh-Hans" sz="2800" dirty="0">
+                <a:latin typeface="Arial" charset="0"/>
+                <a:ea typeface="Arial" charset="0"/>
+                <a:cs typeface="Arial" charset="0"/>
+              </a:rPr>
+              <a:t>data</a:t>
+            </a:r>
+            <a:r>
+              <a:rPr kumimoji="1" lang="zh-Hans" altLang="en-US" sz="2800" dirty="0">
+                <a:latin typeface="Arial" charset="0"/>
+                <a:ea typeface="Arial" charset="0"/>
+                <a:cs typeface="Arial" charset="0"/>
+              </a:rPr>
+              <a:t> </a:t>
+            </a:r>
+            <a:r>
+              <a:rPr kumimoji="1" lang="en-US" altLang="zh-Hans" sz="2800" dirty="0">
+                <a:latin typeface="Arial" charset="0"/>
+                <a:ea typeface="Arial" charset="0"/>
+                <a:cs typeface="Arial" charset="0"/>
+              </a:rPr>
+              <a:t>point.</a:t>
+            </a:r>
+            <a:endParaRPr kumimoji="1" lang="zh-CN" altLang="en-US" sz="2800" dirty="0">
+              <a:latin typeface="Arial" charset="0"/>
+              <a:ea typeface="Arial" charset="0"/>
+              <a:cs typeface="Arial" charset="0"/>
+            </a:endParaRPr>
           </a:p>
         </p:txBody>
       </p:sp>
